--- a/RahaMoosavi_presentation_ACSE9.pptx
+++ b/RahaMoosavi_presentation_ACSE9.pptx
@@ -5,28 +5,25 @@
     <p:sldMasterId id="2147483648" r:id="rId1"/>
   </p:sldMasterIdLst>
   <p:notesMasterIdLst>
-    <p:notesMasterId r:id="rId18"/>
+    <p:notesMasterId r:id="rId15"/>
   </p:notesMasterIdLst>
   <p:handoutMasterIdLst>
-    <p:handoutMasterId r:id="rId19"/>
+    <p:handoutMasterId r:id="rId16"/>
   </p:handoutMasterIdLst>
   <p:sldIdLst>
     <p:sldId id="256" r:id="rId2"/>
     <p:sldId id="258" r:id="rId3"/>
-    <p:sldId id="262" r:id="rId4"/>
-    <p:sldId id="271" r:id="rId5"/>
-    <p:sldId id="265" r:id="rId6"/>
-    <p:sldId id="273" r:id="rId7"/>
-    <p:sldId id="272" r:id="rId8"/>
-    <p:sldId id="259" r:id="rId9"/>
-    <p:sldId id="268" r:id="rId10"/>
-    <p:sldId id="269" r:id="rId11"/>
-    <p:sldId id="275" r:id="rId12"/>
-    <p:sldId id="274" r:id="rId13"/>
-    <p:sldId id="270" r:id="rId14"/>
-    <p:sldId id="276" r:id="rId15"/>
-    <p:sldId id="277" r:id="rId16"/>
-    <p:sldId id="260" r:id="rId17"/>
+    <p:sldId id="265" r:id="rId4"/>
+    <p:sldId id="273" r:id="rId5"/>
+    <p:sldId id="272" r:id="rId6"/>
+    <p:sldId id="259" r:id="rId7"/>
+    <p:sldId id="268" r:id="rId8"/>
+    <p:sldId id="275" r:id="rId9"/>
+    <p:sldId id="274" r:id="rId10"/>
+    <p:sldId id="270" r:id="rId11"/>
+    <p:sldId id="276" r:id="rId12"/>
+    <p:sldId id="277" r:id="rId13"/>
+    <p:sldId id="260" r:id="rId14"/>
   </p:sldIdLst>
   <p:sldSz cx="9144000" cy="5143500" type="screen16x9"/>
   <p:notesSz cx="6858000" cy="9144000"/>
@@ -158,769 +155,19 @@
 </p:presentation>
 </file>
 
-<file path=ppt/charts/chart1.xml><?xml version="1.0" encoding="utf-8"?>
-<c:chartSpace xmlns:c="http://schemas.openxmlformats.org/drawingml/2006/chart" xmlns:a="http://schemas.openxmlformats.org/drawingml/2006/main" xmlns:r="http://schemas.openxmlformats.org/officeDocument/2006/relationships" xmlns:c16r2="http://schemas.microsoft.com/office/drawing/2015/06/chart">
-  <c:date1904 val="0"/>
-  <c:lang val="en-US"/>
-  <c:roundedCorners val="0"/>
-  <mc:AlternateContent xmlns:mc="http://schemas.openxmlformats.org/markup-compatibility/2006">
-    <mc:Choice xmlns:c14="http://schemas.microsoft.com/office/drawing/2007/8/2/chart" Requires="c14">
-      <c14:style val="104"/>
-    </mc:Choice>
-    <mc:Fallback>
-      <c:style val="4"/>
-    </mc:Fallback>
-  </mc:AlternateContent>
-  <c:chart>
-    <c:autoTitleDeleted val="1"/>
-    <c:plotArea>
-      <c:layout/>
-      <c:lineChart>
-        <c:grouping val="standard"/>
-        <c:varyColors val="0"/>
-        <c:ser>
-          <c:idx val="0"/>
-          <c:order val="0"/>
-          <c:tx>
-            <c:strRef>
-              <c:f>Sheet1!$B$1</c:f>
-              <c:strCache>
-                <c:ptCount val="1"/>
-                <c:pt idx="0">
-                  <c:v>No. of grid blocks</c:v>
-                </c:pt>
-              </c:strCache>
-            </c:strRef>
-          </c:tx>
-          <c:spPr>
-            <a:ln w="25400" cap="rnd">
-              <a:solidFill>
-                <a:schemeClr val="lt1"/>
-              </a:solidFill>
-              <a:round/>
-            </a:ln>
-            <a:effectLst>
-              <a:outerShdw dist="25400" dir="2700000" algn="tl" rotWithShape="0">
-                <a:schemeClr val="accent2"/>
-              </a:outerShdw>
-            </a:effectLst>
-          </c:spPr>
-          <c:marker>
-            <c:symbol val="none"/>
-          </c:marker>
-          <c:dLbls>
-            <c:spPr>
-              <a:solidFill>
-                <a:schemeClr val="accent2"/>
-              </a:solidFill>
-              <a:ln>
-                <a:noFill/>
-              </a:ln>
-              <a:effectLst/>
-            </c:spPr>
-            <c:txPr>
-              <a:bodyPr rot="0" spcFirstLastPara="1" vertOverflow="ellipsis" vert="horz" wrap="square" lIns="38100" tIns="19050" rIns="38100" bIns="19050" anchor="ctr" anchorCtr="1">
-                <a:spAutoFit/>
-              </a:bodyPr>
-              <a:lstStyle/>
-              <a:p>
-                <a:pPr>
-                  <a:defRPr sz="1197" b="1" i="0" u="none" strike="noStrike" kern="1200" baseline="0">
-                    <a:solidFill>
-                      <a:schemeClr val="lt1"/>
-                    </a:solidFill>
-                    <a:latin typeface="+mn-lt"/>
-                    <a:ea typeface="+mn-ea"/>
-                    <a:cs typeface="+mn-cs"/>
-                  </a:defRPr>
-                </a:pPr>
-                <a:endParaRPr lang="en-US"/>
-              </a:p>
-            </c:txPr>
-            <c:dLblPos val="ctr"/>
-            <c:showLegendKey val="0"/>
-            <c:showVal val="1"/>
-            <c:showCatName val="0"/>
-            <c:showSerName val="0"/>
-            <c:showPercent val="0"/>
-            <c:showBubbleSize val="0"/>
-            <c:showLeaderLines val="0"/>
-            <c:extLst>
-              <c:ext xmlns:c15="http://schemas.microsoft.com/office/drawing/2012/chart" uri="{CE6537A1-D6FC-4f65-9D91-7224C49458BB}">
-                <c15:showLeaderLines val="1"/>
-                <c15:leaderLines>
-                  <c:spPr>
-                    <a:ln w="9525">
-                      <a:solidFill>
-                        <a:schemeClr val="accent2">
-                          <a:lumMod val="60000"/>
-                          <a:lumOff val="40000"/>
-                        </a:schemeClr>
-                      </a:solidFill>
-                    </a:ln>
-                    <a:effectLst/>
-                  </c:spPr>
-                </c15:leaderLines>
-              </c:ext>
-            </c:extLst>
-          </c:dLbls>
-          <c:cat>
-            <c:numRef>
-              <c:f>Sheet1!$A$2:$A$5</c:f>
-              <c:numCache>
-                <c:formatCode>General</c:formatCode>
-                <c:ptCount val="4"/>
-                <c:pt idx="0">
-                  <c:v>48</c:v>
-                </c:pt>
-                <c:pt idx="1">
-                  <c:v>4800</c:v>
-                </c:pt>
-                <c:pt idx="2">
-                  <c:v>19200</c:v>
-                </c:pt>
-                <c:pt idx="3">
-                  <c:v>76800</c:v>
-                </c:pt>
-              </c:numCache>
-            </c:numRef>
-          </c:cat>
-          <c:val>
-            <c:numRef>
-              <c:f>Sheet1!$B$2:$B$5</c:f>
-              <c:numCache>
-                <c:formatCode>General</c:formatCode>
-                <c:ptCount val="4"/>
-                <c:pt idx="0">
-                  <c:v>4</c:v>
-                </c:pt>
-                <c:pt idx="1">
-                  <c:v>21</c:v>
-                </c:pt>
-                <c:pt idx="2">
-                  <c:v>76</c:v>
-                </c:pt>
-                <c:pt idx="3">
-                  <c:v>530</c:v>
-                </c:pt>
-              </c:numCache>
-            </c:numRef>
-          </c:val>
-          <c:smooth val="0"/>
-          <c:extLst>
-            <c:ext xmlns:c16="http://schemas.microsoft.com/office/drawing/2014/chart" uri="{C3380CC4-5D6E-409C-BE32-E72D297353CC}">
-              <c16:uniqueId val="{00000000-058B-40FA-AC04-E8ECCC0EAAFA}"/>
-            </c:ext>
-          </c:extLst>
-        </c:ser>
-        <c:dLbls>
-          <c:dLblPos val="ctr"/>
-          <c:showLegendKey val="0"/>
-          <c:showVal val="1"/>
-          <c:showCatName val="0"/>
-          <c:showSerName val="0"/>
-          <c:showPercent val="0"/>
-          <c:showBubbleSize val="0"/>
-        </c:dLbls>
-        <c:dropLines>
-          <c:spPr>
-            <a:ln w="9525" cap="flat" cmpd="sng" algn="ctr">
-              <a:gradFill>
-                <a:gsLst>
-                  <a:gs pos="0">
-                    <a:schemeClr val="lt1"/>
-                  </a:gs>
-                  <a:gs pos="100000">
-                    <a:schemeClr val="lt1">
-                      <a:alpha val="0"/>
-                    </a:schemeClr>
-                  </a:gs>
-                </a:gsLst>
-                <a:lin ang="5400000" scaled="0"/>
-              </a:gradFill>
-              <a:round/>
-            </a:ln>
-            <a:effectLst/>
-          </c:spPr>
-        </c:dropLines>
-        <c:smooth val="0"/>
-        <c:axId val="1189228511"/>
-        <c:axId val="1182052095"/>
-      </c:lineChart>
-      <c:catAx>
-        <c:axId val="1189228511"/>
-        <c:scaling>
-          <c:orientation val="minMax"/>
-        </c:scaling>
-        <c:delete val="0"/>
-        <c:axPos val="b"/>
-        <c:title>
-          <c:tx>
-            <c:rich>
-              <a:bodyPr rot="0" spcFirstLastPara="1" vertOverflow="ellipsis" vert="horz" wrap="square" anchor="ctr" anchorCtr="1"/>
-              <a:lstStyle/>
-              <a:p>
-                <a:pPr>
-                  <a:defRPr sz="1197" b="1" i="0" u="none" strike="noStrike" kern="1200" baseline="0">
-                    <a:solidFill>
-                      <a:schemeClr val="lt1"/>
-                    </a:solidFill>
-                    <a:latin typeface="+mn-lt"/>
-                    <a:ea typeface="+mn-ea"/>
-                    <a:cs typeface="+mn-cs"/>
-                  </a:defRPr>
-                </a:pPr>
-                <a:r>
-                  <a:rPr lang="en-US" dirty="0">
-                    <a:solidFill>
-                      <a:schemeClr val="accent2">
-                        <a:lumMod val="75000"/>
-                      </a:schemeClr>
-                    </a:solidFill>
-                  </a:rPr>
-                  <a:t>No. of grid blocks</a:t>
-                </a:r>
-              </a:p>
-            </c:rich>
-          </c:tx>
-          <c:overlay val="0"/>
-          <c:spPr>
-            <a:noFill/>
-            <a:ln>
-              <a:noFill/>
-            </a:ln>
-            <a:effectLst/>
-          </c:spPr>
-          <c:txPr>
-            <a:bodyPr rot="0" spcFirstLastPara="1" vertOverflow="ellipsis" vert="horz" wrap="square" anchor="ctr" anchorCtr="1"/>
-            <a:lstStyle/>
-            <a:p>
-              <a:pPr>
-                <a:defRPr sz="1197" b="1" i="0" u="none" strike="noStrike" kern="1200" baseline="0">
-                  <a:solidFill>
-                    <a:schemeClr val="lt1"/>
-                  </a:solidFill>
-                  <a:latin typeface="+mn-lt"/>
-                  <a:ea typeface="+mn-ea"/>
-                  <a:cs typeface="+mn-cs"/>
-                </a:defRPr>
-              </a:pPr>
-              <a:endParaRPr lang="en-US"/>
-            </a:p>
-          </c:txPr>
-        </c:title>
-        <c:numFmt formatCode="General" sourceLinked="1"/>
-        <c:majorTickMark val="none"/>
-        <c:minorTickMark val="none"/>
-        <c:tickLblPos val="nextTo"/>
-        <c:spPr>
-          <a:noFill/>
-          <a:ln>
-            <a:solidFill>
-              <a:schemeClr val="accent6">
-                <a:lumMod val="75000"/>
-              </a:schemeClr>
-            </a:solidFill>
-          </a:ln>
-          <a:effectLst/>
-        </c:spPr>
-        <c:txPr>
-          <a:bodyPr rot="-60000000" spcFirstLastPara="1" vertOverflow="ellipsis" vert="horz" wrap="square" anchor="ctr" anchorCtr="1"/>
-          <a:lstStyle/>
-          <a:p>
-            <a:pPr>
-              <a:defRPr sz="1197" b="0" i="0" u="none" strike="noStrike" kern="1200" spc="30" baseline="0">
-                <a:solidFill>
-                  <a:schemeClr val="accent4">
-                    <a:lumMod val="75000"/>
-                  </a:schemeClr>
-                </a:solidFill>
-                <a:latin typeface="+mn-lt"/>
-                <a:ea typeface="+mn-ea"/>
-                <a:cs typeface="+mn-cs"/>
-              </a:defRPr>
-            </a:pPr>
-            <a:endParaRPr lang="en-US"/>
-          </a:p>
-        </c:txPr>
-        <c:crossAx val="1182052095"/>
-        <c:crosses val="autoZero"/>
-        <c:auto val="1"/>
-        <c:lblAlgn val="ctr"/>
-        <c:lblOffset val="100"/>
-        <c:noMultiLvlLbl val="0"/>
-      </c:catAx>
-      <c:valAx>
-        <c:axId val="1182052095"/>
-        <c:scaling>
-          <c:orientation val="minMax"/>
-        </c:scaling>
-        <c:delete val="1"/>
-        <c:axPos val="l"/>
-        <c:numFmt formatCode="General" sourceLinked="1"/>
-        <c:majorTickMark val="none"/>
-        <c:minorTickMark val="none"/>
-        <c:tickLblPos val="nextTo"/>
-        <c:crossAx val="1189228511"/>
-        <c:crosses val="autoZero"/>
-        <c:crossBetween val="between"/>
-      </c:valAx>
-      <c:spPr>
-        <a:noFill/>
-        <a:ln>
-          <a:noFill/>
-        </a:ln>
-        <a:effectLst/>
-      </c:spPr>
-    </c:plotArea>
-    <c:plotVisOnly val="1"/>
-    <c:dispBlanksAs val="gap"/>
-    <c:extLst>
-      <c:ext xmlns:c16r3="http://schemas.microsoft.com/office/drawing/2017/03/chart" uri="{56B9EC1D-385E-4148-901F-78D8002777C0}">
-        <c16r3:dataDisplayOptions16>
-          <c16r3:dispNaAsBlank val="1"/>
-        </c16r3:dataDisplayOptions16>
-      </c:ext>
-    </c:extLst>
-    <c:showDLblsOverMax val="0"/>
-  </c:chart>
-  <c:spPr>
-    <a:solidFill>
-      <a:srgbClr val="EBEEEE"/>
-    </a:solidFill>
-    <a:ln w="9525" cap="flat" cmpd="sng" algn="ctr">
-      <a:solidFill>
-        <a:srgbClr val="EBEEEE"/>
-      </a:solidFill>
-      <a:round/>
-    </a:ln>
-    <a:effectLst/>
-  </c:spPr>
-  <c:txPr>
-    <a:bodyPr/>
-    <a:lstStyle/>
-    <a:p>
-      <a:pPr>
-        <a:defRPr/>
-      </a:pPr>
-      <a:endParaRPr lang="en-US"/>
-    </a:p>
-  </c:txPr>
-  <c:externalData r:id="rId3">
-    <c:autoUpdate val="0"/>
-  </c:externalData>
-</c:chartSpace>
+<file path=ppt/commentAuthors.xml><?xml version="1.0" encoding="utf-8"?>
+<p:cmAuthorLst xmlns:a="http://schemas.openxmlformats.org/drawingml/2006/main" xmlns:r="http://schemas.openxmlformats.org/officeDocument/2006/relationships" xmlns:p="http://schemas.openxmlformats.org/presentationml/2006/main">
+  <p:cmAuthor id="1" name="r.moosavi820@gmail.com" initials="r" lastIdx="1" clrIdx="0">
+    <p:extLst>
+      <p:ext uri="{19B8F6BF-5375-455C-9EA6-DF929625EA0E}">
+        <p15:presenceInfo xmlns:p15="http://schemas.microsoft.com/office/powerpoint/2012/main" userId="f4c7dcdb78911053" providerId="Windows Live"/>
+      </p:ext>
+    </p:extLst>
+  </p:cmAuthor>
+</p:cmAuthorLst>
 </file>
 
-<file path=ppt/charts/chart2.xml><?xml version="1.0" encoding="utf-8"?>
-<c:chartSpace xmlns:c="http://schemas.openxmlformats.org/drawingml/2006/chart" xmlns:a="http://schemas.openxmlformats.org/drawingml/2006/main" xmlns:r="http://schemas.openxmlformats.org/officeDocument/2006/relationships" xmlns:c16r2="http://schemas.microsoft.com/office/drawing/2015/06/chart">
-  <c:date1904 val="0"/>
-  <c:lang val="en-US"/>
-  <c:roundedCorners val="0"/>
-  <mc:AlternateContent xmlns:mc="http://schemas.openxmlformats.org/markup-compatibility/2006">
-    <mc:Choice xmlns:c14="http://schemas.microsoft.com/office/drawing/2007/8/2/chart" Requires="c14">
-      <c14:style val="104"/>
-    </mc:Choice>
-    <mc:Fallback>
-      <c:style val="4"/>
-    </mc:Fallback>
-  </mc:AlternateContent>
-  <c:chart>
-    <c:autoTitleDeleted val="1"/>
-    <c:plotArea>
-      <c:layout/>
-      <c:lineChart>
-        <c:grouping val="standard"/>
-        <c:varyColors val="0"/>
-        <c:ser>
-          <c:idx val="0"/>
-          <c:order val="0"/>
-          <c:tx>
-            <c:strRef>
-              <c:f>Sheet1!$B$1</c:f>
-              <c:strCache>
-                <c:ptCount val="1"/>
-                <c:pt idx="0">
-                  <c:v>Objective function</c:v>
-                </c:pt>
-              </c:strCache>
-            </c:strRef>
-          </c:tx>
-          <c:spPr>
-            <a:ln w="25400" cap="rnd">
-              <a:solidFill>
-                <a:schemeClr val="lt1"/>
-              </a:solidFill>
-              <a:round/>
-            </a:ln>
-            <a:effectLst>
-              <a:outerShdw dist="25400" dir="2700000" algn="tl" rotWithShape="0">
-                <a:schemeClr val="accent2"/>
-              </a:outerShdw>
-            </a:effectLst>
-          </c:spPr>
-          <c:marker>
-            <c:symbol val="none"/>
-          </c:marker>
-          <c:dLbls>
-            <c:spPr>
-              <a:solidFill>
-                <a:schemeClr val="accent2"/>
-              </a:solidFill>
-              <a:ln>
-                <a:noFill/>
-              </a:ln>
-              <a:effectLst/>
-            </c:spPr>
-            <c:txPr>
-              <a:bodyPr rot="0" spcFirstLastPara="1" vertOverflow="ellipsis" vert="horz" wrap="square" lIns="38100" tIns="19050" rIns="38100" bIns="19050" anchor="ctr" anchorCtr="1">
-                <a:spAutoFit/>
-              </a:bodyPr>
-              <a:lstStyle/>
-              <a:p>
-                <a:pPr>
-                  <a:defRPr sz="1197" b="1" i="0" u="none" strike="noStrike" kern="1200" baseline="0">
-                    <a:solidFill>
-                      <a:schemeClr val="lt1"/>
-                    </a:solidFill>
-                    <a:latin typeface="+mn-lt"/>
-                    <a:ea typeface="+mn-ea"/>
-                    <a:cs typeface="+mn-cs"/>
-                  </a:defRPr>
-                </a:pPr>
-                <a:endParaRPr lang="en-US"/>
-              </a:p>
-            </c:txPr>
-            <c:dLblPos val="ctr"/>
-            <c:showLegendKey val="0"/>
-            <c:showVal val="1"/>
-            <c:showCatName val="0"/>
-            <c:showSerName val="0"/>
-            <c:showPercent val="0"/>
-            <c:showBubbleSize val="0"/>
-            <c:showLeaderLines val="0"/>
-            <c:extLst>
-              <c:ext xmlns:c15="http://schemas.microsoft.com/office/drawing/2012/chart" uri="{CE6537A1-D6FC-4f65-9D91-7224C49458BB}">
-                <c15:showLeaderLines val="1"/>
-                <c15:leaderLines>
-                  <c:spPr>
-                    <a:ln w="9525">
-                      <a:solidFill>
-                        <a:schemeClr val="accent2">
-                          <a:lumMod val="60000"/>
-                          <a:lumOff val="40000"/>
-                        </a:schemeClr>
-                      </a:solidFill>
-                    </a:ln>
-                    <a:effectLst/>
-                  </c:spPr>
-                </c15:leaderLines>
-              </c:ext>
-            </c:extLst>
-          </c:dLbls>
-          <c:cat>
-            <c:numRef>
-              <c:f>Sheet1!$A$2:$A$14</c:f>
-              <c:numCache>
-                <c:formatCode>General</c:formatCode>
-                <c:ptCount val="13"/>
-                <c:pt idx="0">
-                  <c:v>5</c:v>
-                </c:pt>
-                <c:pt idx="1">
-                  <c:v>12</c:v>
-                </c:pt>
-                <c:pt idx="2">
-                  <c:v>21</c:v>
-                </c:pt>
-                <c:pt idx="3">
-                  <c:v>28</c:v>
-                </c:pt>
-                <c:pt idx="4">
-                  <c:v>32</c:v>
-                </c:pt>
-                <c:pt idx="5">
-                  <c:v>35</c:v>
-                </c:pt>
-                <c:pt idx="6">
-                  <c:v>36</c:v>
-                </c:pt>
-                <c:pt idx="7">
-                  <c:v>38</c:v>
-                </c:pt>
-                <c:pt idx="8">
-                  <c:v>45</c:v>
-                </c:pt>
-                <c:pt idx="9">
-                  <c:v>46</c:v>
-                </c:pt>
-                <c:pt idx="10">
-                  <c:v>47</c:v>
-                </c:pt>
-                <c:pt idx="11">
-                  <c:v>53</c:v>
-                </c:pt>
-                <c:pt idx="12">
-                  <c:v>56</c:v>
-                </c:pt>
-              </c:numCache>
-            </c:numRef>
-          </c:cat>
-          <c:val>
-            <c:numRef>
-              <c:f>Sheet1!$B$2:$B$14</c:f>
-              <c:numCache>
-                <c:formatCode>General</c:formatCode>
-                <c:ptCount val="13"/>
-                <c:pt idx="0">
-                  <c:v>90</c:v>
-                </c:pt>
-                <c:pt idx="1">
-                  <c:v>100</c:v>
-                </c:pt>
-                <c:pt idx="2">
-                  <c:v>20</c:v>
-                </c:pt>
-                <c:pt idx="3">
-                  <c:v>40</c:v>
-                </c:pt>
-                <c:pt idx="4">
-                  <c:v>38</c:v>
-                </c:pt>
-                <c:pt idx="5">
-                  <c:v>2.5</c:v>
-                </c:pt>
-                <c:pt idx="6">
-                  <c:v>1</c:v>
-                </c:pt>
-                <c:pt idx="7">
-                  <c:v>0.8</c:v>
-                </c:pt>
-                <c:pt idx="8">
-                  <c:v>6</c:v>
-                </c:pt>
-                <c:pt idx="9">
-                  <c:v>1.8</c:v>
-                </c:pt>
-                <c:pt idx="10">
-                  <c:v>1.6</c:v>
-                </c:pt>
-                <c:pt idx="11">
-                  <c:v>3</c:v>
-                </c:pt>
-                <c:pt idx="12">
-                  <c:v>0.8</c:v>
-                </c:pt>
-              </c:numCache>
-            </c:numRef>
-          </c:val>
-          <c:smooth val="0"/>
-          <c:extLst>
-            <c:ext xmlns:c16="http://schemas.microsoft.com/office/drawing/2014/chart" uri="{C3380CC4-5D6E-409C-BE32-E72D297353CC}">
-              <c16:uniqueId val="{00000000-058B-40FA-AC04-E8ECCC0EAAFA}"/>
-            </c:ext>
-          </c:extLst>
-        </c:ser>
-        <c:dLbls>
-          <c:dLblPos val="ctr"/>
-          <c:showLegendKey val="0"/>
-          <c:showVal val="1"/>
-          <c:showCatName val="0"/>
-          <c:showSerName val="0"/>
-          <c:showPercent val="0"/>
-          <c:showBubbleSize val="0"/>
-        </c:dLbls>
-        <c:dropLines>
-          <c:spPr>
-            <a:ln w="9525" cap="flat" cmpd="sng" algn="ctr">
-              <a:gradFill>
-                <a:gsLst>
-                  <a:gs pos="0">
-                    <a:schemeClr val="lt1"/>
-                  </a:gs>
-                  <a:gs pos="100000">
-                    <a:schemeClr val="lt1">
-                      <a:alpha val="0"/>
-                    </a:schemeClr>
-                  </a:gs>
-                </a:gsLst>
-                <a:lin ang="5400000" scaled="0"/>
-              </a:gradFill>
-              <a:round/>
-            </a:ln>
-            <a:effectLst/>
-          </c:spPr>
-        </c:dropLines>
-        <c:smooth val="0"/>
-        <c:axId val="1189228511"/>
-        <c:axId val="1182052095"/>
-      </c:lineChart>
-      <c:catAx>
-        <c:axId val="1189228511"/>
-        <c:scaling>
-          <c:orientation val="minMax"/>
-        </c:scaling>
-        <c:delete val="0"/>
-        <c:axPos val="b"/>
-        <c:title>
-          <c:tx>
-            <c:rich>
-              <a:bodyPr rot="0" spcFirstLastPara="1" vertOverflow="ellipsis" vert="horz" wrap="square" anchor="ctr" anchorCtr="1"/>
-              <a:lstStyle/>
-              <a:p>
-                <a:pPr>
-                  <a:defRPr sz="1197" b="1" i="0" u="none" strike="noStrike" kern="1200" baseline="0">
-                    <a:solidFill>
-                      <a:schemeClr val="lt1"/>
-                    </a:solidFill>
-                    <a:latin typeface="+mn-lt"/>
-                    <a:ea typeface="+mn-ea"/>
-                    <a:cs typeface="+mn-cs"/>
-                  </a:defRPr>
-                </a:pPr>
-                <a:r>
-                  <a:rPr lang="en-US" dirty="0">
-                    <a:solidFill>
-                      <a:schemeClr val="accent2">
-                        <a:lumMod val="75000"/>
-                      </a:schemeClr>
-                    </a:solidFill>
-                  </a:rPr>
-                  <a:t>Simulation Runs</a:t>
-                </a:r>
-              </a:p>
-            </c:rich>
-          </c:tx>
-          <c:overlay val="0"/>
-          <c:spPr>
-            <a:noFill/>
-            <a:ln>
-              <a:noFill/>
-            </a:ln>
-            <a:effectLst/>
-          </c:spPr>
-          <c:txPr>
-            <a:bodyPr rot="0" spcFirstLastPara="1" vertOverflow="ellipsis" vert="horz" wrap="square" anchor="ctr" anchorCtr="1"/>
-            <a:lstStyle/>
-            <a:p>
-              <a:pPr>
-                <a:defRPr sz="1197" b="1" i="0" u="none" strike="noStrike" kern="1200" baseline="0">
-                  <a:solidFill>
-                    <a:schemeClr val="lt1"/>
-                  </a:solidFill>
-                  <a:latin typeface="+mn-lt"/>
-                  <a:ea typeface="+mn-ea"/>
-                  <a:cs typeface="+mn-cs"/>
-                </a:defRPr>
-              </a:pPr>
-              <a:endParaRPr lang="en-US"/>
-            </a:p>
-          </c:txPr>
-        </c:title>
-        <c:numFmt formatCode="General" sourceLinked="1"/>
-        <c:majorTickMark val="none"/>
-        <c:minorTickMark val="none"/>
-        <c:tickLblPos val="nextTo"/>
-        <c:spPr>
-          <a:noFill/>
-          <a:ln>
-            <a:solidFill>
-              <a:schemeClr val="accent6">
-                <a:lumMod val="75000"/>
-              </a:schemeClr>
-            </a:solidFill>
-          </a:ln>
-          <a:effectLst/>
-        </c:spPr>
-        <c:txPr>
-          <a:bodyPr rot="-60000000" spcFirstLastPara="1" vertOverflow="ellipsis" vert="horz" wrap="square" anchor="ctr" anchorCtr="1"/>
-          <a:lstStyle/>
-          <a:p>
-            <a:pPr>
-              <a:defRPr sz="1197" b="0" i="0" u="none" strike="noStrike" kern="1200" spc="30" baseline="0">
-                <a:solidFill>
-                  <a:schemeClr val="accent4">
-                    <a:lumMod val="75000"/>
-                  </a:schemeClr>
-                </a:solidFill>
-                <a:latin typeface="+mn-lt"/>
-                <a:ea typeface="+mn-ea"/>
-                <a:cs typeface="+mn-cs"/>
-              </a:defRPr>
-            </a:pPr>
-            <a:endParaRPr lang="en-US"/>
-          </a:p>
-        </c:txPr>
-        <c:crossAx val="1182052095"/>
-        <c:crosses val="autoZero"/>
-        <c:auto val="1"/>
-        <c:lblAlgn val="ctr"/>
-        <c:lblOffset val="100"/>
-        <c:noMultiLvlLbl val="0"/>
-      </c:catAx>
-      <c:valAx>
-        <c:axId val="1182052095"/>
-        <c:scaling>
-          <c:orientation val="minMax"/>
-        </c:scaling>
-        <c:delete val="1"/>
-        <c:axPos val="l"/>
-        <c:numFmt formatCode="General" sourceLinked="1"/>
-        <c:majorTickMark val="none"/>
-        <c:minorTickMark val="none"/>
-        <c:tickLblPos val="nextTo"/>
-        <c:crossAx val="1189228511"/>
-        <c:crosses val="autoZero"/>
-        <c:crossBetween val="between"/>
-      </c:valAx>
-      <c:spPr>
-        <a:noFill/>
-        <a:ln>
-          <a:noFill/>
-        </a:ln>
-        <a:effectLst/>
-      </c:spPr>
-    </c:plotArea>
-    <c:plotVisOnly val="1"/>
-    <c:dispBlanksAs val="gap"/>
-    <c:extLst>
-      <c:ext xmlns:c16r3="http://schemas.microsoft.com/office/drawing/2017/03/chart" uri="{56B9EC1D-385E-4148-901F-78D8002777C0}">
-        <c16r3:dataDisplayOptions16>
-          <c16r3:dispNaAsBlank val="1"/>
-        </c16r3:dataDisplayOptions16>
-      </c:ext>
-    </c:extLst>
-    <c:showDLblsOverMax val="0"/>
-  </c:chart>
-  <c:spPr>
-    <a:solidFill>
-      <a:srgbClr val="EBEEEE"/>
-    </a:solidFill>
-    <a:ln w="9525" cap="flat" cmpd="sng" algn="ctr">
-      <a:solidFill>
-        <a:srgbClr val="EBEEEE"/>
-      </a:solidFill>
-      <a:round/>
-    </a:ln>
-    <a:effectLst/>
-  </c:spPr>
-  <c:txPr>
-    <a:bodyPr/>
-    <a:lstStyle/>
-    <a:p>
-      <a:pPr>
-        <a:defRPr/>
-      </a:pPr>
-      <a:endParaRPr lang="en-US"/>
-    </a:p>
-  </c:txPr>
-  <c:externalData r:id="rId3">
-    <c:autoUpdate val="0"/>
-  </c:externalData>
-</c:chartSpace>
-</file>
-
-<file path=ppt/charts/chart3.xml><?xml version="1.0" encoding="utf-8"?>
+<file path=ppt/charts/chart1.xml><?xml version="1.0" encoding="utf-8"?>
 <c:chartSpace xmlns:c="http://schemas.openxmlformats.org/drawingml/2006/chart" xmlns:a="http://schemas.openxmlformats.org/drawingml/2006/main" xmlns:r="http://schemas.openxmlformats.org/officeDocument/2006/relationships" xmlns:c16r2="http://schemas.microsoft.com/office/drawing/2015/06/chart">
   <c:date1904 val="0"/>
   <c:lang val="en-US"/>
@@ -1268,141 +515,6 @@
             </c:ext>
           </c:extLst>
         </c:ser>
-        <c:ser>
-          <c:idx val="2"/>
-          <c:order val="2"/>
-          <c:tx>
-            <c:strRef>
-              <c:f>Sheet1!$D$1</c:f>
-              <c:strCache>
-                <c:ptCount val="1"/>
-                <c:pt idx="0">
-                  <c:v>Previous U-Net</c:v>
-                </c:pt>
-              </c:strCache>
-            </c:strRef>
-          </c:tx>
-          <c:spPr>
-            <a:gradFill rotWithShape="1">
-              <a:gsLst>
-                <a:gs pos="0">
-                  <a:schemeClr val="accent3">
-                    <a:tint val="100000"/>
-                    <a:shade val="100000"/>
-                    <a:satMod val="130000"/>
-                  </a:schemeClr>
-                </a:gs>
-                <a:gs pos="100000">
-                  <a:schemeClr val="accent3">
-                    <a:tint val="50000"/>
-                    <a:shade val="100000"/>
-                    <a:satMod val="350000"/>
-                  </a:schemeClr>
-                </a:gs>
-              </a:gsLst>
-              <a:lin ang="16200000" scaled="0"/>
-            </a:gradFill>
-            <a:ln>
-              <a:noFill/>
-            </a:ln>
-            <a:effectLst>
-              <a:outerShdw blurRad="40000" dist="23000" dir="5400000" rotWithShape="0">
-                <a:srgbClr val="000000">
-                  <a:alpha val="35000"/>
-                </a:srgbClr>
-              </a:outerShdw>
-            </a:effectLst>
-          </c:spPr>
-          <c:invertIfNegative val="0"/>
-          <c:dLbls>
-            <c:spPr>
-              <a:noFill/>
-              <a:ln>
-                <a:noFill/>
-              </a:ln>
-              <a:effectLst/>
-            </c:spPr>
-            <c:txPr>
-              <a:bodyPr rot="0" spcFirstLastPara="1" vertOverflow="ellipsis" vert="horz" wrap="square" lIns="38100" tIns="19050" rIns="38100" bIns="19050" anchor="ctr" anchorCtr="1">
-                <a:spAutoFit/>
-              </a:bodyPr>
-              <a:lstStyle/>
-              <a:p>
-                <a:pPr>
-                  <a:defRPr sz="1197" b="0" i="0" u="none" strike="noStrike" kern="1200" baseline="0">
-                    <a:solidFill>
-                      <a:schemeClr val="tx2"/>
-                    </a:solidFill>
-                    <a:latin typeface="+mn-lt"/>
-                    <a:ea typeface="+mn-ea"/>
-                    <a:cs typeface="+mn-cs"/>
-                  </a:defRPr>
-                </a:pPr>
-                <a:endParaRPr lang="en-US"/>
-              </a:p>
-            </c:txPr>
-            <c:dLblPos val="outEnd"/>
-            <c:showLegendKey val="0"/>
-            <c:showVal val="1"/>
-            <c:showCatName val="0"/>
-            <c:showSerName val="0"/>
-            <c:showPercent val="0"/>
-            <c:showBubbleSize val="0"/>
-            <c:showLeaderLines val="0"/>
-            <c:extLst>
-              <c:ext xmlns:c15="http://schemas.microsoft.com/office/drawing/2012/chart" uri="{CE6537A1-D6FC-4f65-9D91-7224C49458BB}">
-                <c15:showLeaderLines val="1"/>
-                <c15:leaderLines>
-                  <c:spPr>
-                    <a:ln w="9525">
-                      <a:solidFill>
-                        <a:schemeClr val="tx2">
-                          <a:lumMod val="35000"/>
-                          <a:lumOff val="65000"/>
-                        </a:schemeClr>
-                      </a:solidFill>
-                    </a:ln>
-                    <a:effectLst/>
-                  </c:spPr>
-                </c15:leaderLines>
-              </c:ext>
-            </c:extLst>
-          </c:dLbls>
-          <c:cat>
-            <c:strRef>
-              <c:f>Sheet1!$A$2:$A$3</c:f>
-              <c:strCache>
-                <c:ptCount val="2"/>
-                <c:pt idx="0">
-                  <c:v>Saturation </c:v>
-                </c:pt>
-                <c:pt idx="1">
-                  <c:v>Pressure</c:v>
-                </c:pt>
-              </c:strCache>
-            </c:strRef>
-          </c:cat>
-          <c:val>
-            <c:numRef>
-              <c:f>Sheet1!$D$2:$D$3</c:f>
-              <c:numCache>
-                <c:formatCode>General</c:formatCode>
-                <c:ptCount val="2"/>
-                <c:pt idx="0">
-                  <c:v>2.8</c:v>
-                </c:pt>
-                <c:pt idx="1">
-                  <c:v>1.9</c:v>
-                </c:pt>
-              </c:numCache>
-            </c:numRef>
-          </c:val>
-          <c:extLst>
-            <c:ext xmlns:c16="http://schemas.microsoft.com/office/drawing/2014/chart" uri="{C3380CC4-5D6E-409C-BE32-E72D297353CC}">
-              <c16:uniqueId val="{00000004-541E-4A50-8E8F-27412AB48090}"/>
-            </c:ext>
-          </c:extLst>
-        </c:ser>
         <c:dLbls>
           <c:dLblPos val="outEnd"/>
           <c:showLegendKey val="0"/>
@@ -1637,7 +749,7 @@
 </c:chartSpace>
 </file>
 
-<file path=ppt/charts/chart4.xml><?xml version="1.0" encoding="utf-8"?>
+<file path=ppt/charts/chart2.xml><?xml version="1.0" encoding="utf-8"?>
 <c:chartSpace xmlns:c="http://schemas.openxmlformats.org/drawingml/2006/chart" xmlns:a="http://schemas.openxmlformats.org/drawingml/2006/main" xmlns:r="http://schemas.openxmlformats.org/officeDocument/2006/relationships" xmlns:c16r2="http://schemas.microsoft.com/office/drawing/2015/06/chart">
   <c:date1904 val="0"/>
   <c:lang val="en-US"/>
@@ -1682,38 +794,22 @@
               </a:defRPr>
             </a:pPr>
             <a:r>
-              <a:rPr lang="en-US" cap="none" dirty="0">
+              <a:rPr lang="en-US" b="1" cap="none" dirty="0">
                 <a:solidFill>
                   <a:schemeClr val="tx2"/>
                 </a:solidFill>
               </a:rPr>
-              <a:t>Training time </a:t>
-            </a:r>
-            <a:r>
-              <a:rPr lang="en-US" cap="none">
-                <a:solidFill>
-                  <a:schemeClr val="tx2"/>
-                </a:solidFill>
-              </a:rPr>
-              <a:t>VS No</a:t>
-            </a:r>
-            <a:r>
-              <a:rPr lang="en-US" cap="none" dirty="0">
-                <a:solidFill>
-                  <a:schemeClr val="tx2"/>
-                </a:solidFill>
-              </a:rPr>
-              <a:t>.</a:t>
-            </a:r>
-            <a:r>
-              <a:rPr lang="en-US" cap="none" baseline="0" dirty="0">
+              <a:t>Training time VS No.</a:t>
+            </a:r>
+            <a:r>
+              <a:rPr lang="en-US" b="1" cap="none" baseline="0" dirty="0">
                 <a:solidFill>
                   <a:schemeClr val="tx2"/>
                 </a:solidFill>
               </a:rPr>
               <a:t> of timesteps</a:t>
             </a:r>
-            <a:endParaRPr lang="en-US" cap="none" dirty="0">
+            <a:endParaRPr lang="en-US" b="1" cap="none" dirty="0">
               <a:solidFill>
                 <a:schemeClr val="tx2"/>
               </a:solidFill>
@@ -2155,18 +1251,6 @@
 </file>
 
 <file path=ppt/charts/colors1.xml><?xml version="1.0" encoding="utf-8"?>
-<cs:colorStyle xmlns:cs="http://schemas.microsoft.com/office/drawing/2012/chartStyle" xmlns:a="http://schemas.openxmlformats.org/drawingml/2006/main" meth="withinLinear" id="15">
-  <a:schemeClr val="accent2"/>
-</cs:colorStyle>
-</file>
-
-<file path=ppt/charts/colors2.xml><?xml version="1.0" encoding="utf-8"?>
-<cs:colorStyle xmlns:cs="http://schemas.microsoft.com/office/drawing/2012/chartStyle" xmlns:a="http://schemas.openxmlformats.org/drawingml/2006/main" meth="withinLinear" id="15">
-  <a:schemeClr val="accent2"/>
-</cs:colorStyle>
-</file>
-
-<file path=ppt/charts/colors3.xml><?xml version="1.0" encoding="utf-8"?>
 <cs:colorStyle xmlns:cs="http://schemas.microsoft.com/office/drawing/2012/chartStyle" xmlns:a="http://schemas.openxmlformats.org/drawingml/2006/main" meth="cycle" id="10">
   <a:schemeClr val="accent1"/>
   <a:schemeClr val="accent2"/>
@@ -2206,1039 +1290,13 @@
 </cs:colorStyle>
 </file>
 
-<file path=ppt/charts/colors4.xml><?xml version="1.0" encoding="utf-8"?>
+<file path=ppt/charts/colors2.xml><?xml version="1.0" encoding="utf-8"?>
 <cs:colorStyle xmlns:cs="http://schemas.microsoft.com/office/drawing/2012/chartStyle" xmlns:a="http://schemas.openxmlformats.org/drawingml/2006/main" meth="withinLinearReversed" id="26">
   <a:schemeClr val="accent6"/>
 </cs:colorStyle>
 </file>
 
 <file path=ppt/charts/style1.xml><?xml version="1.0" encoding="utf-8"?>
-<cs:chartStyle xmlns:cs="http://schemas.microsoft.com/office/drawing/2012/chartStyle" xmlns:a="http://schemas.openxmlformats.org/drawingml/2006/main" id="238">
-  <cs:axisTitle>
-    <cs:lnRef idx="0"/>
-    <cs:fillRef idx="0"/>
-    <cs:effectRef idx="0"/>
-    <cs:fontRef idx="minor">
-      <a:schemeClr val="lt1"/>
-    </cs:fontRef>
-    <cs:defRPr sz="1197" b="1" kern="1200"/>
-  </cs:axisTitle>
-  <cs:categoryAxis>
-    <cs:lnRef idx="0">
-      <cs:styleClr val="0"/>
-    </cs:lnRef>
-    <cs:fillRef idx="0"/>
-    <cs:effectRef idx="0"/>
-    <cs:fontRef idx="minor">
-      <a:schemeClr val="lt1"/>
-    </cs:fontRef>
-    <cs:defRPr sz="1197" kern="1200" spc="30" baseline="0"/>
-  </cs:categoryAxis>
-  <cs:chartArea>
-    <cs:lnRef idx="0">
-      <cs:styleClr val="0"/>
-    </cs:lnRef>
-    <cs:fillRef idx="0">
-      <cs:styleClr val="0"/>
-    </cs:fillRef>
-    <cs:effectRef idx="0"/>
-    <cs:fontRef idx="minor">
-      <a:schemeClr val="dk1"/>
-    </cs:fontRef>
-    <cs:spPr>
-      <a:solidFill>
-        <a:schemeClr val="phClr"/>
-      </a:solidFill>
-      <a:ln w="9525" cap="flat" cmpd="sng" algn="ctr">
-        <a:solidFill>
-          <a:schemeClr val="lt1">
-            <a:lumMod val="85000"/>
-          </a:schemeClr>
-        </a:solidFill>
-        <a:round/>
-      </a:ln>
-    </cs:spPr>
-    <cs:defRPr sz="1330" kern="1200"/>
-  </cs:chartArea>
-  <cs:dataLabel>
-    <cs:lnRef idx="0"/>
-    <cs:fillRef idx="0">
-      <cs:styleClr val="0"/>
-    </cs:fillRef>
-    <cs:effectRef idx="0"/>
-    <cs:fontRef idx="minor">
-      <a:schemeClr val="lt1"/>
-    </cs:fontRef>
-    <cs:spPr>
-      <a:solidFill>
-        <a:schemeClr val="phClr"/>
-      </a:solidFill>
-    </cs:spPr>
-    <cs:defRPr sz="1197" b="1" kern="1200"/>
-  </cs:dataLabel>
-  <cs:dataLabelCallout>
-    <cs:lnRef idx="0">
-      <cs:styleClr val="auto"/>
-    </cs:lnRef>
-    <cs:fillRef idx="0"/>
-    <cs:effectRef idx="0"/>
-    <cs:fontRef idx="minor">
-      <cs:styleClr val="auto"/>
-    </cs:fontRef>
-    <cs:spPr>
-      <a:solidFill>
-        <a:schemeClr val="lt1"/>
-      </a:solidFill>
-      <a:ln>
-        <a:solidFill>
-          <a:schemeClr val="phClr"/>
-        </a:solidFill>
-      </a:ln>
-    </cs:spPr>
-    <cs:defRPr sz="1197" kern="1200"/>
-    <cs:bodyPr rot="0" spcFirstLastPara="1" vertOverflow="clip" horzOverflow="clip" vert="horz" wrap="square" lIns="36576" tIns="18288" rIns="36576" bIns="18288" anchor="ctr" anchorCtr="1">
-      <a:spAutoFit/>
-    </cs:bodyPr>
-  </cs:dataLabelCallout>
-  <cs:dataPoint>
-    <cs:lnRef idx="0"/>
-    <cs:fillRef idx="0">
-      <cs:styleClr val="auto"/>
-    </cs:fillRef>
-    <cs:effectRef idx="0"/>
-    <cs:fontRef idx="minor">
-      <a:schemeClr val="dk1"/>
-    </cs:fontRef>
-    <cs:spPr>
-      <a:pattFill prst="ltUpDiag">
-        <a:fgClr>
-          <a:schemeClr val="phClr"/>
-        </a:fgClr>
-        <a:bgClr>
-          <a:schemeClr val="lt1"/>
-        </a:bgClr>
-      </a:pattFill>
-    </cs:spPr>
-  </cs:dataPoint>
-  <cs:dataPoint3D>
-    <cs:lnRef idx="0"/>
-    <cs:fillRef idx="0">
-      <cs:styleClr val="auto"/>
-    </cs:fillRef>
-    <cs:effectRef idx="0"/>
-    <cs:fontRef idx="minor">
-      <a:schemeClr val="dk1"/>
-    </cs:fontRef>
-    <cs:spPr>
-      <a:pattFill prst="ltUpDiag">
-        <a:fgClr>
-          <a:schemeClr val="phClr"/>
-        </a:fgClr>
-        <a:bgClr>
-          <a:schemeClr val="lt1"/>
-        </a:bgClr>
-      </a:pattFill>
-    </cs:spPr>
-  </cs:dataPoint3D>
-  <cs:dataPointLine>
-    <cs:lnRef idx="0">
-      <cs:styleClr val="auto"/>
-    </cs:lnRef>
-    <cs:fillRef idx="0"/>
-    <cs:effectRef idx="0">
-      <cs:styleClr val="auto"/>
-    </cs:effectRef>
-    <cs:fontRef idx="minor">
-      <a:schemeClr val="dk1"/>
-    </cs:fontRef>
-    <cs:spPr>
-      <a:ln w="25400" cap="rnd">
-        <a:solidFill>
-          <a:schemeClr val="lt1"/>
-        </a:solidFill>
-        <a:round/>
-      </a:ln>
-      <a:effectLst>
-        <a:outerShdw dist="25400" dir="2700000" algn="tl" rotWithShape="0">
-          <a:schemeClr val="phClr"/>
-        </a:outerShdw>
-      </a:effectLst>
-    </cs:spPr>
-  </cs:dataPointLine>
-  <cs:dataPointMarker>
-    <cs:lnRef idx="0"/>
-    <cs:fillRef idx="0">
-      <cs:styleClr val="auto"/>
-    </cs:fillRef>
-    <cs:effectRef idx="0"/>
-    <cs:fontRef idx="minor">
-      <a:schemeClr val="dk1"/>
-    </cs:fontRef>
-    <cs:spPr>
-      <a:solidFill>
-        <a:schemeClr val="phClr"/>
-      </a:solidFill>
-    </cs:spPr>
-  </cs:dataPointMarker>
-  <cs:dataPointMarkerLayout symbol="circle" size="14"/>
-  <cs:dataPointWireframe>
-    <cs:lnRef idx="0">
-      <cs:styleClr val="auto"/>
-    </cs:lnRef>
-    <cs:fillRef idx="0"/>
-    <cs:effectRef idx="0"/>
-    <cs:fontRef idx="minor">
-      <a:schemeClr val="dk1"/>
-    </cs:fontRef>
-    <cs:spPr>
-      <a:ln w="9525" cap="rnd">
-        <a:solidFill>
-          <a:schemeClr val="phClr"/>
-        </a:solidFill>
-        <a:round/>
-      </a:ln>
-    </cs:spPr>
-  </cs:dataPointWireframe>
-  <cs:dataTable>
-    <cs:lnRef idx="0">
-      <cs:styleClr val="0"/>
-    </cs:lnRef>
-    <cs:fillRef idx="0"/>
-    <cs:effectRef idx="0"/>
-    <cs:fontRef idx="minor">
-      <a:schemeClr val="lt1"/>
-    </cs:fontRef>
-    <cs:spPr>
-      <a:ln w="9525">
-        <a:solidFill>
-          <a:schemeClr val="phClr">
-            <a:lumMod val="60000"/>
-            <a:lumOff val="40000"/>
-          </a:schemeClr>
-        </a:solidFill>
-      </a:ln>
-    </cs:spPr>
-    <cs:defRPr sz="1197" kern="1200"/>
-  </cs:dataTable>
-  <cs:downBar>
-    <cs:lnRef idx="0">
-      <cs:styleClr val="0"/>
-    </cs:lnRef>
-    <cs:fillRef idx="0"/>
-    <cs:effectRef idx="0"/>
-    <cs:fontRef idx="minor">
-      <a:schemeClr val="dk1"/>
-    </cs:fontRef>
-    <cs:spPr>
-      <a:solidFill>
-        <a:schemeClr val="dk1">
-          <a:lumMod val="35000"/>
-          <a:lumOff val="65000"/>
-        </a:schemeClr>
-      </a:solidFill>
-      <a:ln w="9525">
-        <a:solidFill>
-          <a:schemeClr val="phClr">
-            <a:lumMod val="60000"/>
-            <a:lumOff val="40000"/>
-          </a:schemeClr>
-        </a:solidFill>
-      </a:ln>
-    </cs:spPr>
-  </cs:downBar>
-  <cs:dropLine>
-    <cs:lnRef idx="0"/>
-    <cs:fillRef idx="0"/>
-    <cs:effectRef idx="0"/>
-    <cs:fontRef idx="minor">
-      <a:schemeClr val="dk1"/>
-    </cs:fontRef>
-    <cs:spPr>
-      <a:ln w="9525" cap="flat" cmpd="sng" algn="ctr">
-        <a:gradFill>
-          <a:gsLst>
-            <a:gs pos="0">
-              <a:schemeClr val="lt1"/>
-            </a:gs>
-            <a:gs pos="100000">
-              <a:schemeClr val="lt1">
-                <a:alpha val="0"/>
-              </a:schemeClr>
-            </a:gs>
-          </a:gsLst>
-          <a:lin ang="5400000" scaled="0"/>
-        </a:gradFill>
-        <a:round/>
-      </a:ln>
-    </cs:spPr>
-  </cs:dropLine>
-  <cs:errorBar>
-    <cs:lnRef idx="0">
-      <cs:styleClr val="0"/>
-    </cs:lnRef>
-    <cs:fillRef idx="0"/>
-    <cs:effectRef idx="0"/>
-    <cs:fontRef idx="minor">
-      <a:schemeClr val="dk1"/>
-    </cs:fontRef>
-    <cs:spPr>
-      <a:ln w="9525">
-        <a:solidFill>
-          <a:schemeClr val="phClr">
-            <a:lumMod val="60000"/>
-            <a:lumOff val="40000"/>
-          </a:schemeClr>
-        </a:solidFill>
-        <a:round/>
-      </a:ln>
-      <a:effectLst>
-        <a:glow rad="25400">
-          <a:schemeClr val="lt1"/>
-        </a:glow>
-      </a:effectLst>
-    </cs:spPr>
-  </cs:errorBar>
-  <cs:floor>
-    <cs:lnRef idx="0"/>
-    <cs:fillRef idx="0"/>
-    <cs:effectRef idx="0"/>
-    <cs:fontRef idx="minor">
-      <a:schemeClr val="dk1"/>
-    </cs:fontRef>
-  </cs:floor>
-  <cs:gridlineMajor>
-    <cs:lnRef idx="0">
-      <cs:styleClr val="0"/>
-    </cs:lnRef>
-    <cs:fillRef idx="0"/>
-    <cs:effectRef idx="0"/>
-    <cs:fontRef idx="minor">
-      <a:schemeClr val="dk1"/>
-    </cs:fontRef>
-    <cs:spPr>
-      <a:ln w="9525" cap="flat" cmpd="sng" algn="ctr">
-        <a:solidFill>
-          <a:schemeClr val="lt1">
-            <a:alpha val="25000"/>
-          </a:schemeClr>
-        </a:solidFill>
-        <a:round/>
-      </a:ln>
-    </cs:spPr>
-  </cs:gridlineMajor>
-  <cs:gridlineMinor>
-    <cs:lnRef idx="0">
-      <cs:styleClr val="0"/>
-    </cs:lnRef>
-    <cs:fillRef idx="0"/>
-    <cs:effectRef idx="0"/>
-    <cs:fontRef idx="minor">
-      <a:schemeClr val="dk1"/>
-    </cs:fontRef>
-    <cs:spPr>
-      <a:ln>
-        <a:solidFill>
-          <a:schemeClr val="lt1">
-            <a:alpha val="10000"/>
-          </a:schemeClr>
-        </a:solidFill>
-      </a:ln>
-    </cs:spPr>
-  </cs:gridlineMinor>
-  <cs:hiLoLine>
-    <cs:lnRef idx="0">
-      <cs:styleClr val="0"/>
-    </cs:lnRef>
-    <cs:fillRef idx="0"/>
-    <cs:effectRef idx="0"/>
-    <cs:fontRef idx="minor">
-      <a:schemeClr val="dk1"/>
-    </cs:fontRef>
-    <cs:spPr>
-      <a:ln w="9525">
-        <a:solidFill>
-          <a:schemeClr val="phClr">
-            <a:lumMod val="60000"/>
-            <a:lumOff val="40000"/>
-          </a:schemeClr>
-        </a:solidFill>
-        <a:prstDash val="dash"/>
-      </a:ln>
-    </cs:spPr>
-  </cs:hiLoLine>
-  <cs:leaderLine>
-    <cs:lnRef idx="0">
-      <cs:styleClr val="0"/>
-    </cs:lnRef>
-    <cs:fillRef idx="0"/>
-    <cs:effectRef idx="0"/>
-    <cs:fontRef idx="minor">
-      <a:schemeClr val="dk1"/>
-    </cs:fontRef>
-    <cs:spPr>
-      <a:ln w="9525">
-        <a:solidFill>
-          <a:schemeClr val="phClr">
-            <a:lumMod val="60000"/>
-            <a:lumOff val="40000"/>
-          </a:schemeClr>
-        </a:solidFill>
-      </a:ln>
-    </cs:spPr>
-  </cs:leaderLine>
-  <cs:legend>
-    <cs:lnRef idx="0"/>
-    <cs:fillRef idx="0"/>
-    <cs:effectRef idx="0"/>
-    <cs:fontRef idx="minor">
-      <a:schemeClr val="lt1"/>
-    </cs:fontRef>
-    <cs:defRPr sz="1197" kern="1200"/>
-  </cs:legend>
-  <cs:plotArea>
-    <cs:lnRef idx="0"/>
-    <cs:fillRef idx="0"/>
-    <cs:effectRef idx="0"/>
-    <cs:fontRef idx="minor">
-      <a:schemeClr val="dk1"/>
-    </cs:fontRef>
-  </cs:plotArea>
-  <cs:plotArea3D>
-    <cs:lnRef idx="0"/>
-    <cs:fillRef idx="0"/>
-    <cs:effectRef idx="0"/>
-    <cs:fontRef idx="minor">
-      <a:schemeClr val="dk1"/>
-    </cs:fontRef>
-  </cs:plotArea3D>
-  <cs:seriesAxis>
-    <cs:lnRef idx="0">
-      <cs:styleClr val="0"/>
-    </cs:lnRef>
-    <cs:fillRef idx="0"/>
-    <cs:effectRef idx="0"/>
-    <cs:fontRef idx="minor">
-      <a:schemeClr val="lt1"/>
-    </cs:fontRef>
-    <cs:defRPr sz="1197" kern="1200"/>
-  </cs:seriesAxis>
-  <cs:seriesLine>
-    <cs:lnRef idx="0">
-      <cs:styleClr val="0"/>
-    </cs:lnRef>
-    <cs:fillRef idx="0"/>
-    <cs:effectRef idx="0"/>
-    <cs:fontRef idx="minor">
-      <a:schemeClr val="dk1"/>
-    </cs:fontRef>
-    <cs:spPr>
-      <a:ln w="9525">
-        <a:solidFill>
-          <a:schemeClr val="phClr">
-            <a:lumMod val="60000"/>
-            <a:lumOff val="40000"/>
-            <a:tint val="50000"/>
-          </a:schemeClr>
-        </a:solidFill>
-        <a:prstDash val="dash"/>
-      </a:ln>
-    </cs:spPr>
-  </cs:seriesLine>
-  <cs:title>
-    <cs:lnRef idx="0"/>
-    <cs:fillRef idx="0"/>
-    <cs:effectRef idx="0"/>
-    <cs:fontRef idx="minor">
-      <a:schemeClr val="lt1"/>
-    </cs:fontRef>
-    <cs:defRPr sz="1995" b="1" kern="1200" cap="all" spc="100" normalizeH="0" baseline="0"/>
-  </cs:title>
-  <cs:trendline>
-    <cs:lnRef idx="0"/>
-    <cs:fillRef idx="0"/>
-    <cs:effectRef idx="0"/>
-    <cs:fontRef idx="minor">
-      <a:schemeClr val="dk1"/>
-    </cs:fontRef>
-    <cs:spPr>
-      <a:ln w="28575" cap="rnd">
-        <a:solidFill>
-          <a:schemeClr val="lt1">
-            <a:alpha val="50000"/>
-          </a:schemeClr>
-        </a:solidFill>
-        <a:round/>
-      </a:ln>
-    </cs:spPr>
-  </cs:trendline>
-  <cs:trendlineLabel>
-    <cs:lnRef idx="0"/>
-    <cs:fillRef idx="0"/>
-    <cs:effectRef idx="0"/>
-    <cs:fontRef idx="minor">
-      <a:schemeClr val="lt1"/>
-    </cs:fontRef>
-    <cs:defRPr sz="1197" kern="1200"/>
-  </cs:trendlineLabel>
-  <cs:upBar>
-    <cs:lnRef idx="0">
-      <cs:styleClr val="0"/>
-    </cs:lnRef>
-    <cs:fillRef idx="0"/>
-    <cs:effectRef idx="0"/>
-    <cs:fontRef idx="minor">
-      <a:schemeClr val="dk1"/>
-    </cs:fontRef>
-    <cs:spPr>
-      <a:solidFill>
-        <a:schemeClr val="lt1">
-          <a:lumMod val="95000"/>
-        </a:schemeClr>
-      </a:solidFill>
-      <a:ln w="9525">
-        <a:solidFill>
-          <a:schemeClr val="phClr">
-            <a:lumMod val="60000"/>
-            <a:lumOff val="40000"/>
-          </a:schemeClr>
-        </a:solidFill>
-      </a:ln>
-    </cs:spPr>
-  </cs:upBar>
-  <cs:valueAxis>
-    <cs:lnRef idx="0"/>
-    <cs:fillRef idx="0"/>
-    <cs:effectRef idx="0"/>
-    <cs:fontRef idx="minor">
-      <a:schemeClr val="lt1"/>
-    </cs:fontRef>
-    <cs:defRPr sz="1197" kern="1200"/>
-  </cs:valueAxis>
-  <cs:wall>
-    <cs:lnRef idx="0"/>
-    <cs:fillRef idx="0"/>
-    <cs:effectRef idx="0"/>
-    <cs:fontRef idx="minor">
-      <a:schemeClr val="dk1"/>
-    </cs:fontRef>
-  </cs:wall>
-</cs:chartStyle>
-</file>
-
-<file path=ppt/charts/style2.xml><?xml version="1.0" encoding="utf-8"?>
-<cs:chartStyle xmlns:cs="http://schemas.microsoft.com/office/drawing/2012/chartStyle" xmlns:a="http://schemas.openxmlformats.org/drawingml/2006/main" id="238">
-  <cs:axisTitle>
-    <cs:lnRef idx="0"/>
-    <cs:fillRef idx="0"/>
-    <cs:effectRef idx="0"/>
-    <cs:fontRef idx="minor">
-      <a:schemeClr val="lt1"/>
-    </cs:fontRef>
-    <cs:defRPr sz="1197" b="1" kern="1200"/>
-  </cs:axisTitle>
-  <cs:categoryAxis>
-    <cs:lnRef idx="0">
-      <cs:styleClr val="0"/>
-    </cs:lnRef>
-    <cs:fillRef idx="0"/>
-    <cs:effectRef idx="0"/>
-    <cs:fontRef idx="minor">
-      <a:schemeClr val="lt1"/>
-    </cs:fontRef>
-    <cs:defRPr sz="1197" kern="1200" spc="30" baseline="0"/>
-  </cs:categoryAxis>
-  <cs:chartArea>
-    <cs:lnRef idx="0">
-      <cs:styleClr val="0"/>
-    </cs:lnRef>
-    <cs:fillRef idx="0">
-      <cs:styleClr val="0"/>
-    </cs:fillRef>
-    <cs:effectRef idx="0"/>
-    <cs:fontRef idx="minor">
-      <a:schemeClr val="dk1"/>
-    </cs:fontRef>
-    <cs:spPr>
-      <a:solidFill>
-        <a:schemeClr val="phClr"/>
-      </a:solidFill>
-      <a:ln w="9525" cap="flat" cmpd="sng" algn="ctr">
-        <a:solidFill>
-          <a:schemeClr val="lt1">
-            <a:lumMod val="85000"/>
-          </a:schemeClr>
-        </a:solidFill>
-        <a:round/>
-      </a:ln>
-    </cs:spPr>
-    <cs:defRPr sz="1330" kern="1200"/>
-  </cs:chartArea>
-  <cs:dataLabel>
-    <cs:lnRef idx="0"/>
-    <cs:fillRef idx="0">
-      <cs:styleClr val="0"/>
-    </cs:fillRef>
-    <cs:effectRef idx="0"/>
-    <cs:fontRef idx="minor">
-      <a:schemeClr val="lt1"/>
-    </cs:fontRef>
-    <cs:spPr>
-      <a:solidFill>
-        <a:schemeClr val="phClr"/>
-      </a:solidFill>
-    </cs:spPr>
-    <cs:defRPr sz="1197" b="1" kern="1200"/>
-  </cs:dataLabel>
-  <cs:dataLabelCallout>
-    <cs:lnRef idx="0">
-      <cs:styleClr val="auto"/>
-    </cs:lnRef>
-    <cs:fillRef idx="0"/>
-    <cs:effectRef idx="0"/>
-    <cs:fontRef idx="minor">
-      <cs:styleClr val="auto"/>
-    </cs:fontRef>
-    <cs:spPr>
-      <a:solidFill>
-        <a:schemeClr val="lt1"/>
-      </a:solidFill>
-      <a:ln>
-        <a:solidFill>
-          <a:schemeClr val="phClr"/>
-        </a:solidFill>
-      </a:ln>
-    </cs:spPr>
-    <cs:defRPr sz="1197" kern="1200"/>
-    <cs:bodyPr rot="0" spcFirstLastPara="1" vertOverflow="clip" horzOverflow="clip" vert="horz" wrap="square" lIns="36576" tIns="18288" rIns="36576" bIns="18288" anchor="ctr" anchorCtr="1">
-      <a:spAutoFit/>
-    </cs:bodyPr>
-  </cs:dataLabelCallout>
-  <cs:dataPoint>
-    <cs:lnRef idx="0"/>
-    <cs:fillRef idx="0">
-      <cs:styleClr val="auto"/>
-    </cs:fillRef>
-    <cs:effectRef idx="0"/>
-    <cs:fontRef idx="minor">
-      <a:schemeClr val="dk1"/>
-    </cs:fontRef>
-    <cs:spPr>
-      <a:pattFill prst="ltUpDiag">
-        <a:fgClr>
-          <a:schemeClr val="phClr"/>
-        </a:fgClr>
-        <a:bgClr>
-          <a:schemeClr val="lt1"/>
-        </a:bgClr>
-      </a:pattFill>
-    </cs:spPr>
-  </cs:dataPoint>
-  <cs:dataPoint3D>
-    <cs:lnRef idx="0"/>
-    <cs:fillRef idx="0">
-      <cs:styleClr val="auto"/>
-    </cs:fillRef>
-    <cs:effectRef idx="0"/>
-    <cs:fontRef idx="minor">
-      <a:schemeClr val="dk1"/>
-    </cs:fontRef>
-    <cs:spPr>
-      <a:pattFill prst="ltUpDiag">
-        <a:fgClr>
-          <a:schemeClr val="phClr"/>
-        </a:fgClr>
-        <a:bgClr>
-          <a:schemeClr val="lt1"/>
-        </a:bgClr>
-      </a:pattFill>
-    </cs:spPr>
-  </cs:dataPoint3D>
-  <cs:dataPointLine>
-    <cs:lnRef idx="0">
-      <cs:styleClr val="auto"/>
-    </cs:lnRef>
-    <cs:fillRef idx="0"/>
-    <cs:effectRef idx="0">
-      <cs:styleClr val="auto"/>
-    </cs:effectRef>
-    <cs:fontRef idx="minor">
-      <a:schemeClr val="dk1"/>
-    </cs:fontRef>
-    <cs:spPr>
-      <a:ln w="25400" cap="rnd">
-        <a:solidFill>
-          <a:schemeClr val="lt1"/>
-        </a:solidFill>
-        <a:round/>
-      </a:ln>
-      <a:effectLst>
-        <a:outerShdw dist="25400" dir="2700000" algn="tl" rotWithShape="0">
-          <a:schemeClr val="phClr"/>
-        </a:outerShdw>
-      </a:effectLst>
-    </cs:spPr>
-  </cs:dataPointLine>
-  <cs:dataPointMarker>
-    <cs:lnRef idx="0"/>
-    <cs:fillRef idx="0">
-      <cs:styleClr val="auto"/>
-    </cs:fillRef>
-    <cs:effectRef idx="0"/>
-    <cs:fontRef idx="minor">
-      <a:schemeClr val="dk1"/>
-    </cs:fontRef>
-    <cs:spPr>
-      <a:solidFill>
-        <a:schemeClr val="phClr"/>
-      </a:solidFill>
-    </cs:spPr>
-  </cs:dataPointMarker>
-  <cs:dataPointMarkerLayout symbol="circle" size="14"/>
-  <cs:dataPointWireframe>
-    <cs:lnRef idx="0">
-      <cs:styleClr val="auto"/>
-    </cs:lnRef>
-    <cs:fillRef idx="0"/>
-    <cs:effectRef idx="0"/>
-    <cs:fontRef idx="minor">
-      <a:schemeClr val="dk1"/>
-    </cs:fontRef>
-    <cs:spPr>
-      <a:ln w="9525" cap="rnd">
-        <a:solidFill>
-          <a:schemeClr val="phClr"/>
-        </a:solidFill>
-        <a:round/>
-      </a:ln>
-    </cs:spPr>
-  </cs:dataPointWireframe>
-  <cs:dataTable>
-    <cs:lnRef idx="0">
-      <cs:styleClr val="0"/>
-    </cs:lnRef>
-    <cs:fillRef idx="0"/>
-    <cs:effectRef idx="0"/>
-    <cs:fontRef idx="minor">
-      <a:schemeClr val="lt1"/>
-    </cs:fontRef>
-    <cs:spPr>
-      <a:ln w="9525">
-        <a:solidFill>
-          <a:schemeClr val="phClr">
-            <a:lumMod val="60000"/>
-            <a:lumOff val="40000"/>
-          </a:schemeClr>
-        </a:solidFill>
-      </a:ln>
-    </cs:spPr>
-    <cs:defRPr sz="1197" kern="1200"/>
-  </cs:dataTable>
-  <cs:downBar>
-    <cs:lnRef idx="0">
-      <cs:styleClr val="0"/>
-    </cs:lnRef>
-    <cs:fillRef idx="0"/>
-    <cs:effectRef idx="0"/>
-    <cs:fontRef idx="minor">
-      <a:schemeClr val="dk1"/>
-    </cs:fontRef>
-    <cs:spPr>
-      <a:solidFill>
-        <a:schemeClr val="dk1">
-          <a:lumMod val="35000"/>
-          <a:lumOff val="65000"/>
-        </a:schemeClr>
-      </a:solidFill>
-      <a:ln w="9525">
-        <a:solidFill>
-          <a:schemeClr val="phClr">
-            <a:lumMod val="60000"/>
-            <a:lumOff val="40000"/>
-          </a:schemeClr>
-        </a:solidFill>
-      </a:ln>
-    </cs:spPr>
-  </cs:downBar>
-  <cs:dropLine>
-    <cs:lnRef idx="0"/>
-    <cs:fillRef idx="0"/>
-    <cs:effectRef idx="0"/>
-    <cs:fontRef idx="minor">
-      <a:schemeClr val="dk1"/>
-    </cs:fontRef>
-    <cs:spPr>
-      <a:ln w="9525" cap="flat" cmpd="sng" algn="ctr">
-        <a:gradFill>
-          <a:gsLst>
-            <a:gs pos="0">
-              <a:schemeClr val="lt1"/>
-            </a:gs>
-            <a:gs pos="100000">
-              <a:schemeClr val="lt1">
-                <a:alpha val="0"/>
-              </a:schemeClr>
-            </a:gs>
-          </a:gsLst>
-          <a:lin ang="5400000" scaled="0"/>
-        </a:gradFill>
-        <a:round/>
-      </a:ln>
-    </cs:spPr>
-  </cs:dropLine>
-  <cs:errorBar>
-    <cs:lnRef idx="0">
-      <cs:styleClr val="0"/>
-    </cs:lnRef>
-    <cs:fillRef idx="0"/>
-    <cs:effectRef idx="0"/>
-    <cs:fontRef idx="minor">
-      <a:schemeClr val="dk1"/>
-    </cs:fontRef>
-    <cs:spPr>
-      <a:ln w="9525">
-        <a:solidFill>
-          <a:schemeClr val="phClr">
-            <a:lumMod val="60000"/>
-            <a:lumOff val="40000"/>
-          </a:schemeClr>
-        </a:solidFill>
-        <a:round/>
-      </a:ln>
-      <a:effectLst>
-        <a:glow rad="25400">
-          <a:schemeClr val="lt1"/>
-        </a:glow>
-      </a:effectLst>
-    </cs:spPr>
-  </cs:errorBar>
-  <cs:floor>
-    <cs:lnRef idx="0"/>
-    <cs:fillRef idx="0"/>
-    <cs:effectRef idx="0"/>
-    <cs:fontRef idx="minor">
-      <a:schemeClr val="dk1"/>
-    </cs:fontRef>
-  </cs:floor>
-  <cs:gridlineMajor>
-    <cs:lnRef idx="0">
-      <cs:styleClr val="0"/>
-    </cs:lnRef>
-    <cs:fillRef idx="0"/>
-    <cs:effectRef idx="0"/>
-    <cs:fontRef idx="minor">
-      <a:schemeClr val="dk1"/>
-    </cs:fontRef>
-    <cs:spPr>
-      <a:ln w="9525" cap="flat" cmpd="sng" algn="ctr">
-        <a:solidFill>
-          <a:schemeClr val="lt1">
-            <a:alpha val="25000"/>
-          </a:schemeClr>
-        </a:solidFill>
-        <a:round/>
-      </a:ln>
-    </cs:spPr>
-  </cs:gridlineMajor>
-  <cs:gridlineMinor>
-    <cs:lnRef idx="0">
-      <cs:styleClr val="0"/>
-    </cs:lnRef>
-    <cs:fillRef idx="0"/>
-    <cs:effectRef idx="0"/>
-    <cs:fontRef idx="minor">
-      <a:schemeClr val="dk1"/>
-    </cs:fontRef>
-    <cs:spPr>
-      <a:ln>
-        <a:solidFill>
-          <a:schemeClr val="lt1">
-            <a:alpha val="10000"/>
-          </a:schemeClr>
-        </a:solidFill>
-      </a:ln>
-    </cs:spPr>
-  </cs:gridlineMinor>
-  <cs:hiLoLine>
-    <cs:lnRef idx="0">
-      <cs:styleClr val="0"/>
-    </cs:lnRef>
-    <cs:fillRef idx="0"/>
-    <cs:effectRef idx="0"/>
-    <cs:fontRef idx="minor">
-      <a:schemeClr val="dk1"/>
-    </cs:fontRef>
-    <cs:spPr>
-      <a:ln w="9525">
-        <a:solidFill>
-          <a:schemeClr val="phClr">
-            <a:lumMod val="60000"/>
-            <a:lumOff val="40000"/>
-          </a:schemeClr>
-        </a:solidFill>
-        <a:prstDash val="dash"/>
-      </a:ln>
-    </cs:spPr>
-  </cs:hiLoLine>
-  <cs:leaderLine>
-    <cs:lnRef idx="0">
-      <cs:styleClr val="0"/>
-    </cs:lnRef>
-    <cs:fillRef idx="0"/>
-    <cs:effectRef idx="0"/>
-    <cs:fontRef idx="minor">
-      <a:schemeClr val="dk1"/>
-    </cs:fontRef>
-    <cs:spPr>
-      <a:ln w="9525">
-        <a:solidFill>
-          <a:schemeClr val="phClr">
-            <a:lumMod val="60000"/>
-            <a:lumOff val="40000"/>
-          </a:schemeClr>
-        </a:solidFill>
-      </a:ln>
-    </cs:spPr>
-  </cs:leaderLine>
-  <cs:legend>
-    <cs:lnRef idx="0"/>
-    <cs:fillRef idx="0"/>
-    <cs:effectRef idx="0"/>
-    <cs:fontRef idx="minor">
-      <a:schemeClr val="lt1"/>
-    </cs:fontRef>
-    <cs:defRPr sz="1197" kern="1200"/>
-  </cs:legend>
-  <cs:plotArea>
-    <cs:lnRef idx="0"/>
-    <cs:fillRef idx="0"/>
-    <cs:effectRef idx="0"/>
-    <cs:fontRef idx="minor">
-      <a:schemeClr val="dk1"/>
-    </cs:fontRef>
-  </cs:plotArea>
-  <cs:plotArea3D>
-    <cs:lnRef idx="0"/>
-    <cs:fillRef idx="0"/>
-    <cs:effectRef idx="0"/>
-    <cs:fontRef idx="minor">
-      <a:schemeClr val="dk1"/>
-    </cs:fontRef>
-  </cs:plotArea3D>
-  <cs:seriesAxis>
-    <cs:lnRef idx="0">
-      <cs:styleClr val="0"/>
-    </cs:lnRef>
-    <cs:fillRef idx="0"/>
-    <cs:effectRef idx="0"/>
-    <cs:fontRef idx="minor">
-      <a:schemeClr val="lt1"/>
-    </cs:fontRef>
-    <cs:defRPr sz="1197" kern="1200"/>
-  </cs:seriesAxis>
-  <cs:seriesLine>
-    <cs:lnRef idx="0">
-      <cs:styleClr val="0"/>
-    </cs:lnRef>
-    <cs:fillRef idx="0"/>
-    <cs:effectRef idx="0"/>
-    <cs:fontRef idx="minor">
-      <a:schemeClr val="dk1"/>
-    </cs:fontRef>
-    <cs:spPr>
-      <a:ln w="9525">
-        <a:solidFill>
-          <a:schemeClr val="phClr">
-            <a:lumMod val="60000"/>
-            <a:lumOff val="40000"/>
-            <a:tint val="50000"/>
-          </a:schemeClr>
-        </a:solidFill>
-        <a:prstDash val="dash"/>
-      </a:ln>
-    </cs:spPr>
-  </cs:seriesLine>
-  <cs:title>
-    <cs:lnRef idx="0"/>
-    <cs:fillRef idx="0"/>
-    <cs:effectRef idx="0"/>
-    <cs:fontRef idx="minor">
-      <a:schemeClr val="lt1"/>
-    </cs:fontRef>
-    <cs:defRPr sz="1995" b="1" kern="1200" cap="all" spc="100" normalizeH="0" baseline="0"/>
-  </cs:title>
-  <cs:trendline>
-    <cs:lnRef idx="0"/>
-    <cs:fillRef idx="0"/>
-    <cs:effectRef idx="0"/>
-    <cs:fontRef idx="minor">
-      <a:schemeClr val="dk1"/>
-    </cs:fontRef>
-    <cs:spPr>
-      <a:ln w="28575" cap="rnd">
-        <a:solidFill>
-          <a:schemeClr val="lt1">
-            <a:alpha val="50000"/>
-          </a:schemeClr>
-        </a:solidFill>
-        <a:round/>
-      </a:ln>
-    </cs:spPr>
-  </cs:trendline>
-  <cs:trendlineLabel>
-    <cs:lnRef idx="0"/>
-    <cs:fillRef idx="0"/>
-    <cs:effectRef idx="0"/>
-    <cs:fontRef idx="minor">
-      <a:schemeClr val="lt1"/>
-    </cs:fontRef>
-    <cs:defRPr sz="1197" kern="1200"/>
-  </cs:trendlineLabel>
-  <cs:upBar>
-    <cs:lnRef idx="0">
-      <cs:styleClr val="0"/>
-    </cs:lnRef>
-    <cs:fillRef idx="0"/>
-    <cs:effectRef idx="0"/>
-    <cs:fontRef idx="minor">
-      <a:schemeClr val="dk1"/>
-    </cs:fontRef>
-    <cs:spPr>
-      <a:solidFill>
-        <a:schemeClr val="lt1">
-          <a:lumMod val="95000"/>
-        </a:schemeClr>
-      </a:solidFill>
-      <a:ln w="9525">
-        <a:solidFill>
-          <a:schemeClr val="phClr">
-            <a:lumMod val="60000"/>
-            <a:lumOff val="40000"/>
-          </a:schemeClr>
-        </a:solidFill>
-      </a:ln>
-    </cs:spPr>
-  </cs:upBar>
-  <cs:valueAxis>
-    <cs:lnRef idx="0"/>
-    <cs:fillRef idx="0"/>
-    <cs:effectRef idx="0"/>
-    <cs:fontRef idx="minor">
-      <a:schemeClr val="lt1"/>
-    </cs:fontRef>
-    <cs:defRPr sz="1197" kern="1200"/>
-  </cs:valueAxis>
-  <cs:wall>
-    <cs:lnRef idx="0"/>
-    <cs:fillRef idx="0"/>
-    <cs:effectRef idx="0"/>
-    <cs:fontRef idx="minor">
-      <a:schemeClr val="dk1"/>
-    </cs:fontRef>
-  </cs:wall>
-</cs:chartStyle>
-</file>
-
-<file path=ppt/charts/style3.xml><?xml version="1.0" encoding="utf-8"?>
 <cs:chartStyle xmlns:cs="http://schemas.microsoft.com/office/drawing/2012/chartStyle" xmlns:a="http://schemas.openxmlformats.org/drawingml/2006/main" id="207">
   <cs:axisTitle>
     <cs:lnRef idx="0"/>
@@ -3707,7 +1765,7 @@
 </cs:chartStyle>
 </file>
 
-<file path=ppt/charts/style4.xml><?xml version="1.0" encoding="utf-8"?>
+<file path=ppt/charts/style2.xml><?xml version="1.0" encoding="utf-8"?>
 <cs:chartStyle xmlns:cs="http://schemas.microsoft.com/office/drawing/2012/chartStyle" xmlns:a="http://schemas.openxmlformats.org/drawingml/2006/main" id="234">
   <cs:axisTitle>
     <cs:lnRef idx="0"/>
@@ -4310,7 +2368,7 @@
                   <a:srgbClr val="003E74"/>
                 </a:solidFill>
               </a:rPr>
-              <a:t>2 September, 2021</a:t>
+              <a:t>7 September, 2021</a:t>
             </a:fld>
             <a:endParaRPr lang="en-US" dirty="0">
               <a:solidFill>
@@ -4426,7 +2484,7 @@
             <a:fld id="{8D35C32B-10D1-1447-A35B-280119DE9D12}" type="datetime3">
               <a:rPr lang="en-GB" smtClean="0"/>
               <a:pPr/>
-              <a:t>2 September, 2021</a:t>
+              <a:t>7 September, 2021</a:t>
             </a:fld>
             <a:endParaRPr lang="en-US" dirty="0"/>
           </a:p>
@@ -4567,122 +2625,6 @@
     </a:lvl9pPr>
   </p:notesStyle>
 </p:notesMaster>
-</file>
-
-<file path=ppt/notesSlides/notesSlide1.xml><?xml version="1.0" encoding="utf-8"?>
-<p:notes xmlns:a="http://schemas.openxmlformats.org/drawingml/2006/main" xmlns:r="http://schemas.openxmlformats.org/officeDocument/2006/relationships" xmlns:p="http://schemas.openxmlformats.org/presentationml/2006/main">
-  <p:cSld>
-    <p:spTree>
-      <p:nvGrpSpPr>
-        <p:cNvPr id="1" name=""/>
-        <p:cNvGrpSpPr/>
-        <p:nvPr/>
-      </p:nvGrpSpPr>
-      <p:grpSpPr>
-        <a:xfrm>
-          <a:off x="0" y="0"/>
-          <a:ext cx="0" cy="0"/>
-          <a:chOff x="0" y="0"/>
-          <a:chExt cx="0" cy="0"/>
-        </a:xfrm>
-      </p:grpSpPr>
-      <p:sp>
-        <p:nvSpPr>
-          <p:cNvPr id="2" name="Slide Image Placeholder 1"/>
-          <p:cNvSpPr>
-            <a:spLocks noGrp="1" noRot="1" noChangeAspect="1"/>
-          </p:cNvSpPr>
-          <p:nvPr>
-            <p:ph type="sldImg"/>
-          </p:nvPr>
-        </p:nvSpPr>
-        <p:spPr/>
-      </p:sp>
-      <p:sp>
-        <p:nvSpPr>
-          <p:cNvPr id="3" name="Notes Placeholder 2"/>
-          <p:cNvSpPr>
-            <a:spLocks noGrp="1"/>
-          </p:cNvSpPr>
-          <p:nvPr>
-            <p:ph type="body" idx="1"/>
-          </p:nvPr>
-        </p:nvSpPr>
-        <p:spPr>
-          <a:xfrm>
-            <a:off x="685800" y="4400550"/>
-            <a:ext cx="5486400" cy="3600450"/>
-          </a:xfrm>
-          <a:prstGeom prst="rect">
-            <a:avLst/>
-          </a:prstGeom>
-        </p:spPr>
-        <p:txBody>
-          <a:bodyPr/>
-          <a:lstStyle/>
-          <a:p>
-            <a:endParaRPr lang="en-US" dirty="0"/>
-          </a:p>
-        </p:txBody>
-      </p:sp>
-      <p:sp>
-        <p:nvSpPr>
-          <p:cNvPr id="4" name="Header Placeholder 3"/>
-          <p:cNvSpPr>
-            <a:spLocks noGrp="1"/>
-          </p:cNvSpPr>
-          <p:nvPr>
-            <p:ph type="hdr" sz="quarter"/>
-          </p:nvPr>
-        </p:nvSpPr>
-        <p:spPr/>
-        <p:txBody>
-          <a:bodyPr/>
-          <a:lstStyle/>
-          <a:p>
-            <a:r>
-              <a:rPr lang="en-US"/>
-              <a:t>Name of presentation</a:t>
-            </a:r>
-            <a:endParaRPr lang="en-US" dirty="0"/>
-          </a:p>
-        </p:txBody>
-      </p:sp>
-      <p:sp>
-        <p:nvSpPr>
-          <p:cNvPr id="5" name="Date Placeholder 4"/>
-          <p:cNvSpPr>
-            <a:spLocks noGrp="1"/>
-          </p:cNvSpPr>
-          <p:nvPr>
-            <p:ph type="dt" idx="1"/>
-          </p:nvPr>
-        </p:nvSpPr>
-        <p:spPr/>
-        <p:txBody>
-          <a:bodyPr/>
-          <a:lstStyle/>
-          <a:p>
-            <a:fld id="{8D35C32B-10D1-1447-A35B-280119DE9D12}" type="datetime3">
-              <a:rPr lang="en-GB" smtClean="0"/>
-              <a:pPr/>
-              <a:t>3 September, 2021</a:t>
-            </a:fld>
-            <a:endParaRPr lang="en-US" dirty="0"/>
-          </a:p>
-        </p:txBody>
-      </p:sp>
-    </p:spTree>
-    <p:extLst>
-      <p:ext uri="{BB962C8B-B14F-4D97-AF65-F5344CB8AC3E}">
-        <p14:creationId xmlns:p14="http://schemas.microsoft.com/office/powerpoint/2010/main" val="2534078046"/>
-      </p:ext>
-    </p:extLst>
-  </p:cSld>
-  <p:clrMapOvr>
-    <a:masterClrMapping/>
-  </p:clrMapOvr>
-</p:notes>
 </file>
 
 <file path=ppt/slideLayouts/slideLayout1.xml><?xml version="1.0" encoding="utf-8"?>
@@ -8059,906 +6001,6 @@
           <a:p>
             <a:r>
               <a:rPr lang="en-US" dirty="0"/>
-              <a:t>Model architecture </a:t>
-            </a:r>
-          </a:p>
-        </p:txBody>
-      </p:sp>
-      <p:pic>
-        <p:nvPicPr>
-          <p:cNvPr id="5" name="Content Placeholder 4">
-            <a:extLst>
-              <a:ext uri="{FF2B5EF4-FFF2-40B4-BE49-F238E27FC236}">
-                <a16:creationId xmlns:a16="http://schemas.microsoft.com/office/drawing/2014/main" id="{18681B47-7EB2-4EBF-9A70-C06CD074AE69}"/>
-              </a:ext>
-            </a:extLst>
-          </p:cNvPr>
-          <p:cNvPicPr>
-            <a:picLocks noGrp="1" noChangeAspect="1"/>
-          </p:cNvPicPr>
-          <p:nvPr>
-            <p:ph idx="1"/>
-          </p:nvPr>
-        </p:nvPicPr>
-        <p:blipFill>
-          <a:blip r:embed="rId3"/>
-          <a:stretch>
-            <a:fillRect/>
-          </a:stretch>
-        </p:blipFill>
-        <p:spPr>
-          <a:xfrm>
-            <a:off x="1585362" y="1681386"/>
-            <a:ext cx="5848576" cy="1385885"/>
-          </a:xfrm>
-        </p:spPr>
-      </p:pic>
-      <p:sp>
-        <p:nvSpPr>
-          <p:cNvPr id="7" name="Text Placeholder 6">
-            <a:extLst>
-              <a:ext uri="{FF2B5EF4-FFF2-40B4-BE49-F238E27FC236}">
-                <a16:creationId xmlns:a16="http://schemas.microsoft.com/office/drawing/2014/main" id="{F1A87B17-2B77-4C2F-B910-CBAEEF40F388}"/>
-              </a:ext>
-            </a:extLst>
-          </p:cNvPr>
-          <p:cNvSpPr>
-            <a:spLocks noGrp="1"/>
-          </p:cNvSpPr>
-          <p:nvPr>
-            <p:ph type="body" sz="quarter" idx="12"/>
-          </p:nvPr>
-        </p:nvSpPr>
-        <p:spPr/>
-        <p:txBody>
-          <a:bodyPr/>
-          <a:lstStyle/>
-          <a:p>
-            <a:endParaRPr lang="en-US"/>
-          </a:p>
-        </p:txBody>
-      </p:sp>
-      <p:sp>
-        <p:nvSpPr>
-          <p:cNvPr id="9" name="Text Placeholder 8">
-            <a:extLst>
-              <a:ext uri="{FF2B5EF4-FFF2-40B4-BE49-F238E27FC236}">
-                <a16:creationId xmlns:a16="http://schemas.microsoft.com/office/drawing/2014/main" id="{90A82A4F-19FB-4FF1-94AC-33F939F384BD}"/>
-              </a:ext>
-            </a:extLst>
-          </p:cNvPr>
-          <p:cNvSpPr>
-            <a:spLocks noGrp="1"/>
-          </p:cNvSpPr>
-          <p:nvPr>
-            <p:ph type="body" sz="quarter" idx="10"/>
-          </p:nvPr>
-        </p:nvSpPr>
-        <p:spPr/>
-        <p:txBody>
-          <a:bodyPr/>
-          <a:lstStyle/>
-          <a:p>
-            <a:r>
-              <a:rPr lang="en-US" dirty="0"/>
-              <a:t>Deep learning proxy of reservoir simulation</a:t>
-            </a:r>
-          </a:p>
-          <a:p>
-            <a:endParaRPr lang="en-US" dirty="0"/>
-          </a:p>
-        </p:txBody>
-      </p:sp>
-      <p:pic>
-        <p:nvPicPr>
-          <p:cNvPr id="8" name="Picture 7">
-            <a:extLst>
-              <a:ext uri="{FF2B5EF4-FFF2-40B4-BE49-F238E27FC236}">
-                <a16:creationId xmlns:a16="http://schemas.microsoft.com/office/drawing/2014/main" id="{FFC9AA12-4DDA-44B3-BB04-7A33DADC2097}"/>
-              </a:ext>
-            </a:extLst>
-          </p:cNvPr>
-          <p:cNvPicPr>
-            <a:picLocks noChangeAspect="1"/>
-          </p:cNvPicPr>
-          <p:nvPr/>
-        </p:nvPicPr>
-        <p:blipFill>
-          <a:blip r:embed="rId4"/>
-          <a:stretch>
-            <a:fillRect/>
-          </a:stretch>
-        </p:blipFill>
-        <p:spPr>
-          <a:xfrm>
-            <a:off x="1172045" y="3167339"/>
-            <a:ext cx="6791325" cy="1449843"/>
-          </a:xfrm>
-          <a:prstGeom prst="rect">
-            <a:avLst/>
-          </a:prstGeom>
-        </p:spPr>
-      </p:pic>
-    </p:spTree>
-    <p:extLst>
-      <p:ext uri="{BB962C8B-B14F-4D97-AF65-F5344CB8AC3E}">
-        <p14:creationId xmlns:p14="http://schemas.microsoft.com/office/powerpoint/2010/main" val="2204807297"/>
-      </p:ext>
-    </p:extLst>
-  </p:cSld>
-  <p:clrMapOvr>
-    <a:masterClrMapping/>
-  </p:clrMapOvr>
-</p:sld>
-</file>
-
-<file path=ppt/slides/slide11.xml><?xml version="1.0" encoding="utf-8"?>
-<p:sld xmlns:a="http://schemas.openxmlformats.org/drawingml/2006/main" xmlns:r="http://schemas.openxmlformats.org/officeDocument/2006/relationships" xmlns:p="http://schemas.openxmlformats.org/presentationml/2006/main">
-  <p:cSld>
-    <p:spTree>
-      <p:nvGrpSpPr>
-        <p:cNvPr id="1" name=""/>
-        <p:cNvGrpSpPr/>
-        <p:nvPr/>
-      </p:nvGrpSpPr>
-      <p:grpSpPr>
-        <a:xfrm>
-          <a:off x="0" y="0"/>
-          <a:ext cx="0" cy="0"/>
-          <a:chOff x="0" y="0"/>
-          <a:chExt cx="0" cy="0"/>
-        </a:xfrm>
-      </p:grpSpPr>
-      <p:pic>
-        <p:nvPicPr>
-          <p:cNvPr id="8" name="Content Placeholder 7">
-            <a:extLst>
-              <a:ext uri="{FF2B5EF4-FFF2-40B4-BE49-F238E27FC236}">
-                <a16:creationId xmlns:a16="http://schemas.microsoft.com/office/drawing/2014/main" id="{88EA30AA-584E-48F1-99EF-3E9E793F02E0}"/>
-              </a:ext>
-            </a:extLst>
-          </p:cNvPr>
-          <p:cNvPicPr>
-            <a:picLocks noGrp="1" noChangeAspect="1"/>
-          </p:cNvPicPr>
-          <p:nvPr>
-            <p:ph idx="11"/>
-          </p:nvPr>
-        </p:nvPicPr>
-        <p:blipFill>
-          <a:blip r:embed="rId2"/>
-          <a:stretch>
-            <a:fillRect/>
-          </a:stretch>
-        </p:blipFill>
-        <p:spPr>
-          <a:xfrm>
-            <a:off x="457200" y="1832273"/>
-            <a:ext cx="3951288" cy="2469555"/>
-          </a:xfrm>
-        </p:spPr>
-      </p:pic>
-      <p:sp>
-        <p:nvSpPr>
-          <p:cNvPr id="3" name="Title 2">
-            <a:extLst>
-              <a:ext uri="{FF2B5EF4-FFF2-40B4-BE49-F238E27FC236}">
-                <a16:creationId xmlns:a16="http://schemas.microsoft.com/office/drawing/2014/main" id="{2A01C16D-91FE-42E9-BB49-0E6ED9311CBB}"/>
-              </a:ext>
-            </a:extLst>
-          </p:cNvPr>
-          <p:cNvSpPr>
-            <a:spLocks noGrp="1"/>
-          </p:cNvSpPr>
-          <p:nvPr>
-            <p:ph type="title"/>
-          </p:nvPr>
-        </p:nvSpPr>
-        <p:spPr/>
-        <p:txBody>
-          <a:bodyPr/>
-          <a:lstStyle/>
-          <a:p>
-            <a:r>
-              <a:rPr lang="en-US" dirty="0"/>
-              <a:t>Result</a:t>
-            </a:r>
-          </a:p>
-        </p:txBody>
-      </p:sp>
-      <p:pic>
-        <p:nvPicPr>
-          <p:cNvPr id="10" name="Content Placeholder 9">
-            <a:extLst>
-              <a:ext uri="{FF2B5EF4-FFF2-40B4-BE49-F238E27FC236}">
-                <a16:creationId xmlns:a16="http://schemas.microsoft.com/office/drawing/2014/main" id="{6E4CFC6D-AF69-440D-B218-D3DC4782EFB1}"/>
-              </a:ext>
-            </a:extLst>
-          </p:cNvPr>
-          <p:cNvPicPr>
-            <a:picLocks noGrp="1" noChangeAspect="1"/>
-          </p:cNvPicPr>
-          <p:nvPr>
-            <p:ph idx="12"/>
-          </p:nvPr>
-        </p:nvPicPr>
-        <p:blipFill>
-          <a:blip r:embed="rId3"/>
-          <a:stretch>
-            <a:fillRect/>
-          </a:stretch>
-        </p:blipFill>
-        <p:spPr>
-          <a:xfrm>
-            <a:off x="4735513" y="1832273"/>
-            <a:ext cx="3951287" cy="2469554"/>
-          </a:xfrm>
-        </p:spPr>
-      </p:pic>
-      <p:sp>
-        <p:nvSpPr>
-          <p:cNvPr id="5" name="Text Placeholder 4">
-            <a:extLst>
-              <a:ext uri="{FF2B5EF4-FFF2-40B4-BE49-F238E27FC236}">
-                <a16:creationId xmlns:a16="http://schemas.microsoft.com/office/drawing/2014/main" id="{CC765D07-129F-4223-8481-57038CADBB6C}"/>
-              </a:ext>
-            </a:extLst>
-          </p:cNvPr>
-          <p:cNvSpPr>
-            <a:spLocks noGrp="1"/>
-          </p:cNvSpPr>
-          <p:nvPr>
-            <p:ph type="body" sz="quarter" idx="10"/>
-          </p:nvPr>
-        </p:nvSpPr>
-        <p:spPr/>
-        <p:txBody>
-          <a:bodyPr/>
-          <a:lstStyle/>
-          <a:p>
-            <a:r>
-              <a:rPr lang="en-US" dirty="0"/>
-              <a:t>Deep learning proxy of reservoir simulation</a:t>
-            </a:r>
-          </a:p>
-          <a:p>
-            <a:endParaRPr lang="en-US" dirty="0"/>
-          </a:p>
-        </p:txBody>
-      </p:sp>
-      <p:sp>
-        <p:nvSpPr>
-          <p:cNvPr id="6" name="Text Placeholder 5">
-            <a:extLst>
-              <a:ext uri="{FF2B5EF4-FFF2-40B4-BE49-F238E27FC236}">
-                <a16:creationId xmlns:a16="http://schemas.microsoft.com/office/drawing/2014/main" id="{56460814-357F-45C2-81D3-8F7EC68E3868}"/>
-              </a:ext>
-            </a:extLst>
-          </p:cNvPr>
-          <p:cNvSpPr>
-            <a:spLocks noGrp="1"/>
-          </p:cNvSpPr>
-          <p:nvPr>
-            <p:ph type="body" sz="quarter" idx="13"/>
-          </p:nvPr>
-        </p:nvSpPr>
-        <p:spPr/>
-        <p:txBody>
-          <a:bodyPr/>
-          <a:lstStyle/>
-          <a:p>
-            <a:endParaRPr lang="en-US"/>
-          </a:p>
-        </p:txBody>
-      </p:sp>
-    </p:spTree>
-    <p:extLst>
-      <p:ext uri="{BB962C8B-B14F-4D97-AF65-F5344CB8AC3E}">
-        <p14:creationId xmlns:p14="http://schemas.microsoft.com/office/powerpoint/2010/main" val="480444660"/>
-      </p:ext>
-    </p:extLst>
-  </p:cSld>
-  <p:clrMapOvr>
-    <a:masterClrMapping/>
-  </p:clrMapOvr>
-</p:sld>
-</file>
-
-<file path=ppt/slides/slide12.xml><?xml version="1.0" encoding="utf-8"?>
-<p:sld xmlns:a="http://schemas.openxmlformats.org/drawingml/2006/main" xmlns:r="http://schemas.openxmlformats.org/officeDocument/2006/relationships" xmlns:p="http://schemas.openxmlformats.org/presentationml/2006/main">
-  <p:cSld>
-    <p:spTree>
-      <p:nvGrpSpPr>
-        <p:cNvPr id="1" name=""/>
-        <p:cNvGrpSpPr/>
-        <p:nvPr/>
-      </p:nvGrpSpPr>
-      <p:grpSpPr>
-        <a:xfrm>
-          <a:off x="0" y="0"/>
-          <a:ext cx="0" cy="0"/>
-          <a:chOff x="0" y="0"/>
-          <a:chExt cx="0" cy="0"/>
-        </a:xfrm>
-      </p:grpSpPr>
-      <p:sp>
-        <p:nvSpPr>
-          <p:cNvPr id="7" name="Text Placeholder 6">
-            <a:extLst>
-              <a:ext uri="{FF2B5EF4-FFF2-40B4-BE49-F238E27FC236}">
-                <a16:creationId xmlns:a16="http://schemas.microsoft.com/office/drawing/2014/main" id="{F1A87B17-2B77-4C2F-B910-CBAEEF40F388}"/>
-              </a:ext>
-            </a:extLst>
-          </p:cNvPr>
-          <p:cNvSpPr>
-            <a:spLocks noGrp="1"/>
-          </p:cNvSpPr>
-          <p:nvPr>
-            <p:ph type="body" sz="quarter" idx="12"/>
-          </p:nvPr>
-        </p:nvSpPr>
-        <p:spPr/>
-        <p:txBody>
-          <a:bodyPr/>
-          <a:lstStyle/>
-          <a:p>
-            <a:endParaRPr lang="en-US"/>
-          </a:p>
-        </p:txBody>
-      </p:sp>
-      <p:sp>
-        <p:nvSpPr>
-          <p:cNvPr id="9" name="Text Placeholder 8">
-            <a:extLst>
-              <a:ext uri="{FF2B5EF4-FFF2-40B4-BE49-F238E27FC236}">
-                <a16:creationId xmlns:a16="http://schemas.microsoft.com/office/drawing/2014/main" id="{90A82A4F-19FB-4FF1-94AC-33F939F384BD}"/>
-              </a:ext>
-            </a:extLst>
-          </p:cNvPr>
-          <p:cNvSpPr>
-            <a:spLocks noGrp="1"/>
-          </p:cNvSpPr>
-          <p:nvPr>
-            <p:ph type="body" sz="quarter" idx="10"/>
-          </p:nvPr>
-        </p:nvSpPr>
-        <p:spPr/>
-        <p:txBody>
-          <a:bodyPr/>
-          <a:lstStyle/>
-          <a:p>
-            <a:r>
-              <a:rPr lang="en-US" dirty="0"/>
-              <a:t>Deep learning proxy of reservoir simulation</a:t>
-            </a:r>
-          </a:p>
-          <a:p>
-            <a:endParaRPr lang="en-US" dirty="0"/>
-          </a:p>
-        </p:txBody>
-      </p:sp>
-      <p:graphicFrame>
-        <p:nvGraphicFramePr>
-          <p:cNvPr id="11" name="Content Placeholder 10">
-            <a:extLst>
-              <a:ext uri="{FF2B5EF4-FFF2-40B4-BE49-F238E27FC236}">
-                <a16:creationId xmlns:a16="http://schemas.microsoft.com/office/drawing/2014/main" id="{7AF63934-6F43-4096-B975-21CA3ABFD527}"/>
-              </a:ext>
-            </a:extLst>
-          </p:cNvPr>
-          <p:cNvGraphicFramePr>
-            <a:graphicFrameLocks noGrp="1"/>
-          </p:cNvGraphicFramePr>
-          <p:nvPr>
-            <p:ph idx="1"/>
-            <p:extLst>
-              <p:ext uri="{D42A27DB-BD31-4B8C-83A1-F6EECF244321}">
-                <p14:modId xmlns:p14="http://schemas.microsoft.com/office/powerpoint/2010/main" val="965009410"/>
-              </p:ext>
-            </p:extLst>
-          </p:nvPr>
-        </p:nvGraphicFramePr>
-        <p:xfrm>
-          <a:off x="457200" y="1103086"/>
-          <a:ext cx="8229600" cy="3490686"/>
-        </p:xfrm>
-        <a:graphic>
-          <a:graphicData uri="http://schemas.openxmlformats.org/drawingml/2006/chart">
-            <c:chart xmlns:c="http://schemas.openxmlformats.org/drawingml/2006/chart" xmlns:r="http://schemas.openxmlformats.org/officeDocument/2006/relationships" r:id="rId2"/>
-          </a:graphicData>
-        </a:graphic>
-      </p:graphicFrame>
-      <p:sp>
-        <p:nvSpPr>
-          <p:cNvPr id="14" name="Wave 13">
-            <a:extLst>
-              <a:ext uri="{FF2B5EF4-FFF2-40B4-BE49-F238E27FC236}">
-                <a16:creationId xmlns:a16="http://schemas.microsoft.com/office/drawing/2014/main" id="{C0F05F61-D5EA-4F12-821D-F3E3F02DA7FF}"/>
-              </a:ext>
-            </a:extLst>
-          </p:cNvPr>
-          <p:cNvSpPr/>
-          <p:nvPr/>
-        </p:nvSpPr>
-        <p:spPr>
-          <a:xfrm>
-            <a:off x="7194222" y="647839"/>
-            <a:ext cx="45719" cy="45719"/>
-          </a:xfrm>
-          <a:prstGeom prst="wave">
-            <a:avLst/>
-          </a:prstGeom>
-        </p:spPr>
-        <p:style>
-          <a:lnRef idx="1">
-            <a:schemeClr val="accent1"/>
-          </a:lnRef>
-          <a:fillRef idx="3">
-            <a:schemeClr val="accent1"/>
-          </a:fillRef>
-          <a:effectRef idx="2">
-            <a:schemeClr val="accent1"/>
-          </a:effectRef>
-          <a:fontRef idx="minor">
-            <a:schemeClr val="lt1"/>
-          </a:fontRef>
-        </p:style>
-        <p:txBody>
-          <a:bodyPr rtlCol="0" anchor="ctr"/>
-          <a:lstStyle/>
-          <a:p>
-            <a:pPr algn="ctr"/>
-            <a:endParaRPr lang="en-US"/>
-          </a:p>
-        </p:txBody>
-      </p:sp>
-      <p:sp>
-        <p:nvSpPr>
-          <p:cNvPr id="16" name="Wave 15">
-            <a:extLst>
-              <a:ext uri="{FF2B5EF4-FFF2-40B4-BE49-F238E27FC236}">
-                <a16:creationId xmlns:a16="http://schemas.microsoft.com/office/drawing/2014/main" id="{67C85BEC-894A-40E6-92B6-E219A39AE532}"/>
-              </a:ext>
-            </a:extLst>
-          </p:cNvPr>
-          <p:cNvSpPr/>
-          <p:nvPr/>
-        </p:nvSpPr>
-        <p:spPr>
-          <a:xfrm>
-            <a:off x="4441372" y="1603991"/>
-            <a:ext cx="3505562" cy="667494"/>
-          </a:xfrm>
-          <a:prstGeom prst="wave">
-            <a:avLst/>
-          </a:prstGeom>
-          <a:noFill/>
-          <a:ln>
-            <a:noFill/>
-          </a:ln>
-        </p:spPr>
-        <p:style>
-          <a:lnRef idx="0">
-            <a:scrgbClr r="0" g="0" b="0"/>
-          </a:lnRef>
-          <a:fillRef idx="0">
-            <a:scrgbClr r="0" g="0" b="0"/>
-          </a:fillRef>
-          <a:effectRef idx="0">
-            <a:scrgbClr r="0" g="0" b="0"/>
-          </a:effectRef>
-          <a:fontRef idx="minor">
-            <a:schemeClr val="accent6"/>
-          </a:fontRef>
-        </p:style>
-        <p:txBody>
-          <a:bodyPr rtlCol="0" anchor="ctr"/>
-          <a:lstStyle/>
-          <a:p>
-            <a:pPr algn="ctr"/>
-            <a:r>
-              <a:rPr lang="en-US" dirty="0"/>
-              <a:t>Model accuracy improvement :</a:t>
-            </a:r>
-          </a:p>
-          <a:p>
-            <a:pPr algn="ctr"/>
-            <a:r>
-              <a:rPr lang="en-US" dirty="0"/>
-              <a:t>Saturation: 1.9%</a:t>
-            </a:r>
-          </a:p>
-          <a:p>
-            <a:pPr algn="ctr"/>
-            <a:r>
-              <a:rPr lang="en-US" dirty="0"/>
-              <a:t>Pressure: 0.5%</a:t>
-            </a:r>
-          </a:p>
-        </p:txBody>
-      </p:sp>
-    </p:spTree>
-    <p:extLst>
-      <p:ext uri="{BB962C8B-B14F-4D97-AF65-F5344CB8AC3E}">
-        <p14:creationId xmlns:p14="http://schemas.microsoft.com/office/powerpoint/2010/main" val="1890560691"/>
-      </p:ext>
-    </p:extLst>
-  </p:cSld>
-  <p:clrMapOvr>
-    <a:masterClrMapping/>
-  </p:clrMapOvr>
-  <p:timing>
-    <p:tnLst>
-      <p:par>
-        <p:cTn id="1" dur="indefinite" restart="never" nodeType="tmRoot">
-          <p:childTnLst>
-            <p:seq concurrent="1" nextAc="seek">
-              <p:cTn id="2" dur="indefinite" nodeType="mainSeq">
-                <p:childTnLst>
-                  <p:par>
-                    <p:cTn id="3" fill="hold">
-                      <p:stCondLst>
-                        <p:cond delay="indefinite"/>
-                      </p:stCondLst>
-                      <p:childTnLst>
-                        <p:par>
-                          <p:cTn id="4" fill="hold">
-                            <p:stCondLst>
-                              <p:cond delay="0"/>
-                            </p:stCondLst>
-                            <p:childTnLst>
-                              <p:par>
-                                <p:cTn id="5" presetID="10" presetClass="entr" presetSubtype="0" fill="hold" grpId="0" nodeType="clickEffect">
-                                  <p:stCondLst>
-                                    <p:cond delay="0"/>
-                                  </p:stCondLst>
-                                  <p:childTnLst>
-                                    <p:set>
-                                      <p:cBhvr>
-                                        <p:cTn id="6" dur="1" fill="hold">
-                                          <p:stCondLst>
-                                            <p:cond delay="0"/>
-                                          </p:stCondLst>
-                                        </p:cTn>
-                                        <p:tgtEl>
-                                          <p:spTgt spid="11">
-                                            <p:graphicEl>
-                                              <a:chart seriesIdx="-3" categoryIdx="-3" bldStep="gridLegend"/>
-                                            </p:graphicEl>
-                                          </p:spTgt>
-                                        </p:tgtEl>
-                                        <p:attrNameLst>
-                                          <p:attrName>style.visibility</p:attrName>
-                                        </p:attrNameLst>
-                                      </p:cBhvr>
-                                      <p:to>
-                                        <p:strVal val="visible"/>
-                                      </p:to>
-                                    </p:set>
-                                    <p:animEffect transition="in" filter="fade">
-                                      <p:cBhvr>
-                                        <p:cTn id="7" dur="500"/>
-                                        <p:tgtEl>
-                                          <p:spTgt spid="11">
-                                            <p:graphicEl>
-                                              <a:chart seriesIdx="-3" categoryIdx="-3" bldStep="gridLegend"/>
-                                            </p:graphicEl>
-                                          </p:spTgt>
-                                        </p:tgtEl>
-                                      </p:cBhvr>
-                                    </p:animEffect>
-                                  </p:childTnLst>
-                                </p:cTn>
-                              </p:par>
-                            </p:childTnLst>
-                          </p:cTn>
-                        </p:par>
-                      </p:childTnLst>
-                    </p:cTn>
-                  </p:par>
-                  <p:par>
-                    <p:cTn id="8" fill="hold">
-                      <p:stCondLst>
-                        <p:cond delay="indefinite"/>
-                      </p:stCondLst>
-                      <p:childTnLst>
-                        <p:par>
-                          <p:cTn id="9" fill="hold">
-                            <p:stCondLst>
-                              <p:cond delay="0"/>
-                            </p:stCondLst>
-                            <p:childTnLst>
-                              <p:par>
-                                <p:cTn id="10" presetID="10" presetClass="entr" presetSubtype="0" fill="hold" grpId="0" nodeType="clickEffect">
-                                  <p:stCondLst>
-                                    <p:cond delay="0"/>
-                                  </p:stCondLst>
-                                  <p:childTnLst>
-                                    <p:set>
-                                      <p:cBhvr>
-                                        <p:cTn id="11" dur="1" fill="hold">
-                                          <p:stCondLst>
-                                            <p:cond delay="0"/>
-                                          </p:stCondLst>
-                                        </p:cTn>
-                                        <p:tgtEl>
-                                          <p:spTgt spid="11">
-                                            <p:graphicEl>
-                                              <a:chart seriesIdx="0" categoryIdx="-4" bldStep="series"/>
-                                            </p:graphicEl>
-                                          </p:spTgt>
-                                        </p:tgtEl>
-                                        <p:attrNameLst>
-                                          <p:attrName>style.visibility</p:attrName>
-                                        </p:attrNameLst>
-                                      </p:cBhvr>
-                                      <p:to>
-                                        <p:strVal val="visible"/>
-                                      </p:to>
-                                    </p:set>
-                                    <p:animEffect transition="in" filter="fade">
-                                      <p:cBhvr>
-                                        <p:cTn id="12" dur="500"/>
-                                        <p:tgtEl>
-                                          <p:spTgt spid="11">
-                                            <p:graphicEl>
-                                              <a:chart seriesIdx="0" categoryIdx="-4" bldStep="series"/>
-                                            </p:graphicEl>
-                                          </p:spTgt>
-                                        </p:tgtEl>
-                                      </p:cBhvr>
-                                    </p:animEffect>
-                                  </p:childTnLst>
-                                </p:cTn>
-                              </p:par>
-                            </p:childTnLst>
-                          </p:cTn>
-                        </p:par>
-                      </p:childTnLst>
-                    </p:cTn>
-                  </p:par>
-                  <p:par>
-                    <p:cTn id="13" fill="hold">
-                      <p:stCondLst>
-                        <p:cond delay="indefinite"/>
-                      </p:stCondLst>
-                      <p:childTnLst>
-                        <p:par>
-                          <p:cTn id="14" fill="hold">
-                            <p:stCondLst>
-                              <p:cond delay="0"/>
-                            </p:stCondLst>
-                            <p:childTnLst>
-                              <p:par>
-                                <p:cTn id="15" presetID="10" presetClass="entr" presetSubtype="0" fill="hold" grpId="0" nodeType="clickEffect">
-                                  <p:stCondLst>
-                                    <p:cond delay="0"/>
-                                  </p:stCondLst>
-                                  <p:childTnLst>
-                                    <p:set>
-                                      <p:cBhvr>
-                                        <p:cTn id="16" dur="1" fill="hold">
-                                          <p:stCondLst>
-                                            <p:cond delay="0"/>
-                                          </p:stCondLst>
-                                        </p:cTn>
-                                        <p:tgtEl>
-                                          <p:spTgt spid="11">
-                                            <p:graphicEl>
-                                              <a:chart seriesIdx="1" categoryIdx="-4" bldStep="series"/>
-                                            </p:graphicEl>
-                                          </p:spTgt>
-                                        </p:tgtEl>
-                                        <p:attrNameLst>
-                                          <p:attrName>style.visibility</p:attrName>
-                                        </p:attrNameLst>
-                                      </p:cBhvr>
-                                      <p:to>
-                                        <p:strVal val="visible"/>
-                                      </p:to>
-                                    </p:set>
-                                    <p:animEffect transition="in" filter="fade">
-                                      <p:cBhvr>
-                                        <p:cTn id="17" dur="500"/>
-                                        <p:tgtEl>
-                                          <p:spTgt spid="11">
-                                            <p:graphicEl>
-                                              <a:chart seriesIdx="1" categoryIdx="-4" bldStep="series"/>
-                                            </p:graphicEl>
-                                          </p:spTgt>
-                                        </p:tgtEl>
-                                      </p:cBhvr>
-                                    </p:animEffect>
-                                  </p:childTnLst>
-                                </p:cTn>
-                              </p:par>
-                            </p:childTnLst>
-                          </p:cTn>
-                        </p:par>
-                      </p:childTnLst>
-                    </p:cTn>
-                  </p:par>
-                  <p:par>
-                    <p:cTn id="18" fill="hold">
-                      <p:stCondLst>
-                        <p:cond delay="indefinite"/>
-                      </p:stCondLst>
-                      <p:childTnLst>
-                        <p:par>
-                          <p:cTn id="19" fill="hold">
-                            <p:stCondLst>
-                              <p:cond delay="0"/>
-                            </p:stCondLst>
-                            <p:childTnLst>
-                              <p:par>
-                                <p:cTn id="20" presetID="10" presetClass="entr" presetSubtype="0" fill="hold" grpId="0" nodeType="clickEffect">
-                                  <p:stCondLst>
-                                    <p:cond delay="0"/>
-                                  </p:stCondLst>
-                                  <p:childTnLst>
-                                    <p:set>
-                                      <p:cBhvr>
-                                        <p:cTn id="21" dur="1" fill="hold">
-                                          <p:stCondLst>
-                                            <p:cond delay="0"/>
-                                          </p:stCondLst>
-                                        </p:cTn>
-                                        <p:tgtEl>
-                                          <p:spTgt spid="11">
-                                            <p:graphicEl>
-                                              <a:chart seriesIdx="2" categoryIdx="-4" bldStep="series"/>
-                                            </p:graphicEl>
-                                          </p:spTgt>
-                                        </p:tgtEl>
-                                        <p:attrNameLst>
-                                          <p:attrName>style.visibility</p:attrName>
-                                        </p:attrNameLst>
-                                      </p:cBhvr>
-                                      <p:to>
-                                        <p:strVal val="visible"/>
-                                      </p:to>
-                                    </p:set>
-                                    <p:animEffect transition="in" filter="fade">
-                                      <p:cBhvr>
-                                        <p:cTn id="22" dur="500"/>
-                                        <p:tgtEl>
-                                          <p:spTgt spid="11">
-                                            <p:graphicEl>
-                                              <a:chart seriesIdx="2" categoryIdx="-4" bldStep="series"/>
-                                            </p:graphicEl>
-                                          </p:spTgt>
-                                        </p:tgtEl>
-                                      </p:cBhvr>
-                                    </p:animEffect>
-                                  </p:childTnLst>
-                                </p:cTn>
-                              </p:par>
-                            </p:childTnLst>
-                          </p:cTn>
-                        </p:par>
-                      </p:childTnLst>
-                    </p:cTn>
-                  </p:par>
-                  <p:par>
-                    <p:cTn id="23" fill="hold">
-                      <p:stCondLst>
-                        <p:cond delay="indefinite"/>
-                      </p:stCondLst>
-                      <p:childTnLst>
-                        <p:par>
-                          <p:cTn id="24" fill="hold">
-                            <p:stCondLst>
-                              <p:cond delay="0"/>
-                            </p:stCondLst>
-                            <p:childTnLst>
-                              <p:par>
-                                <p:cTn id="25" presetID="16" presetClass="entr" presetSubtype="21" fill="hold" grpId="0" nodeType="clickEffect">
-                                  <p:stCondLst>
-                                    <p:cond delay="0"/>
-                                  </p:stCondLst>
-                                  <p:childTnLst>
-                                    <p:set>
-                                      <p:cBhvr>
-                                        <p:cTn id="26" dur="1" fill="hold">
-                                          <p:stCondLst>
-                                            <p:cond delay="0"/>
-                                          </p:stCondLst>
-                                        </p:cTn>
-                                        <p:tgtEl>
-                                          <p:spTgt spid="16"/>
-                                        </p:tgtEl>
-                                        <p:attrNameLst>
-                                          <p:attrName>style.visibility</p:attrName>
-                                        </p:attrNameLst>
-                                      </p:cBhvr>
-                                      <p:to>
-                                        <p:strVal val="visible"/>
-                                      </p:to>
-                                    </p:set>
-                                    <p:animEffect transition="in" filter="barn(inVertical)">
-                                      <p:cBhvr>
-                                        <p:cTn id="27" dur="500"/>
-                                        <p:tgtEl>
-                                          <p:spTgt spid="16"/>
-                                        </p:tgtEl>
-                                      </p:cBhvr>
-                                    </p:animEffect>
-                                  </p:childTnLst>
-                                </p:cTn>
-                              </p:par>
-                            </p:childTnLst>
-                          </p:cTn>
-                        </p:par>
-                      </p:childTnLst>
-                    </p:cTn>
-                  </p:par>
-                </p:childTnLst>
-              </p:cTn>
-              <p:prevCondLst>
-                <p:cond evt="onPrev" delay="0">
-                  <p:tgtEl>
-                    <p:sldTgt/>
-                  </p:tgtEl>
-                </p:cond>
-              </p:prevCondLst>
-              <p:nextCondLst>
-                <p:cond evt="onNext" delay="0">
-                  <p:tgtEl>
-                    <p:sldTgt/>
-                  </p:tgtEl>
-                </p:cond>
-              </p:nextCondLst>
-            </p:seq>
-          </p:childTnLst>
-        </p:cTn>
-      </p:par>
-    </p:tnLst>
-    <p:bldLst>
-      <p:bldGraphic spid="11" grpId="0">
-        <p:bldSub>
-          <a:bldChart bld="series"/>
-        </p:bldSub>
-      </p:bldGraphic>
-      <p:bldP spid="16" grpId="0"/>
-    </p:bldLst>
-  </p:timing>
-</p:sld>
-</file>
-
-<file path=ppt/slides/slide13.xml><?xml version="1.0" encoding="utf-8"?>
-<p:sld xmlns:a="http://schemas.openxmlformats.org/drawingml/2006/main" xmlns:r="http://schemas.openxmlformats.org/officeDocument/2006/relationships" xmlns:p="http://schemas.openxmlformats.org/presentationml/2006/main">
-  <p:cSld>
-    <p:spTree>
-      <p:nvGrpSpPr>
-        <p:cNvPr id="1" name=""/>
-        <p:cNvGrpSpPr/>
-        <p:nvPr/>
-      </p:nvGrpSpPr>
-      <p:grpSpPr>
-        <a:xfrm>
-          <a:off x="0" y="0"/>
-          <a:ext cx="0" cy="0"/>
-          <a:chOff x="0" y="0"/>
-          <a:chExt cx="0" cy="0"/>
-        </a:xfrm>
-      </p:grpSpPr>
-      <p:sp>
-        <p:nvSpPr>
-          <p:cNvPr id="2" name="Title 1"/>
-          <p:cNvSpPr>
-            <a:spLocks noGrp="1"/>
-          </p:cNvSpPr>
-          <p:nvPr>
-            <p:ph type="title"/>
-          </p:nvPr>
-        </p:nvSpPr>
-        <p:spPr/>
-        <p:txBody>
-          <a:bodyPr/>
-          <a:lstStyle/>
-          <a:p>
-            <a:r>
-              <a:rPr lang="en-US" dirty="0"/>
               <a:t>Future work</a:t>
             </a:r>
           </a:p>
@@ -8990,7 +6032,7 @@
           <a:p>
             <a:r>
               <a:rPr lang="en-US" dirty="0"/>
-              <a:t>Relative error increase with increasing </a:t>
+              <a:t>Relative error increases with increasing </a:t>
             </a:r>
             <a:r>
               <a:rPr lang="en-US" dirty="0">
@@ -9006,7 +6048,7 @@
           <a:p>
             <a:r>
               <a:rPr lang="en-US" dirty="0"/>
-              <a:t>Training time increased with increasing no. of timesteps </a:t>
+              <a:t>Training time increased with increasing number of timesteps </a:t>
             </a:r>
             <a:r>
               <a:rPr lang="en-US" dirty="0">
@@ -9022,13 +6064,7 @@
           <a:p>
             <a:r>
               <a:rPr lang="en-US" dirty="0"/>
-              <a:t>Number of required epochs to reach convergence.</a:t>
-            </a:r>
-          </a:p>
-          <a:p>
-            <a:r>
-              <a:rPr lang="en-US" dirty="0"/>
-              <a:t>Applying A RR U-NET model to 3D problem.</a:t>
+              <a:t>Applying A RR U-NET model to 3D geological map.</a:t>
             </a:r>
           </a:p>
           <a:p>
@@ -9409,67 +6445,6 @@
                       </p:childTnLst>
                     </p:cTn>
                   </p:par>
-                  <p:par>
-                    <p:cTn id="23" fill="hold">
-                      <p:stCondLst>
-                        <p:cond delay="indefinite"/>
-                      </p:stCondLst>
-                      <p:childTnLst>
-                        <p:par>
-                          <p:cTn id="24" fill="hold">
-                            <p:stCondLst>
-                              <p:cond delay="0"/>
-                            </p:stCondLst>
-                            <p:childTnLst>
-                              <p:par>
-                                <p:cTn id="25" presetID="10" presetClass="entr" presetSubtype="0" fill="hold" nodeType="clickEffect">
-                                  <p:stCondLst>
-                                    <p:cond delay="0"/>
-                                  </p:stCondLst>
-                                  <p:childTnLst>
-                                    <p:set>
-                                      <p:cBhvr>
-                                        <p:cTn id="26" dur="1" fill="hold">
-                                          <p:stCondLst>
-                                            <p:cond delay="0"/>
-                                          </p:stCondLst>
-                                        </p:cTn>
-                                        <p:tgtEl>
-                                          <p:spTgt spid="3">
-                                            <p:txEl>
-                                              <p:pRg st="4" end="4"/>
-                                            </p:txEl>
-                                          </p:spTgt>
-                                        </p:tgtEl>
-                                        <p:attrNameLst>
-                                          <p:attrName>style.visibility</p:attrName>
-                                        </p:attrNameLst>
-                                      </p:cBhvr>
-                                      <p:to>
-                                        <p:strVal val="visible"/>
-                                      </p:to>
-                                    </p:set>
-                                    <p:animEffect transition="in" filter="fade">
-                                      <p:cBhvr>
-                                        <p:cTn id="27" dur="500"/>
-                                        <p:tgtEl>
-                                          <p:spTgt spid="3">
-                                            <p:txEl>
-                                              <p:pRg st="4" end="4"/>
-                                            </p:txEl>
-                                          </p:spTgt>
-                                        </p:tgtEl>
-                                      </p:cBhvr>
-                                    </p:animEffect>
-                                  </p:childTnLst>
-                                </p:cTn>
-                              </p:par>
-                            </p:childTnLst>
-                          </p:cTn>
-                        </p:par>
-                      </p:childTnLst>
-                    </p:cTn>
-                  </p:par>
                 </p:childTnLst>
               </p:cTn>
               <p:prevCondLst>
@@ -9495,7 +6470,7 @@
 </p:sld>
 </file>
 
-<file path=ppt/slides/slide14.xml><?xml version="1.0" encoding="utf-8"?>
+<file path=ppt/slides/slide11.xml><?xml version="1.0" encoding="utf-8"?>
 <p:sld xmlns:a="http://schemas.openxmlformats.org/drawingml/2006/main" xmlns:r="http://schemas.openxmlformats.org/officeDocument/2006/relationships" xmlns:p="http://schemas.openxmlformats.org/presentationml/2006/main">
   <p:cSld>
     <p:spTree>
@@ -9566,6 +6541,15 @@
         <p:txBody>
           <a:bodyPr/>
           <a:lstStyle/>
+          <a:p>
+            <a:r>
+              <a:rPr lang="en-US" dirty="0"/>
+              <a:t>Deep learning proxy of reservoir simulation</a:t>
+            </a:r>
+          </a:p>
+          <a:p>
+            <a:endParaRPr lang="en-US" dirty="0"/>
+          </a:p>
           <a:p>
             <a:endParaRPr lang="en-US" dirty="0"/>
           </a:p>
@@ -9760,7 +6744,7 @@
 </p:sld>
 </file>
 
-<file path=ppt/slides/slide15.xml><?xml version="1.0" encoding="utf-8"?>
+<file path=ppt/slides/slide12.xml><?xml version="1.0" encoding="utf-8"?>
 <p:sld xmlns:a="http://schemas.openxmlformats.org/drawingml/2006/main" xmlns:r="http://schemas.openxmlformats.org/officeDocument/2006/relationships" xmlns:p="http://schemas.openxmlformats.org/presentationml/2006/main">
   <p:cSld>
     <p:spTree>
@@ -9793,7 +6777,7 @@
             <p:ph idx="1"/>
             <p:extLst>
               <p:ext uri="{D42A27DB-BD31-4B8C-83A1-F6EECF244321}">
-                <p14:modId xmlns:p14="http://schemas.microsoft.com/office/powerpoint/2010/main" val="4046988639"/>
+                <p14:modId xmlns:p14="http://schemas.microsoft.com/office/powerpoint/2010/main" val="2300161186"/>
               </p:ext>
             </p:extLst>
           </p:nvPr>
@@ -9870,7 +6854,7 @@
               <a:rPr lang="en-US" sz="1200" dirty="0">
                 <a:hlinkClick r:id="rId3" action="ppaction://hlinksldjump"/>
               </a:rPr>
-              <a:t>Next</a:t>
+              <a:t>Back</a:t>
             </a:r>
             <a:endParaRPr lang="en-US" sz="1200" dirty="0"/>
           </a:p>
@@ -10292,7 +7276,7 @@
 </p:sld>
 </file>
 
-<file path=ppt/slides/slide16.xml><?xml version="1.0" encoding="utf-8"?>
+<file path=ppt/slides/slide13.xml><?xml version="1.0" encoding="utf-8"?>
 <p:sld xmlns:a="http://schemas.openxmlformats.org/drawingml/2006/main" xmlns:r="http://schemas.openxmlformats.org/officeDocument/2006/relationships" xmlns:p="http://schemas.openxmlformats.org/presentationml/2006/main">
   <p:cSld>
     <p:spTree>
@@ -10361,21 +7345,8 @@
                   <a:srgbClr val="000000"/>
                 </a:solidFill>
               </a:rPr>
-              <a:t>Dr. Yves </a:t>
-            </a:r>
-            <a:r>
-              <a:rPr lang="en-US" sz="1800" dirty="0" err="1">
-                <a:solidFill>
-                  <a:srgbClr val="000000"/>
-                </a:solidFill>
-              </a:rPr>
-              <a:t>Leory</a:t>
-            </a:r>
-            <a:endParaRPr lang="en-US" sz="1800" dirty="0">
-              <a:solidFill>
-                <a:srgbClr val="000000"/>
-              </a:solidFill>
-            </a:endParaRPr>
+              <a:t>Dr. Yves Leroy</a:t>
+            </a:r>
           </a:p>
           <a:p>
             <a:pPr lvl="0" algn="l">
@@ -10391,20 +7362,20 @@
               <a:tabLst/>
             </a:pPr>
             <a:r>
-              <a:rPr lang="en-US" dirty="0">
+              <a:rPr lang="en-US" sz="1800" dirty="0">
                 <a:solidFill>
                   <a:srgbClr val="000000"/>
                 </a:solidFill>
               </a:rPr>
-              <a:t>PhD Students in </a:t>
-            </a:r>
-            <a:r>
-              <a:rPr lang="en-US" dirty="0" err="1">
+              <a:t>Abderrahmane </a:t>
+            </a:r>
+            <a:r>
+              <a:rPr lang="en-US" sz="1800" dirty="0" err="1">
                 <a:solidFill>
                   <a:srgbClr val="000000"/>
                 </a:solidFill>
               </a:rPr>
-              <a:t>TotalEnergies</a:t>
+              <a:t>Yewgat</a:t>
             </a:r>
             <a:endParaRPr lang="en-US" sz="1800" dirty="0">
               <a:solidFill>
@@ -10506,7 +7477,12 @@
             <p:ph idx="12"/>
           </p:nvPr>
         </p:nvSpPr>
-        <p:spPr/>
+        <p:spPr>
+          <a:xfrm>
+            <a:off x="4866552" y="2023199"/>
+            <a:ext cx="3950878" cy="1948997"/>
+          </a:xfrm>
+        </p:spPr>
         <p:txBody>
           <a:bodyPr/>
           <a:lstStyle/>
@@ -10552,7 +7528,16 @@
           <a:bodyPr/>
           <a:lstStyle/>
           <a:p>
-            <a:endParaRPr lang="en-US"/>
+            <a:r>
+              <a:rPr lang="en-US" dirty="0"/>
+              <a:t>Deep learning proxy of reservoir simulation</a:t>
+            </a:r>
+          </a:p>
+          <a:p>
+            <a:endParaRPr lang="en-US" dirty="0"/>
+          </a:p>
+          <a:p>
+            <a:endParaRPr lang="en-US" dirty="0"/>
           </a:p>
         </p:txBody>
       </p:sp>
@@ -10575,35 +7560,6 @@
           </a:p>
         </p:txBody>
       </p:sp>
-      <p:pic>
-        <p:nvPicPr>
-          <p:cNvPr id="8" name="Picture 7">
-            <a:extLst>
-              <a:ext uri="{FF2B5EF4-FFF2-40B4-BE49-F238E27FC236}">
-                <a16:creationId xmlns:a16="http://schemas.microsoft.com/office/drawing/2014/main" id="{B80A8DFB-8093-4858-9F1D-B836790C0D25}"/>
-              </a:ext>
-            </a:extLst>
-          </p:cNvPr>
-          <p:cNvPicPr>
-            <a:picLocks noChangeAspect="1"/>
-          </p:cNvPicPr>
-          <p:nvPr/>
-        </p:nvPicPr>
-        <p:blipFill rotWithShape="1">
-          <a:blip r:embed="rId2"/>
-          <a:srcRect l="18785" t="9665" r="18062" b="30405"/>
-          <a:stretch/>
-        </p:blipFill>
-        <p:spPr>
-          <a:xfrm>
-            <a:off x="7620362" y="271784"/>
-            <a:ext cx="1056741" cy="752111"/>
-          </a:xfrm>
-          <a:prstGeom prst="rect">
-            <a:avLst/>
-          </a:prstGeom>
-        </p:spPr>
-      </p:pic>
     </p:spTree>
     <p:extLst>
       <p:ext uri="{BB962C8B-B14F-4D97-AF65-F5344CB8AC3E}">
@@ -10876,37 +7832,26 @@
           <a:p>
             <a:r>
               <a:rPr lang="en-US" dirty="0"/>
-              <a:t>Most simulation software using Numerical simulation like FD,FE &amp;FV </a:t>
+              <a:t>Most simulation software use numerical simulation like FD,FE &amp;FV </a:t>
             </a:r>
           </a:p>
           <a:p>
             <a:r>
               <a:rPr lang="en-US" dirty="0"/>
-              <a:t>Need to increase </a:t>
-            </a:r>
-            <a:r>
-              <a:rPr lang="en-US" dirty="0">
-                <a:hlinkClick r:id="rId2" action="ppaction://hlinksldjump"/>
-              </a:rPr>
-              <a:t>discretization</a:t>
-            </a:r>
+              <a:t>Accuracy improvement requires to increase discretization grids </a:t>
+            </a:r>
+          </a:p>
+          <a:p>
             <a:r>
               <a:rPr lang="en-US" dirty="0"/>
-              <a:t> grids to increase accuracy</a:t>
+              <a:t>History-matching needs several simulation runs</a:t>
             </a:r>
           </a:p>
           <a:p>
             <a:r>
               <a:rPr lang="en-US" dirty="0"/>
-              <a:t>History-matchings need several </a:t>
-            </a:r>
-            <a:r>
-              <a:rPr lang="en-US" dirty="0">
-                <a:hlinkClick r:id="rId3" action="ppaction://hlinksldjump"/>
-              </a:rPr>
-              <a:t>simulation runs </a:t>
-            </a:r>
-            <a:endParaRPr lang="en-US" dirty="0"/>
+              <a:t>Conventional simulation techniques are very time-consuming (several minutes to several days)</a:t>
+            </a:r>
           </a:p>
           <a:p>
             <a:pPr marL="0" indent="0">
@@ -10952,7 +7897,7 @@
           <a:p>
             <a:r>
               <a:rPr lang="en-US" sz="1200" dirty="0">
-                <a:hlinkClick r:id="rId4" action="ppaction://hlinksldjump"/>
+                <a:hlinkClick r:id="rId2" action="ppaction://hlinksldjump"/>
               </a:rPr>
               <a:t>Next</a:t>
             </a:r>
@@ -11161,6 +8106,67 @@
                       </p:childTnLst>
                     </p:cTn>
                   </p:par>
+                  <p:par>
+                    <p:cTn id="18" fill="hold">
+                      <p:stCondLst>
+                        <p:cond delay="indefinite"/>
+                      </p:stCondLst>
+                      <p:childTnLst>
+                        <p:par>
+                          <p:cTn id="19" fill="hold">
+                            <p:stCondLst>
+                              <p:cond delay="0"/>
+                            </p:stCondLst>
+                            <p:childTnLst>
+                              <p:par>
+                                <p:cTn id="20" presetID="10" presetClass="entr" presetSubtype="0" fill="hold" nodeType="clickEffect">
+                                  <p:stCondLst>
+                                    <p:cond delay="0"/>
+                                  </p:stCondLst>
+                                  <p:childTnLst>
+                                    <p:set>
+                                      <p:cBhvr>
+                                        <p:cTn id="21" dur="1" fill="hold">
+                                          <p:stCondLst>
+                                            <p:cond delay="0"/>
+                                          </p:stCondLst>
+                                        </p:cTn>
+                                        <p:tgtEl>
+                                          <p:spTgt spid="15">
+                                            <p:txEl>
+                                              <p:pRg st="3" end="3"/>
+                                            </p:txEl>
+                                          </p:spTgt>
+                                        </p:tgtEl>
+                                        <p:attrNameLst>
+                                          <p:attrName>style.visibility</p:attrName>
+                                        </p:attrNameLst>
+                                      </p:cBhvr>
+                                      <p:to>
+                                        <p:strVal val="visible"/>
+                                      </p:to>
+                                    </p:set>
+                                    <p:animEffect transition="in" filter="fade">
+                                      <p:cBhvr>
+                                        <p:cTn id="22" dur="500"/>
+                                        <p:tgtEl>
+                                          <p:spTgt spid="15">
+                                            <p:txEl>
+                                              <p:pRg st="3" end="3"/>
+                                            </p:txEl>
+                                          </p:spTgt>
+                                        </p:tgtEl>
+                                      </p:cBhvr>
+                                    </p:animEffect>
+                                  </p:childTnLst>
+                                </p:cTn>
+                              </p:par>
+                            </p:childTnLst>
+                          </p:cTn>
+                        </p:par>
+                      </p:childTnLst>
+                    </p:cTn>
+                  </p:par>
                 </p:childTnLst>
               </p:cTn>
               <p:prevCondLst>
@@ -11205,1779 +8211,6 @@
       </p:grpSpPr>
       <p:sp>
         <p:nvSpPr>
-          <p:cNvPr id="3" name="Text Placeholder 2"/>
-          <p:cNvSpPr>
-            <a:spLocks noGrp="1"/>
-          </p:cNvSpPr>
-          <p:nvPr>
-            <p:ph type="body" sz="quarter" idx="10"/>
-          </p:nvPr>
-        </p:nvSpPr>
-        <p:spPr/>
-        <p:txBody>
-          <a:bodyPr/>
-          <a:lstStyle/>
-          <a:p>
-            <a:r>
-              <a:rPr lang="en-US" dirty="0"/>
-              <a:t>Deep learning proxy of reservoir simulation</a:t>
-            </a:r>
-          </a:p>
-          <a:p>
-            <a:endParaRPr lang="en-US" dirty="0"/>
-          </a:p>
-        </p:txBody>
-      </p:sp>
-      <p:sp>
-        <p:nvSpPr>
-          <p:cNvPr id="4" name="Text Placeholder 3"/>
-          <p:cNvSpPr>
-            <a:spLocks noGrp="1"/>
-          </p:cNvSpPr>
-          <p:nvPr>
-            <p:ph type="body" sz="quarter" idx="12"/>
-          </p:nvPr>
-        </p:nvSpPr>
-        <p:spPr/>
-        <p:txBody>
-          <a:bodyPr/>
-          <a:lstStyle/>
-          <a:p>
-            <a:endParaRPr lang="en-US"/>
-          </a:p>
-        </p:txBody>
-      </p:sp>
-      <p:sp>
-        <p:nvSpPr>
-          <p:cNvPr id="5" name="Text Placeholder 4"/>
-          <p:cNvSpPr>
-            <a:spLocks noGrp="1"/>
-          </p:cNvSpPr>
-          <p:nvPr>
-            <p:ph type="body" sz="quarter" idx="14"/>
-          </p:nvPr>
-        </p:nvSpPr>
-        <p:spPr>
-          <a:xfrm>
-            <a:off x="447503" y="4262727"/>
-            <a:ext cx="3951287" cy="427906"/>
-          </a:xfrm>
-        </p:spPr>
-        <p:txBody>
-          <a:bodyPr/>
-          <a:lstStyle/>
-          <a:p>
-            <a:r>
-              <a:rPr lang="en-US" dirty="0"/>
-              <a:t>Resource : History Matching In Parallel Computational </a:t>
-            </a:r>
-            <a:r>
-              <a:rPr lang="en-US" dirty="0">
-                <a:hlinkClick r:id="rId2" action="ppaction://hlinksldjump"/>
-              </a:rPr>
-              <a:t>Environments</a:t>
-            </a:r>
-            <a:r>
-              <a:rPr lang="en-US" dirty="0"/>
-              <a:t> </a:t>
-            </a:r>
-          </a:p>
-        </p:txBody>
-      </p:sp>
-      <p:graphicFrame>
-        <p:nvGraphicFramePr>
-          <p:cNvPr id="7" name="Content Placeholder 12">
-            <a:extLst>
-              <a:ext uri="{FF2B5EF4-FFF2-40B4-BE49-F238E27FC236}">
-                <a16:creationId xmlns:a16="http://schemas.microsoft.com/office/drawing/2014/main" id="{7FEA9911-7FC3-4EB3-B127-4D1E358C48A8}"/>
-              </a:ext>
-            </a:extLst>
-          </p:cNvPr>
-          <p:cNvGraphicFramePr>
-            <a:graphicFrameLocks noGrp="1"/>
-          </p:cNvGraphicFramePr>
-          <p:nvPr>
-            <p:ph type="pic" sz="quarter" idx="13"/>
-            <p:extLst>
-              <p:ext uri="{D42A27DB-BD31-4B8C-83A1-F6EECF244321}">
-                <p14:modId xmlns:p14="http://schemas.microsoft.com/office/powerpoint/2010/main" val="3072104516"/>
-              </p:ext>
-            </p:extLst>
-          </p:nvPr>
-        </p:nvGraphicFramePr>
-        <p:xfrm>
-          <a:off x="447503" y="1551442"/>
-          <a:ext cx="8229600" cy="2638425"/>
-        </p:xfrm>
-        <a:graphic>
-          <a:graphicData uri="http://schemas.openxmlformats.org/drawingml/2006/chart">
-            <c:chart xmlns:c="http://schemas.openxmlformats.org/drawingml/2006/chart" xmlns:r="http://schemas.openxmlformats.org/officeDocument/2006/relationships" r:id="rId3"/>
-          </a:graphicData>
-        </a:graphic>
-      </p:graphicFrame>
-      <p:sp>
-        <p:nvSpPr>
-          <p:cNvPr id="8" name="Title 1">
-            <a:extLst>
-              <a:ext uri="{FF2B5EF4-FFF2-40B4-BE49-F238E27FC236}">
-                <a16:creationId xmlns:a16="http://schemas.microsoft.com/office/drawing/2014/main" id="{4CB13E0E-9FDD-4C3F-A8FE-F707A4DD4272}"/>
-              </a:ext>
-            </a:extLst>
-          </p:cNvPr>
-          <p:cNvSpPr txBox="1">
-            <a:spLocks/>
-          </p:cNvSpPr>
-          <p:nvPr/>
-        </p:nvSpPr>
-        <p:spPr>
-          <a:xfrm>
-            <a:off x="457200" y="1115931"/>
-            <a:ext cx="8229600" cy="380667"/>
-          </a:xfrm>
-          <a:prstGeom prst="rect">
-            <a:avLst/>
-          </a:prstGeom>
-        </p:spPr>
-        <p:txBody>
-          <a:bodyPr/>
-          <a:lstStyle>
-            <a:lvl1pPr algn="l" defTabSz="457200" rtl="0" eaLnBrk="1" latinLnBrk="0" hangingPunct="1">
-              <a:spcBef>
-                <a:spcPct val="0"/>
-              </a:spcBef>
-              <a:buNone/>
-              <a:defRPr sz="2400" b="1" kern="1200">
-                <a:solidFill>
-                  <a:srgbClr val="003E74"/>
-                </a:solidFill>
-                <a:latin typeface="Arial"/>
-                <a:ea typeface="+mj-ea"/>
-                <a:cs typeface="Arial"/>
-              </a:defRPr>
-            </a:lvl1pPr>
-          </a:lstStyle>
-          <a:p>
-            <a:pPr algn="ctr">
-              <a:defRPr sz="1995" b="1" i="0" u="none" strike="noStrike" kern="1200" cap="all" spc="100" normalizeH="0" baseline="0">
-                <a:solidFill>
-                  <a:prstClr val="white"/>
-                </a:solidFill>
-                <a:latin typeface="+mn-lt"/>
-                <a:ea typeface="+mn-ea"/>
-                <a:cs typeface="+mn-cs"/>
-              </a:defRPr>
-            </a:pPr>
-            <a:r>
-              <a:rPr lang="en-US" sz="1995" spc="100" dirty="0">
-                <a:solidFill>
-                  <a:schemeClr val="tx2"/>
-                </a:solidFill>
-                <a:latin typeface="+mn-lt"/>
-                <a:ea typeface="+mn-ea"/>
-                <a:cs typeface="+mn-cs"/>
-              </a:rPr>
-              <a:t>Elapsed Time for Simulation In Sec.</a:t>
-            </a:r>
-          </a:p>
-        </p:txBody>
-      </p:sp>
-    </p:spTree>
-    <p:extLst>
-      <p:ext uri="{BB962C8B-B14F-4D97-AF65-F5344CB8AC3E}">
-        <p14:creationId xmlns:p14="http://schemas.microsoft.com/office/powerpoint/2010/main" val="1899137300"/>
-      </p:ext>
-    </p:extLst>
-  </p:cSld>
-  <p:clrMapOvr>
-    <a:masterClrMapping/>
-  </p:clrMapOvr>
-  <p:timing>
-    <p:tnLst>
-      <p:par>
-        <p:cTn id="1" dur="indefinite" restart="never" nodeType="tmRoot">
-          <p:childTnLst>
-            <p:seq concurrent="1" nextAc="seek">
-              <p:cTn id="2" dur="indefinite" nodeType="mainSeq">
-                <p:childTnLst>
-                  <p:par>
-                    <p:cTn id="3" fill="hold">
-                      <p:stCondLst>
-                        <p:cond delay="indefinite"/>
-                      </p:stCondLst>
-                      <p:childTnLst>
-                        <p:par>
-                          <p:cTn id="4" fill="hold">
-                            <p:stCondLst>
-                              <p:cond delay="0"/>
-                            </p:stCondLst>
-                            <p:childTnLst>
-                              <p:par>
-                                <p:cTn id="5" presetID="10" presetClass="entr" presetSubtype="0" fill="hold" grpId="0" nodeType="clickEffect">
-                                  <p:stCondLst>
-                                    <p:cond delay="0"/>
-                                  </p:stCondLst>
-                                  <p:childTnLst>
-                                    <p:set>
-                                      <p:cBhvr>
-                                        <p:cTn id="6" dur="1" fill="hold">
-                                          <p:stCondLst>
-                                            <p:cond delay="0"/>
-                                          </p:stCondLst>
-                                        </p:cTn>
-                                        <p:tgtEl>
-                                          <p:spTgt spid="7">
-                                            <p:graphicEl>
-                                              <a:chart seriesIdx="-3" categoryIdx="-3" bldStep="gridLegend"/>
-                                            </p:graphicEl>
-                                          </p:spTgt>
-                                        </p:tgtEl>
-                                        <p:attrNameLst>
-                                          <p:attrName>style.visibility</p:attrName>
-                                        </p:attrNameLst>
-                                      </p:cBhvr>
-                                      <p:to>
-                                        <p:strVal val="visible"/>
-                                      </p:to>
-                                    </p:set>
-                                    <p:animEffect transition="in" filter="fade">
-                                      <p:cBhvr>
-                                        <p:cTn id="7" dur="500"/>
-                                        <p:tgtEl>
-                                          <p:spTgt spid="7">
-                                            <p:graphicEl>
-                                              <a:chart seriesIdx="-3" categoryIdx="-3" bldStep="gridLegend"/>
-                                            </p:graphicEl>
-                                          </p:spTgt>
-                                        </p:tgtEl>
-                                      </p:cBhvr>
-                                    </p:animEffect>
-                                  </p:childTnLst>
-                                </p:cTn>
-                              </p:par>
-                            </p:childTnLst>
-                          </p:cTn>
-                        </p:par>
-                      </p:childTnLst>
-                    </p:cTn>
-                  </p:par>
-                  <p:par>
-                    <p:cTn id="8" fill="hold">
-                      <p:stCondLst>
-                        <p:cond delay="indefinite"/>
-                      </p:stCondLst>
-                      <p:childTnLst>
-                        <p:par>
-                          <p:cTn id="9" fill="hold">
-                            <p:stCondLst>
-                              <p:cond delay="0"/>
-                            </p:stCondLst>
-                            <p:childTnLst>
-                              <p:par>
-                                <p:cTn id="10" presetID="10" presetClass="entr" presetSubtype="0" fill="hold" grpId="0" nodeType="clickEffect">
-                                  <p:stCondLst>
-                                    <p:cond delay="0"/>
-                                  </p:stCondLst>
-                                  <p:childTnLst>
-                                    <p:set>
-                                      <p:cBhvr>
-                                        <p:cTn id="11" dur="1" fill="hold">
-                                          <p:stCondLst>
-                                            <p:cond delay="0"/>
-                                          </p:stCondLst>
-                                        </p:cTn>
-                                        <p:tgtEl>
-                                          <p:spTgt spid="7">
-                                            <p:graphicEl>
-                                              <a:chart seriesIdx="-4" categoryIdx="0" bldStep="category"/>
-                                            </p:graphicEl>
-                                          </p:spTgt>
-                                        </p:tgtEl>
-                                        <p:attrNameLst>
-                                          <p:attrName>style.visibility</p:attrName>
-                                        </p:attrNameLst>
-                                      </p:cBhvr>
-                                      <p:to>
-                                        <p:strVal val="visible"/>
-                                      </p:to>
-                                    </p:set>
-                                    <p:animEffect transition="in" filter="fade">
-                                      <p:cBhvr>
-                                        <p:cTn id="12" dur="500"/>
-                                        <p:tgtEl>
-                                          <p:spTgt spid="7">
-                                            <p:graphicEl>
-                                              <a:chart seriesIdx="-4" categoryIdx="0" bldStep="category"/>
-                                            </p:graphicEl>
-                                          </p:spTgt>
-                                        </p:tgtEl>
-                                      </p:cBhvr>
-                                    </p:animEffect>
-                                  </p:childTnLst>
-                                </p:cTn>
-                              </p:par>
-                            </p:childTnLst>
-                          </p:cTn>
-                        </p:par>
-                      </p:childTnLst>
-                    </p:cTn>
-                  </p:par>
-                  <p:par>
-                    <p:cTn id="13" fill="hold">
-                      <p:stCondLst>
-                        <p:cond delay="indefinite"/>
-                      </p:stCondLst>
-                      <p:childTnLst>
-                        <p:par>
-                          <p:cTn id="14" fill="hold">
-                            <p:stCondLst>
-                              <p:cond delay="0"/>
-                            </p:stCondLst>
-                            <p:childTnLst>
-                              <p:par>
-                                <p:cTn id="15" presetID="10" presetClass="entr" presetSubtype="0" fill="hold" grpId="0" nodeType="clickEffect">
-                                  <p:stCondLst>
-                                    <p:cond delay="0"/>
-                                  </p:stCondLst>
-                                  <p:childTnLst>
-                                    <p:set>
-                                      <p:cBhvr>
-                                        <p:cTn id="16" dur="1" fill="hold">
-                                          <p:stCondLst>
-                                            <p:cond delay="0"/>
-                                          </p:stCondLst>
-                                        </p:cTn>
-                                        <p:tgtEl>
-                                          <p:spTgt spid="7">
-                                            <p:graphicEl>
-                                              <a:chart seriesIdx="-4" categoryIdx="1" bldStep="category"/>
-                                            </p:graphicEl>
-                                          </p:spTgt>
-                                        </p:tgtEl>
-                                        <p:attrNameLst>
-                                          <p:attrName>style.visibility</p:attrName>
-                                        </p:attrNameLst>
-                                      </p:cBhvr>
-                                      <p:to>
-                                        <p:strVal val="visible"/>
-                                      </p:to>
-                                    </p:set>
-                                    <p:animEffect transition="in" filter="fade">
-                                      <p:cBhvr>
-                                        <p:cTn id="17" dur="500"/>
-                                        <p:tgtEl>
-                                          <p:spTgt spid="7">
-                                            <p:graphicEl>
-                                              <a:chart seriesIdx="-4" categoryIdx="1" bldStep="category"/>
-                                            </p:graphicEl>
-                                          </p:spTgt>
-                                        </p:tgtEl>
-                                      </p:cBhvr>
-                                    </p:animEffect>
-                                  </p:childTnLst>
-                                </p:cTn>
-                              </p:par>
-                            </p:childTnLst>
-                          </p:cTn>
-                        </p:par>
-                      </p:childTnLst>
-                    </p:cTn>
-                  </p:par>
-                  <p:par>
-                    <p:cTn id="18" fill="hold">
-                      <p:stCondLst>
-                        <p:cond delay="indefinite"/>
-                      </p:stCondLst>
-                      <p:childTnLst>
-                        <p:par>
-                          <p:cTn id="19" fill="hold">
-                            <p:stCondLst>
-                              <p:cond delay="0"/>
-                            </p:stCondLst>
-                            <p:childTnLst>
-                              <p:par>
-                                <p:cTn id="20" presetID="10" presetClass="entr" presetSubtype="0" fill="hold" grpId="0" nodeType="clickEffect">
-                                  <p:stCondLst>
-                                    <p:cond delay="0"/>
-                                  </p:stCondLst>
-                                  <p:childTnLst>
-                                    <p:set>
-                                      <p:cBhvr>
-                                        <p:cTn id="21" dur="1" fill="hold">
-                                          <p:stCondLst>
-                                            <p:cond delay="0"/>
-                                          </p:stCondLst>
-                                        </p:cTn>
-                                        <p:tgtEl>
-                                          <p:spTgt spid="7">
-                                            <p:graphicEl>
-                                              <a:chart seriesIdx="-4" categoryIdx="2" bldStep="category"/>
-                                            </p:graphicEl>
-                                          </p:spTgt>
-                                        </p:tgtEl>
-                                        <p:attrNameLst>
-                                          <p:attrName>style.visibility</p:attrName>
-                                        </p:attrNameLst>
-                                      </p:cBhvr>
-                                      <p:to>
-                                        <p:strVal val="visible"/>
-                                      </p:to>
-                                    </p:set>
-                                    <p:animEffect transition="in" filter="fade">
-                                      <p:cBhvr>
-                                        <p:cTn id="22" dur="500"/>
-                                        <p:tgtEl>
-                                          <p:spTgt spid="7">
-                                            <p:graphicEl>
-                                              <a:chart seriesIdx="-4" categoryIdx="2" bldStep="category"/>
-                                            </p:graphicEl>
-                                          </p:spTgt>
-                                        </p:tgtEl>
-                                      </p:cBhvr>
-                                    </p:animEffect>
-                                  </p:childTnLst>
-                                </p:cTn>
-                              </p:par>
-                            </p:childTnLst>
-                          </p:cTn>
-                        </p:par>
-                      </p:childTnLst>
-                    </p:cTn>
-                  </p:par>
-                  <p:par>
-                    <p:cTn id="23" fill="hold">
-                      <p:stCondLst>
-                        <p:cond delay="indefinite"/>
-                      </p:stCondLst>
-                      <p:childTnLst>
-                        <p:par>
-                          <p:cTn id="24" fill="hold">
-                            <p:stCondLst>
-                              <p:cond delay="0"/>
-                            </p:stCondLst>
-                            <p:childTnLst>
-                              <p:par>
-                                <p:cTn id="25" presetID="10" presetClass="entr" presetSubtype="0" fill="hold" grpId="0" nodeType="clickEffect">
-                                  <p:stCondLst>
-                                    <p:cond delay="0"/>
-                                  </p:stCondLst>
-                                  <p:childTnLst>
-                                    <p:set>
-                                      <p:cBhvr>
-                                        <p:cTn id="26" dur="1" fill="hold">
-                                          <p:stCondLst>
-                                            <p:cond delay="0"/>
-                                          </p:stCondLst>
-                                        </p:cTn>
-                                        <p:tgtEl>
-                                          <p:spTgt spid="7">
-                                            <p:graphicEl>
-                                              <a:chart seriesIdx="-4" categoryIdx="3" bldStep="category"/>
-                                            </p:graphicEl>
-                                          </p:spTgt>
-                                        </p:tgtEl>
-                                        <p:attrNameLst>
-                                          <p:attrName>style.visibility</p:attrName>
-                                        </p:attrNameLst>
-                                      </p:cBhvr>
-                                      <p:to>
-                                        <p:strVal val="visible"/>
-                                      </p:to>
-                                    </p:set>
-                                    <p:animEffect transition="in" filter="fade">
-                                      <p:cBhvr>
-                                        <p:cTn id="27" dur="500"/>
-                                        <p:tgtEl>
-                                          <p:spTgt spid="7">
-                                            <p:graphicEl>
-                                              <a:chart seriesIdx="-4" categoryIdx="3" bldStep="category"/>
-                                            </p:graphicEl>
-                                          </p:spTgt>
-                                        </p:tgtEl>
-                                      </p:cBhvr>
-                                    </p:animEffect>
-                                  </p:childTnLst>
-                                </p:cTn>
-                              </p:par>
-                            </p:childTnLst>
-                          </p:cTn>
-                        </p:par>
-                      </p:childTnLst>
-                    </p:cTn>
-                  </p:par>
-                  <p:par>
-                    <p:cTn id="28" fill="hold">
-                      <p:stCondLst>
-                        <p:cond delay="indefinite"/>
-                      </p:stCondLst>
-                      <p:childTnLst>
-                        <p:par>
-                          <p:cTn id="29" fill="hold">
-                            <p:stCondLst>
-                              <p:cond delay="0"/>
-                            </p:stCondLst>
-                            <p:childTnLst>
-                              <p:par>
-                                <p:cTn id="30" presetID="10" presetClass="entr" presetSubtype="0" fill="hold" grpId="0" nodeType="clickEffect">
-                                  <p:stCondLst>
-                                    <p:cond delay="0"/>
-                                  </p:stCondLst>
-                                  <p:childTnLst>
-                                    <p:set>
-                                      <p:cBhvr>
-                                        <p:cTn id="31" dur="1" fill="hold">
-                                          <p:stCondLst>
-                                            <p:cond delay="0"/>
-                                          </p:stCondLst>
-                                        </p:cTn>
-                                        <p:tgtEl>
-                                          <p:spTgt spid="5">
-                                            <p:txEl>
-                                              <p:pRg st="0" end="0"/>
-                                            </p:txEl>
-                                          </p:spTgt>
-                                        </p:tgtEl>
-                                        <p:attrNameLst>
-                                          <p:attrName>style.visibility</p:attrName>
-                                        </p:attrNameLst>
-                                      </p:cBhvr>
-                                      <p:to>
-                                        <p:strVal val="visible"/>
-                                      </p:to>
-                                    </p:set>
-                                    <p:animEffect transition="in" filter="fade">
-                                      <p:cBhvr>
-                                        <p:cTn id="32" dur="500"/>
-                                        <p:tgtEl>
-                                          <p:spTgt spid="5">
-                                            <p:txEl>
-                                              <p:pRg st="0" end="0"/>
-                                            </p:txEl>
-                                          </p:spTgt>
-                                        </p:tgtEl>
-                                      </p:cBhvr>
-                                    </p:animEffect>
-                                  </p:childTnLst>
-                                </p:cTn>
-                              </p:par>
-                            </p:childTnLst>
-                          </p:cTn>
-                        </p:par>
-                      </p:childTnLst>
-                    </p:cTn>
-                  </p:par>
-                </p:childTnLst>
-              </p:cTn>
-              <p:prevCondLst>
-                <p:cond evt="onPrev" delay="0">
-                  <p:tgtEl>
-                    <p:sldTgt/>
-                  </p:tgtEl>
-                </p:cond>
-              </p:prevCondLst>
-              <p:nextCondLst>
-                <p:cond evt="onNext" delay="0">
-                  <p:tgtEl>
-                    <p:sldTgt/>
-                  </p:tgtEl>
-                </p:cond>
-              </p:nextCondLst>
-            </p:seq>
-          </p:childTnLst>
-        </p:cTn>
-      </p:par>
-    </p:tnLst>
-    <p:bldLst>
-      <p:bldP spid="5" grpId="0" build="p"/>
-      <p:bldGraphic spid="7" grpId="0" uiExpand="1">
-        <p:bldSub>
-          <a:bldChart bld="category"/>
-        </p:bldSub>
-      </p:bldGraphic>
-    </p:bldLst>
-  </p:timing>
-</p:sld>
-</file>
-
-<file path=ppt/slides/slide4.xml><?xml version="1.0" encoding="utf-8"?>
-<p:sld xmlns:a="http://schemas.openxmlformats.org/drawingml/2006/main" xmlns:r="http://schemas.openxmlformats.org/officeDocument/2006/relationships" xmlns:p="http://schemas.openxmlformats.org/presentationml/2006/main">
-  <p:cSld>
-    <p:spTree>
-      <p:nvGrpSpPr>
-        <p:cNvPr id="1" name=""/>
-        <p:cNvGrpSpPr/>
-        <p:nvPr/>
-      </p:nvGrpSpPr>
-      <p:grpSpPr>
-        <a:xfrm>
-          <a:off x="0" y="0"/>
-          <a:ext cx="0" cy="0"/>
-          <a:chOff x="0" y="0"/>
-          <a:chExt cx="0" cy="0"/>
-        </a:xfrm>
-      </p:grpSpPr>
-      <p:sp>
-        <p:nvSpPr>
-          <p:cNvPr id="3" name="Text Placeholder 2"/>
-          <p:cNvSpPr>
-            <a:spLocks noGrp="1"/>
-          </p:cNvSpPr>
-          <p:nvPr>
-            <p:ph type="body" sz="quarter" idx="10"/>
-          </p:nvPr>
-        </p:nvSpPr>
-        <p:spPr/>
-        <p:txBody>
-          <a:bodyPr/>
-          <a:lstStyle/>
-          <a:p>
-            <a:r>
-              <a:rPr lang="en-US" dirty="0"/>
-              <a:t>Deep learning proxy of reservoir simulation</a:t>
-            </a:r>
-          </a:p>
-          <a:p>
-            <a:endParaRPr lang="en-US" dirty="0"/>
-          </a:p>
-        </p:txBody>
-      </p:sp>
-      <p:sp>
-        <p:nvSpPr>
-          <p:cNvPr id="4" name="Text Placeholder 3"/>
-          <p:cNvSpPr>
-            <a:spLocks noGrp="1"/>
-          </p:cNvSpPr>
-          <p:nvPr>
-            <p:ph type="body" sz="quarter" idx="12"/>
-          </p:nvPr>
-        </p:nvSpPr>
-        <p:spPr/>
-        <p:txBody>
-          <a:bodyPr/>
-          <a:lstStyle/>
-          <a:p>
-            <a:endParaRPr lang="en-US"/>
-          </a:p>
-        </p:txBody>
-      </p:sp>
-      <p:sp>
-        <p:nvSpPr>
-          <p:cNvPr id="5" name="Text Placeholder 4"/>
-          <p:cNvSpPr>
-            <a:spLocks noGrp="1"/>
-          </p:cNvSpPr>
-          <p:nvPr>
-            <p:ph type="body" sz="quarter" idx="14"/>
-          </p:nvPr>
-        </p:nvSpPr>
-        <p:spPr>
-          <a:xfrm>
-            <a:off x="447503" y="4262727"/>
-            <a:ext cx="3951287" cy="427906"/>
-          </a:xfrm>
-        </p:spPr>
-        <p:txBody>
-          <a:bodyPr/>
-          <a:lstStyle/>
-          <a:p>
-            <a:r>
-              <a:rPr lang="en-US" dirty="0"/>
-              <a:t>Resource : History Matching In Parallel Computational </a:t>
-            </a:r>
-            <a:r>
-              <a:rPr lang="en-US" dirty="0">
-                <a:hlinkClick r:id="rId2" action="ppaction://hlinksldjump"/>
-              </a:rPr>
-              <a:t>Environments</a:t>
-            </a:r>
-            <a:r>
-              <a:rPr lang="en-US" dirty="0"/>
-              <a:t> </a:t>
-            </a:r>
-          </a:p>
-        </p:txBody>
-      </p:sp>
-      <p:graphicFrame>
-        <p:nvGraphicFramePr>
-          <p:cNvPr id="7" name="Content Placeholder 12">
-            <a:extLst>
-              <a:ext uri="{FF2B5EF4-FFF2-40B4-BE49-F238E27FC236}">
-                <a16:creationId xmlns:a16="http://schemas.microsoft.com/office/drawing/2014/main" id="{7FEA9911-7FC3-4EB3-B127-4D1E358C48A8}"/>
-              </a:ext>
-            </a:extLst>
-          </p:cNvPr>
-          <p:cNvGraphicFramePr>
-            <a:graphicFrameLocks noGrp="1"/>
-          </p:cNvGraphicFramePr>
-          <p:nvPr>
-            <p:ph type="pic" sz="quarter" idx="13"/>
-            <p:extLst>
-              <p:ext uri="{D42A27DB-BD31-4B8C-83A1-F6EECF244321}">
-                <p14:modId xmlns:p14="http://schemas.microsoft.com/office/powerpoint/2010/main" val="3026583659"/>
-              </p:ext>
-            </p:extLst>
-          </p:nvPr>
-        </p:nvGraphicFramePr>
-        <p:xfrm>
-          <a:off x="447503" y="1551442"/>
-          <a:ext cx="8229600" cy="2638425"/>
-        </p:xfrm>
-        <a:graphic>
-          <a:graphicData uri="http://schemas.openxmlformats.org/drawingml/2006/chart">
-            <c:chart xmlns:c="http://schemas.openxmlformats.org/drawingml/2006/chart" xmlns:r="http://schemas.openxmlformats.org/officeDocument/2006/relationships" r:id="rId3"/>
-          </a:graphicData>
-        </a:graphic>
-      </p:graphicFrame>
-      <p:sp>
-        <p:nvSpPr>
-          <p:cNvPr id="8" name="Title 1">
-            <a:extLst>
-              <a:ext uri="{FF2B5EF4-FFF2-40B4-BE49-F238E27FC236}">
-                <a16:creationId xmlns:a16="http://schemas.microsoft.com/office/drawing/2014/main" id="{4CB13E0E-9FDD-4C3F-A8FE-F707A4DD4272}"/>
-              </a:ext>
-            </a:extLst>
-          </p:cNvPr>
-          <p:cNvSpPr txBox="1">
-            <a:spLocks/>
-          </p:cNvSpPr>
-          <p:nvPr/>
-        </p:nvSpPr>
-        <p:spPr>
-          <a:xfrm>
-            <a:off x="457200" y="1115931"/>
-            <a:ext cx="8229600" cy="380667"/>
-          </a:xfrm>
-          <a:prstGeom prst="rect">
-            <a:avLst/>
-          </a:prstGeom>
-        </p:spPr>
-        <p:txBody>
-          <a:bodyPr/>
-          <a:lstStyle>
-            <a:lvl1pPr algn="l" defTabSz="457200" rtl="0" eaLnBrk="1" latinLnBrk="0" hangingPunct="1">
-              <a:spcBef>
-                <a:spcPct val="0"/>
-              </a:spcBef>
-              <a:buNone/>
-              <a:defRPr sz="2400" b="1" kern="1200">
-                <a:solidFill>
-                  <a:srgbClr val="003E74"/>
-                </a:solidFill>
-                <a:latin typeface="Arial"/>
-                <a:ea typeface="+mj-ea"/>
-                <a:cs typeface="Arial"/>
-              </a:defRPr>
-            </a:lvl1pPr>
-          </a:lstStyle>
-          <a:p>
-            <a:pPr algn="ctr">
-              <a:defRPr sz="1995" b="1" i="0" u="none" strike="noStrike" kern="1200" cap="all" spc="100" normalizeH="0" baseline="0">
-                <a:solidFill>
-                  <a:prstClr val="white"/>
-                </a:solidFill>
-                <a:latin typeface="+mn-lt"/>
-                <a:ea typeface="+mn-ea"/>
-                <a:cs typeface="+mn-cs"/>
-              </a:defRPr>
-            </a:pPr>
-            <a:r>
-              <a:rPr lang="en-US" sz="1995" spc="100" dirty="0">
-                <a:solidFill>
-                  <a:schemeClr val="tx2"/>
-                </a:solidFill>
-                <a:latin typeface="+mn-lt"/>
-                <a:ea typeface="+mn-ea"/>
-                <a:cs typeface="+mn-cs"/>
-              </a:rPr>
-              <a:t>Objective function</a:t>
-            </a:r>
-          </a:p>
-        </p:txBody>
-      </p:sp>
-    </p:spTree>
-    <p:extLst>
-      <p:ext uri="{BB962C8B-B14F-4D97-AF65-F5344CB8AC3E}">
-        <p14:creationId xmlns:p14="http://schemas.microsoft.com/office/powerpoint/2010/main" val="3648173953"/>
-      </p:ext>
-    </p:extLst>
-  </p:cSld>
-  <p:clrMapOvr>
-    <a:masterClrMapping/>
-  </p:clrMapOvr>
-  <p:timing>
-    <p:tnLst>
-      <p:par>
-        <p:cTn id="1" dur="indefinite" restart="never" nodeType="tmRoot">
-          <p:childTnLst>
-            <p:seq concurrent="1" nextAc="seek">
-              <p:cTn id="2" dur="indefinite" nodeType="mainSeq">
-                <p:childTnLst>
-                  <p:par>
-                    <p:cTn id="3" fill="hold">
-                      <p:stCondLst>
-                        <p:cond delay="indefinite"/>
-                      </p:stCondLst>
-                      <p:childTnLst>
-                        <p:par>
-                          <p:cTn id="4" fill="hold">
-                            <p:stCondLst>
-                              <p:cond delay="0"/>
-                            </p:stCondLst>
-                            <p:childTnLst>
-                              <p:par>
-                                <p:cTn id="5" presetID="10" presetClass="entr" presetSubtype="0" fill="hold" grpId="0" nodeType="clickEffect">
-                                  <p:stCondLst>
-                                    <p:cond delay="0"/>
-                                  </p:stCondLst>
-                                  <p:childTnLst>
-                                    <p:set>
-                                      <p:cBhvr>
-                                        <p:cTn id="6" dur="1" fill="hold">
-                                          <p:stCondLst>
-                                            <p:cond delay="0"/>
-                                          </p:stCondLst>
-                                        </p:cTn>
-                                        <p:tgtEl>
-                                          <p:spTgt spid="7">
-                                            <p:graphicEl>
-                                              <a:chart seriesIdx="-3" categoryIdx="-3" bldStep="gridLegend"/>
-                                            </p:graphicEl>
-                                          </p:spTgt>
-                                        </p:tgtEl>
-                                        <p:attrNameLst>
-                                          <p:attrName>style.visibility</p:attrName>
-                                        </p:attrNameLst>
-                                      </p:cBhvr>
-                                      <p:to>
-                                        <p:strVal val="visible"/>
-                                      </p:to>
-                                    </p:set>
-                                    <p:animEffect transition="in" filter="fade">
-                                      <p:cBhvr>
-                                        <p:cTn id="7" dur="500"/>
-                                        <p:tgtEl>
-                                          <p:spTgt spid="7">
-                                            <p:graphicEl>
-                                              <a:chart seriesIdx="-3" categoryIdx="-3" bldStep="gridLegend"/>
-                                            </p:graphicEl>
-                                          </p:spTgt>
-                                        </p:tgtEl>
-                                      </p:cBhvr>
-                                    </p:animEffect>
-                                  </p:childTnLst>
-                                </p:cTn>
-                              </p:par>
-                            </p:childTnLst>
-                          </p:cTn>
-                        </p:par>
-                      </p:childTnLst>
-                    </p:cTn>
-                  </p:par>
-                  <p:par>
-                    <p:cTn id="8" fill="hold">
-                      <p:stCondLst>
-                        <p:cond delay="indefinite"/>
-                      </p:stCondLst>
-                      <p:childTnLst>
-                        <p:par>
-                          <p:cTn id="9" fill="hold">
-                            <p:stCondLst>
-                              <p:cond delay="0"/>
-                            </p:stCondLst>
-                            <p:childTnLst>
-                              <p:par>
-                                <p:cTn id="10" presetID="10" presetClass="entr" presetSubtype="0" fill="hold" grpId="0" nodeType="clickEffect">
-                                  <p:stCondLst>
-                                    <p:cond delay="0"/>
-                                  </p:stCondLst>
-                                  <p:childTnLst>
-                                    <p:set>
-                                      <p:cBhvr>
-                                        <p:cTn id="11" dur="1" fill="hold">
-                                          <p:stCondLst>
-                                            <p:cond delay="0"/>
-                                          </p:stCondLst>
-                                        </p:cTn>
-                                        <p:tgtEl>
-                                          <p:spTgt spid="7">
-                                            <p:graphicEl>
-                                              <a:chart seriesIdx="-4" categoryIdx="0" bldStep="category"/>
-                                            </p:graphicEl>
-                                          </p:spTgt>
-                                        </p:tgtEl>
-                                        <p:attrNameLst>
-                                          <p:attrName>style.visibility</p:attrName>
-                                        </p:attrNameLst>
-                                      </p:cBhvr>
-                                      <p:to>
-                                        <p:strVal val="visible"/>
-                                      </p:to>
-                                    </p:set>
-                                    <p:animEffect transition="in" filter="fade">
-                                      <p:cBhvr>
-                                        <p:cTn id="12" dur="500"/>
-                                        <p:tgtEl>
-                                          <p:spTgt spid="7">
-                                            <p:graphicEl>
-                                              <a:chart seriesIdx="-4" categoryIdx="0" bldStep="category"/>
-                                            </p:graphicEl>
-                                          </p:spTgt>
-                                        </p:tgtEl>
-                                      </p:cBhvr>
-                                    </p:animEffect>
-                                  </p:childTnLst>
-                                </p:cTn>
-                              </p:par>
-                            </p:childTnLst>
-                          </p:cTn>
-                        </p:par>
-                      </p:childTnLst>
-                    </p:cTn>
-                  </p:par>
-                  <p:par>
-                    <p:cTn id="13" fill="hold">
-                      <p:stCondLst>
-                        <p:cond delay="indefinite"/>
-                      </p:stCondLst>
-                      <p:childTnLst>
-                        <p:par>
-                          <p:cTn id="14" fill="hold">
-                            <p:stCondLst>
-                              <p:cond delay="0"/>
-                            </p:stCondLst>
-                            <p:childTnLst>
-                              <p:par>
-                                <p:cTn id="15" presetID="10" presetClass="entr" presetSubtype="0" fill="hold" grpId="0" nodeType="clickEffect">
-                                  <p:stCondLst>
-                                    <p:cond delay="0"/>
-                                  </p:stCondLst>
-                                  <p:childTnLst>
-                                    <p:set>
-                                      <p:cBhvr>
-                                        <p:cTn id="16" dur="1" fill="hold">
-                                          <p:stCondLst>
-                                            <p:cond delay="0"/>
-                                          </p:stCondLst>
-                                        </p:cTn>
-                                        <p:tgtEl>
-                                          <p:spTgt spid="7">
-                                            <p:graphicEl>
-                                              <a:chart seriesIdx="-4" categoryIdx="1" bldStep="category"/>
-                                            </p:graphicEl>
-                                          </p:spTgt>
-                                        </p:tgtEl>
-                                        <p:attrNameLst>
-                                          <p:attrName>style.visibility</p:attrName>
-                                        </p:attrNameLst>
-                                      </p:cBhvr>
-                                      <p:to>
-                                        <p:strVal val="visible"/>
-                                      </p:to>
-                                    </p:set>
-                                    <p:animEffect transition="in" filter="fade">
-                                      <p:cBhvr>
-                                        <p:cTn id="17" dur="500"/>
-                                        <p:tgtEl>
-                                          <p:spTgt spid="7">
-                                            <p:graphicEl>
-                                              <a:chart seriesIdx="-4" categoryIdx="1" bldStep="category"/>
-                                            </p:graphicEl>
-                                          </p:spTgt>
-                                        </p:tgtEl>
-                                      </p:cBhvr>
-                                    </p:animEffect>
-                                  </p:childTnLst>
-                                </p:cTn>
-                              </p:par>
-                            </p:childTnLst>
-                          </p:cTn>
-                        </p:par>
-                      </p:childTnLst>
-                    </p:cTn>
-                  </p:par>
-                  <p:par>
-                    <p:cTn id="18" fill="hold">
-                      <p:stCondLst>
-                        <p:cond delay="indefinite"/>
-                      </p:stCondLst>
-                      <p:childTnLst>
-                        <p:par>
-                          <p:cTn id="19" fill="hold">
-                            <p:stCondLst>
-                              <p:cond delay="0"/>
-                            </p:stCondLst>
-                            <p:childTnLst>
-                              <p:par>
-                                <p:cTn id="20" presetID="10" presetClass="entr" presetSubtype="0" fill="hold" grpId="0" nodeType="clickEffect">
-                                  <p:stCondLst>
-                                    <p:cond delay="0"/>
-                                  </p:stCondLst>
-                                  <p:childTnLst>
-                                    <p:set>
-                                      <p:cBhvr>
-                                        <p:cTn id="21" dur="1" fill="hold">
-                                          <p:stCondLst>
-                                            <p:cond delay="0"/>
-                                          </p:stCondLst>
-                                        </p:cTn>
-                                        <p:tgtEl>
-                                          <p:spTgt spid="7">
-                                            <p:graphicEl>
-                                              <a:chart seriesIdx="-4" categoryIdx="2" bldStep="category"/>
-                                            </p:graphicEl>
-                                          </p:spTgt>
-                                        </p:tgtEl>
-                                        <p:attrNameLst>
-                                          <p:attrName>style.visibility</p:attrName>
-                                        </p:attrNameLst>
-                                      </p:cBhvr>
-                                      <p:to>
-                                        <p:strVal val="visible"/>
-                                      </p:to>
-                                    </p:set>
-                                    <p:animEffect transition="in" filter="fade">
-                                      <p:cBhvr>
-                                        <p:cTn id="22" dur="500"/>
-                                        <p:tgtEl>
-                                          <p:spTgt spid="7">
-                                            <p:graphicEl>
-                                              <a:chart seriesIdx="-4" categoryIdx="2" bldStep="category"/>
-                                            </p:graphicEl>
-                                          </p:spTgt>
-                                        </p:tgtEl>
-                                      </p:cBhvr>
-                                    </p:animEffect>
-                                  </p:childTnLst>
-                                </p:cTn>
-                              </p:par>
-                            </p:childTnLst>
-                          </p:cTn>
-                        </p:par>
-                      </p:childTnLst>
-                    </p:cTn>
-                  </p:par>
-                  <p:par>
-                    <p:cTn id="23" fill="hold">
-                      <p:stCondLst>
-                        <p:cond delay="indefinite"/>
-                      </p:stCondLst>
-                      <p:childTnLst>
-                        <p:par>
-                          <p:cTn id="24" fill="hold">
-                            <p:stCondLst>
-                              <p:cond delay="0"/>
-                            </p:stCondLst>
-                            <p:childTnLst>
-                              <p:par>
-                                <p:cTn id="25" presetID="10" presetClass="entr" presetSubtype="0" fill="hold" grpId="0" nodeType="clickEffect">
-                                  <p:stCondLst>
-                                    <p:cond delay="0"/>
-                                  </p:stCondLst>
-                                  <p:childTnLst>
-                                    <p:set>
-                                      <p:cBhvr>
-                                        <p:cTn id="26" dur="1" fill="hold">
-                                          <p:stCondLst>
-                                            <p:cond delay="0"/>
-                                          </p:stCondLst>
-                                        </p:cTn>
-                                        <p:tgtEl>
-                                          <p:spTgt spid="7">
-                                            <p:graphicEl>
-                                              <a:chart seriesIdx="-4" categoryIdx="3" bldStep="category"/>
-                                            </p:graphicEl>
-                                          </p:spTgt>
-                                        </p:tgtEl>
-                                        <p:attrNameLst>
-                                          <p:attrName>style.visibility</p:attrName>
-                                        </p:attrNameLst>
-                                      </p:cBhvr>
-                                      <p:to>
-                                        <p:strVal val="visible"/>
-                                      </p:to>
-                                    </p:set>
-                                    <p:animEffect transition="in" filter="fade">
-                                      <p:cBhvr>
-                                        <p:cTn id="27" dur="500"/>
-                                        <p:tgtEl>
-                                          <p:spTgt spid="7">
-                                            <p:graphicEl>
-                                              <a:chart seriesIdx="-4" categoryIdx="3" bldStep="category"/>
-                                            </p:graphicEl>
-                                          </p:spTgt>
-                                        </p:tgtEl>
-                                      </p:cBhvr>
-                                    </p:animEffect>
-                                  </p:childTnLst>
-                                </p:cTn>
-                              </p:par>
-                            </p:childTnLst>
-                          </p:cTn>
-                        </p:par>
-                      </p:childTnLst>
-                    </p:cTn>
-                  </p:par>
-                  <p:par>
-                    <p:cTn id="28" fill="hold">
-                      <p:stCondLst>
-                        <p:cond delay="indefinite"/>
-                      </p:stCondLst>
-                      <p:childTnLst>
-                        <p:par>
-                          <p:cTn id="29" fill="hold">
-                            <p:stCondLst>
-                              <p:cond delay="0"/>
-                            </p:stCondLst>
-                            <p:childTnLst>
-                              <p:par>
-                                <p:cTn id="30" presetID="10" presetClass="entr" presetSubtype="0" fill="hold" grpId="0" nodeType="clickEffect">
-                                  <p:stCondLst>
-                                    <p:cond delay="0"/>
-                                  </p:stCondLst>
-                                  <p:childTnLst>
-                                    <p:set>
-                                      <p:cBhvr>
-                                        <p:cTn id="31" dur="1" fill="hold">
-                                          <p:stCondLst>
-                                            <p:cond delay="0"/>
-                                          </p:stCondLst>
-                                        </p:cTn>
-                                        <p:tgtEl>
-                                          <p:spTgt spid="7">
-                                            <p:graphicEl>
-                                              <a:chart seriesIdx="-4" categoryIdx="4" bldStep="category"/>
-                                            </p:graphicEl>
-                                          </p:spTgt>
-                                        </p:tgtEl>
-                                        <p:attrNameLst>
-                                          <p:attrName>style.visibility</p:attrName>
-                                        </p:attrNameLst>
-                                      </p:cBhvr>
-                                      <p:to>
-                                        <p:strVal val="visible"/>
-                                      </p:to>
-                                    </p:set>
-                                    <p:animEffect transition="in" filter="fade">
-                                      <p:cBhvr>
-                                        <p:cTn id="32" dur="500"/>
-                                        <p:tgtEl>
-                                          <p:spTgt spid="7">
-                                            <p:graphicEl>
-                                              <a:chart seriesIdx="-4" categoryIdx="4" bldStep="category"/>
-                                            </p:graphicEl>
-                                          </p:spTgt>
-                                        </p:tgtEl>
-                                      </p:cBhvr>
-                                    </p:animEffect>
-                                  </p:childTnLst>
-                                </p:cTn>
-                              </p:par>
-                            </p:childTnLst>
-                          </p:cTn>
-                        </p:par>
-                      </p:childTnLst>
-                    </p:cTn>
-                  </p:par>
-                  <p:par>
-                    <p:cTn id="33" fill="hold">
-                      <p:stCondLst>
-                        <p:cond delay="indefinite"/>
-                      </p:stCondLst>
-                      <p:childTnLst>
-                        <p:par>
-                          <p:cTn id="34" fill="hold">
-                            <p:stCondLst>
-                              <p:cond delay="0"/>
-                            </p:stCondLst>
-                            <p:childTnLst>
-                              <p:par>
-                                <p:cTn id="35" presetID="10" presetClass="entr" presetSubtype="0" fill="hold" grpId="0" nodeType="clickEffect">
-                                  <p:stCondLst>
-                                    <p:cond delay="0"/>
-                                  </p:stCondLst>
-                                  <p:childTnLst>
-                                    <p:set>
-                                      <p:cBhvr>
-                                        <p:cTn id="36" dur="1" fill="hold">
-                                          <p:stCondLst>
-                                            <p:cond delay="0"/>
-                                          </p:stCondLst>
-                                        </p:cTn>
-                                        <p:tgtEl>
-                                          <p:spTgt spid="7">
-                                            <p:graphicEl>
-                                              <a:chart seriesIdx="-4" categoryIdx="5" bldStep="category"/>
-                                            </p:graphicEl>
-                                          </p:spTgt>
-                                        </p:tgtEl>
-                                        <p:attrNameLst>
-                                          <p:attrName>style.visibility</p:attrName>
-                                        </p:attrNameLst>
-                                      </p:cBhvr>
-                                      <p:to>
-                                        <p:strVal val="visible"/>
-                                      </p:to>
-                                    </p:set>
-                                    <p:animEffect transition="in" filter="fade">
-                                      <p:cBhvr>
-                                        <p:cTn id="37" dur="500"/>
-                                        <p:tgtEl>
-                                          <p:spTgt spid="7">
-                                            <p:graphicEl>
-                                              <a:chart seriesIdx="-4" categoryIdx="5" bldStep="category"/>
-                                            </p:graphicEl>
-                                          </p:spTgt>
-                                        </p:tgtEl>
-                                      </p:cBhvr>
-                                    </p:animEffect>
-                                  </p:childTnLst>
-                                </p:cTn>
-                              </p:par>
-                            </p:childTnLst>
-                          </p:cTn>
-                        </p:par>
-                      </p:childTnLst>
-                    </p:cTn>
-                  </p:par>
-                  <p:par>
-                    <p:cTn id="38" fill="hold">
-                      <p:stCondLst>
-                        <p:cond delay="indefinite"/>
-                      </p:stCondLst>
-                      <p:childTnLst>
-                        <p:par>
-                          <p:cTn id="39" fill="hold">
-                            <p:stCondLst>
-                              <p:cond delay="0"/>
-                            </p:stCondLst>
-                            <p:childTnLst>
-                              <p:par>
-                                <p:cTn id="40" presetID="10" presetClass="entr" presetSubtype="0" fill="hold" grpId="0" nodeType="clickEffect">
-                                  <p:stCondLst>
-                                    <p:cond delay="0"/>
-                                  </p:stCondLst>
-                                  <p:childTnLst>
-                                    <p:set>
-                                      <p:cBhvr>
-                                        <p:cTn id="41" dur="1" fill="hold">
-                                          <p:stCondLst>
-                                            <p:cond delay="0"/>
-                                          </p:stCondLst>
-                                        </p:cTn>
-                                        <p:tgtEl>
-                                          <p:spTgt spid="7">
-                                            <p:graphicEl>
-                                              <a:chart seriesIdx="-4" categoryIdx="6" bldStep="category"/>
-                                            </p:graphicEl>
-                                          </p:spTgt>
-                                        </p:tgtEl>
-                                        <p:attrNameLst>
-                                          <p:attrName>style.visibility</p:attrName>
-                                        </p:attrNameLst>
-                                      </p:cBhvr>
-                                      <p:to>
-                                        <p:strVal val="visible"/>
-                                      </p:to>
-                                    </p:set>
-                                    <p:animEffect transition="in" filter="fade">
-                                      <p:cBhvr>
-                                        <p:cTn id="42" dur="500"/>
-                                        <p:tgtEl>
-                                          <p:spTgt spid="7">
-                                            <p:graphicEl>
-                                              <a:chart seriesIdx="-4" categoryIdx="6" bldStep="category"/>
-                                            </p:graphicEl>
-                                          </p:spTgt>
-                                        </p:tgtEl>
-                                      </p:cBhvr>
-                                    </p:animEffect>
-                                  </p:childTnLst>
-                                </p:cTn>
-                              </p:par>
-                            </p:childTnLst>
-                          </p:cTn>
-                        </p:par>
-                      </p:childTnLst>
-                    </p:cTn>
-                  </p:par>
-                  <p:par>
-                    <p:cTn id="43" fill="hold">
-                      <p:stCondLst>
-                        <p:cond delay="indefinite"/>
-                      </p:stCondLst>
-                      <p:childTnLst>
-                        <p:par>
-                          <p:cTn id="44" fill="hold">
-                            <p:stCondLst>
-                              <p:cond delay="0"/>
-                            </p:stCondLst>
-                            <p:childTnLst>
-                              <p:par>
-                                <p:cTn id="45" presetID="10" presetClass="entr" presetSubtype="0" fill="hold" grpId="0" nodeType="clickEffect">
-                                  <p:stCondLst>
-                                    <p:cond delay="0"/>
-                                  </p:stCondLst>
-                                  <p:childTnLst>
-                                    <p:set>
-                                      <p:cBhvr>
-                                        <p:cTn id="46" dur="1" fill="hold">
-                                          <p:stCondLst>
-                                            <p:cond delay="0"/>
-                                          </p:stCondLst>
-                                        </p:cTn>
-                                        <p:tgtEl>
-                                          <p:spTgt spid="7">
-                                            <p:graphicEl>
-                                              <a:chart seriesIdx="-4" categoryIdx="7" bldStep="category"/>
-                                            </p:graphicEl>
-                                          </p:spTgt>
-                                        </p:tgtEl>
-                                        <p:attrNameLst>
-                                          <p:attrName>style.visibility</p:attrName>
-                                        </p:attrNameLst>
-                                      </p:cBhvr>
-                                      <p:to>
-                                        <p:strVal val="visible"/>
-                                      </p:to>
-                                    </p:set>
-                                    <p:animEffect transition="in" filter="fade">
-                                      <p:cBhvr>
-                                        <p:cTn id="47" dur="500"/>
-                                        <p:tgtEl>
-                                          <p:spTgt spid="7">
-                                            <p:graphicEl>
-                                              <a:chart seriesIdx="-4" categoryIdx="7" bldStep="category"/>
-                                            </p:graphicEl>
-                                          </p:spTgt>
-                                        </p:tgtEl>
-                                      </p:cBhvr>
-                                    </p:animEffect>
-                                  </p:childTnLst>
-                                </p:cTn>
-                              </p:par>
-                            </p:childTnLst>
-                          </p:cTn>
-                        </p:par>
-                      </p:childTnLst>
-                    </p:cTn>
-                  </p:par>
-                  <p:par>
-                    <p:cTn id="48" fill="hold">
-                      <p:stCondLst>
-                        <p:cond delay="indefinite"/>
-                      </p:stCondLst>
-                      <p:childTnLst>
-                        <p:par>
-                          <p:cTn id="49" fill="hold">
-                            <p:stCondLst>
-                              <p:cond delay="0"/>
-                            </p:stCondLst>
-                            <p:childTnLst>
-                              <p:par>
-                                <p:cTn id="50" presetID="10" presetClass="entr" presetSubtype="0" fill="hold" grpId="0" nodeType="clickEffect">
-                                  <p:stCondLst>
-                                    <p:cond delay="0"/>
-                                  </p:stCondLst>
-                                  <p:childTnLst>
-                                    <p:set>
-                                      <p:cBhvr>
-                                        <p:cTn id="51" dur="1" fill="hold">
-                                          <p:stCondLst>
-                                            <p:cond delay="0"/>
-                                          </p:stCondLst>
-                                        </p:cTn>
-                                        <p:tgtEl>
-                                          <p:spTgt spid="7">
-                                            <p:graphicEl>
-                                              <a:chart seriesIdx="-4" categoryIdx="8" bldStep="category"/>
-                                            </p:graphicEl>
-                                          </p:spTgt>
-                                        </p:tgtEl>
-                                        <p:attrNameLst>
-                                          <p:attrName>style.visibility</p:attrName>
-                                        </p:attrNameLst>
-                                      </p:cBhvr>
-                                      <p:to>
-                                        <p:strVal val="visible"/>
-                                      </p:to>
-                                    </p:set>
-                                    <p:animEffect transition="in" filter="fade">
-                                      <p:cBhvr>
-                                        <p:cTn id="52" dur="500"/>
-                                        <p:tgtEl>
-                                          <p:spTgt spid="7">
-                                            <p:graphicEl>
-                                              <a:chart seriesIdx="-4" categoryIdx="8" bldStep="category"/>
-                                            </p:graphicEl>
-                                          </p:spTgt>
-                                        </p:tgtEl>
-                                      </p:cBhvr>
-                                    </p:animEffect>
-                                  </p:childTnLst>
-                                </p:cTn>
-                              </p:par>
-                            </p:childTnLst>
-                          </p:cTn>
-                        </p:par>
-                      </p:childTnLst>
-                    </p:cTn>
-                  </p:par>
-                  <p:par>
-                    <p:cTn id="53" fill="hold">
-                      <p:stCondLst>
-                        <p:cond delay="indefinite"/>
-                      </p:stCondLst>
-                      <p:childTnLst>
-                        <p:par>
-                          <p:cTn id="54" fill="hold">
-                            <p:stCondLst>
-                              <p:cond delay="0"/>
-                            </p:stCondLst>
-                            <p:childTnLst>
-                              <p:par>
-                                <p:cTn id="55" presetID="10" presetClass="entr" presetSubtype="0" fill="hold" grpId="0" nodeType="clickEffect">
-                                  <p:stCondLst>
-                                    <p:cond delay="0"/>
-                                  </p:stCondLst>
-                                  <p:childTnLst>
-                                    <p:set>
-                                      <p:cBhvr>
-                                        <p:cTn id="56" dur="1" fill="hold">
-                                          <p:stCondLst>
-                                            <p:cond delay="0"/>
-                                          </p:stCondLst>
-                                        </p:cTn>
-                                        <p:tgtEl>
-                                          <p:spTgt spid="7">
-                                            <p:graphicEl>
-                                              <a:chart seriesIdx="-4" categoryIdx="9" bldStep="category"/>
-                                            </p:graphicEl>
-                                          </p:spTgt>
-                                        </p:tgtEl>
-                                        <p:attrNameLst>
-                                          <p:attrName>style.visibility</p:attrName>
-                                        </p:attrNameLst>
-                                      </p:cBhvr>
-                                      <p:to>
-                                        <p:strVal val="visible"/>
-                                      </p:to>
-                                    </p:set>
-                                    <p:animEffect transition="in" filter="fade">
-                                      <p:cBhvr>
-                                        <p:cTn id="57" dur="500"/>
-                                        <p:tgtEl>
-                                          <p:spTgt spid="7">
-                                            <p:graphicEl>
-                                              <a:chart seriesIdx="-4" categoryIdx="9" bldStep="category"/>
-                                            </p:graphicEl>
-                                          </p:spTgt>
-                                        </p:tgtEl>
-                                      </p:cBhvr>
-                                    </p:animEffect>
-                                  </p:childTnLst>
-                                </p:cTn>
-                              </p:par>
-                            </p:childTnLst>
-                          </p:cTn>
-                        </p:par>
-                      </p:childTnLst>
-                    </p:cTn>
-                  </p:par>
-                  <p:par>
-                    <p:cTn id="58" fill="hold">
-                      <p:stCondLst>
-                        <p:cond delay="indefinite"/>
-                      </p:stCondLst>
-                      <p:childTnLst>
-                        <p:par>
-                          <p:cTn id="59" fill="hold">
-                            <p:stCondLst>
-                              <p:cond delay="0"/>
-                            </p:stCondLst>
-                            <p:childTnLst>
-                              <p:par>
-                                <p:cTn id="60" presetID="10" presetClass="entr" presetSubtype="0" fill="hold" grpId="0" nodeType="clickEffect">
-                                  <p:stCondLst>
-                                    <p:cond delay="0"/>
-                                  </p:stCondLst>
-                                  <p:childTnLst>
-                                    <p:set>
-                                      <p:cBhvr>
-                                        <p:cTn id="61" dur="1" fill="hold">
-                                          <p:stCondLst>
-                                            <p:cond delay="0"/>
-                                          </p:stCondLst>
-                                        </p:cTn>
-                                        <p:tgtEl>
-                                          <p:spTgt spid="7">
-                                            <p:graphicEl>
-                                              <a:chart seriesIdx="-4" categoryIdx="10" bldStep="category"/>
-                                            </p:graphicEl>
-                                          </p:spTgt>
-                                        </p:tgtEl>
-                                        <p:attrNameLst>
-                                          <p:attrName>style.visibility</p:attrName>
-                                        </p:attrNameLst>
-                                      </p:cBhvr>
-                                      <p:to>
-                                        <p:strVal val="visible"/>
-                                      </p:to>
-                                    </p:set>
-                                    <p:animEffect transition="in" filter="fade">
-                                      <p:cBhvr>
-                                        <p:cTn id="62" dur="500"/>
-                                        <p:tgtEl>
-                                          <p:spTgt spid="7">
-                                            <p:graphicEl>
-                                              <a:chart seriesIdx="-4" categoryIdx="10" bldStep="category"/>
-                                            </p:graphicEl>
-                                          </p:spTgt>
-                                        </p:tgtEl>
-                                      </p:cBhvr>
-                                    </p:animEffect>
-                                  </p:childTnLst>
-                                </p:cTn>
-                              </p:par>
-                            </p:childTnLst>
-                          </p:cTn>
-                        </p:par>
-                      </p:childTnLst>
-                    </p:cTn>
-                  </p:par>
-                  <p:par>
-                    <p:cTn id="63" fill="hold">
-                      <p:stCondLst>
-                        <p:cond delay="indefinite"/>
-                      </p:stCondLst>
-                      <p:childTnLst>
-                        <p:par>
-                          <p:cTn id="64" fill="hold">
-                            <p:stCondLst>
-                              <p:cond delay="0"/>
-                            </p:stCondLst>
-                            <p:childTnLst>
-                              <p:par>
-                                <p:cTn id="65" presetID="10" presetClass="entr" presetSubtype="0" fill="hold" grpId="0" nodeType="clickEffect">
-                                  <p:stCondLst>
-                                    <p:cond delay="0"/>
-                                  </p:stCondLst>
-                                  <p:childTnLst>
-                                    <p:set>
-                                      <p:cBhvr>
-                                        <p:cTn id="66" dur="1" fill="hold">
-                                          <p:stCondLst>
-                                            <p:cond delay="0"/>
-                                          </p:stCondLst>
-                                        </p:cTn>
-                                        <p:tgtEl>
-                                          <p:spTgt spid="7">
-                                            <p:graphicEl>
-                                              <a:chart seriesIdx="-4" categoryIdx="11" bldStep="category"/>
-                                            </p:graphicEl>
-                                          </p:spTgt>
-                                        </p:tgtEl>
-                                        <p:attrNameLst>
-                                          <p:attrName>style.visibility</p:attrName>
-                                        </p:attrNameLst>
-                                      </p:cBhvr>
-                                      <p:to>
-                                        <p:strVal val="visible"/>
-                                      </p:to>
-                                    </p:set>
-                                    <p:animEffect transition="in" filter="fade">
-                                      <p:cBhvr>
-                                        <p:cTn id="67" dur="500"/>
-                                        <p:tgtEl>
-                                          <p:spTgt spid="7">
-                                            <p:graphicEl>
-                                              <a:chart seriesIdx="-4" categoryIdx="11" bldStep="category"/>
-                                            </p:graphicEl>
-                                          </p:spTgt>
-                                        </p:tgtEl>
-                                      </p:cBhvr>
-                                    </p:animEffect>
-                                  </p:childTnLst>
-                                </p:cTn>
-                              </p:par>
-                            </p:childTnLst>
-                          </p:cTn>
-                        </p:par>
-                      </p:childTnLst>
-                    </p:cTn>
-                  </p:par>
-                  <p:par>
-                    <p:cTn id="68" fill="hold">
-                      <p:stCondLst>
-                        <p:cond delay="indefinite"/>
-                      </p:stCondLst>
-                      <p:childTnLst>
-                        <p:par>
-                          <p:cTn id="69" fill="hold">
-                            <p:stCondLst>
-                              <p:cond delay="0"/>
-                            </p:stCondLst>
-                            <p:childTnLst>
-                              <p:par>
-                                <p:cTn id="70" presetID="10" presetClass="entr" presetSubtype="0" fill="hold" grpId="0" nodeType="clickEffect">
-                                  <p:stCondLst>
-                                    <p:cond delay="0"/>
-                                  </p:stCondLst>
-                                  <p:childTnLst>
-                                    <p:set>
-                                      <p:cBhvr>
-                                        <p:cTn id="71" dur="1" fill="hold">
-                                          <p:stCondLst>
-                                            <p:cond delay="0"/>
-                                          </p:stCondLst>
-                                        </p:cTn>
-                                        <p:tgtEl>
-                                          <p:spTgt spid="7">
-                                            <p:graphicEl>
-                                              <a:chart seriesIdx="-4" categoryIdx="12" bldStep="category"/>
-                                            </p:graphicEl>
-                                          </p:spTgt>
-                                        </p:tgtEl>
-                                        <p:attrNameLst>
-                                          <p:attrName>style.visibility</p:attrName>
-                                        </p:attrNameLst>
-                                      </p:cBhvr>
-                                      <p:to>
-                                        <p:strVal val="visible"/>
-                                      </p:to>
-                                    </p:set>
-                                    <p:animEffect transition="in" filter="fade">
-                                      <p:cBhvr>
-                                        <p:cTn id="72" dur="500"/>
-                                        <p:tgtEl>
-                                          <p:spTgt spid="7">
-                                            <p:graphicEl>
-                                              <a:chart seriesIdx="-4" categoryIdx="12" bldStep="category"/>
-                                            </p:graphicEl>
-                                          </p:spTgt>
-                                        </p:tgtEl>
-                                      </p:cBhvr>
-                                    </p:animEffect>
-                                  </p:childTnLst>
-                                </p:cTn>
-                              </p:par>
-                            </p:childTnLst>
-                          </p:cTn>
-                        </p:par>
-                      </p:childTnLst>
-                    </p:cTn>
-                  </p:par>
-                  <p:par>
-                    <p:cTn id="73" fill="hold">
-                      <p:stCondLst>
-                        <p:cond delay="indefinite"/>
-                      </p:stCondLst>
-                      <p:childTnLst>
-                        <p:par>
-                          <p:cTn id="74" fill="hold">
-                            <p:stCondLst>
-                              <p:cond delay="0"/>
-                            </p:stCondLst>
-                            <p:childTnLst>
-                              <p:par>
-                                <p:cTn id="75" presetID="10" presetClass="entr" presetSubtype="0" fill="hold" grpId="0" nodeType="clickEffect">
-                                  <p:stCondLst>
-                                    <p:cond delay="0"/>
-                                  </p:stCondLst>
-                                  <p:childTnLst>
-                                    <p:set>
-                                      <p:cBhvr>
-                                        <p:cTn id="76" dur="1" fill="hold">
-                                          <p:stCondLst>
-                                            <p:cond delay="0"/>
-                                          </p:stCondLst>
-                                        </p:cTn>
-                                        <p:tgtEl>
-                                          <p:spTgt spid="5">
-                                            <p:txEl>
-                                              <p:pRg st="0" end="0"/>
-                                            </p:txEl>
-                                          </p:spTgt>
-                                        </p:tgtEl>
-                                        <p:attrNameLst>
-                                          <p:attrName>style.visibility</p:attrName>
-                                        </p:attrNameLst>
-                                      </p:cBhvr>
-                                      <p:to>
-                                        <p:strVal val="visible"/>
-                                      </p:to>
-                                    </p:set>
-                                    <p:animEffect transition="in" filter="fade">
-                                      <p:cBhvr>
-                                        <p:cTn id="77" dur="500"/>
-                                        <p:tgtEl>
-                                          <p:spTgt spid="5">
-                                            <p:txEl>
-                                              <p:pRg st="0" end="0"/>
-                                            </p:txEl>
-                                          </p:spTgt>
-                                        </p:tgtEl>
-                                      </p:cBhvr>
-                                    </p:animEffect>
-                                  </p:childTnLst>
-                                </p:cTn>
-                              </p:par>
-                            </p:childTnLst>
-                          </p:cTn>
-                        </p:par>
-                      </p:childTnLst>
-                    </p:cTn>
-                  </p:par>
-                </p:childTnLst>
-              </p:cTn>
-              <p:prevCondLst>
-                <p:cond evt="onPrev" delay="0">
-                  <p:tgtEl>
-                    <p:sldTgt/>
-                  </p:tgtEl>
-                </p:cond>
-              </p:prevCondLst>
-              <p:nextCondLst>
-                <p:cond evt="onNext" delay="0">
-                  <p:tgtEl>
-                    <p:sldTgt/>
-                  </p:tgtEl>
-                </p:cond>
-              </p:nextCondLst>
-            </p:seq>
-          </p:childTnLst>
-        </p:cTn>
-      </p:par>
-    </p:tnLst>
-    <p:bldLst>
-      <p:bldP spid="5" grpId="0" build="p"/>
-      <p:bldGraphic spid="7" grpId="0" uiExpand="1">
-        <p:bldSub>
-          <a:bldChart bld="category"/>
-        </p:bldSub>
-      </p:bldGraphic>
-    </p:bldLst>
-  </p:timing>
-</p:sld>
-</file>
-
-<file path=ppt/slides/slide5.xml><?xml version="1.0" encoding="utf-8"?>
-<p:sld xmlns:a="http://schemas.openxmlformats.org/drawingml/2006/main" xmlns:r="http://schemas.openxmlformats.org/officeDocument/2006/relationships" xmlns:p="http://schemas.openxmlformats.org/presentationml/2006/main">
-  <p:cSld>
-    <p:spTree>
-      <p:nvGrpSpPr>
-        <p:cNvPr id="1" name=""/>
-        <p:cNvGrpSpPr/>
-        <p:nvPr/>
-      </p:nvGrpSpPr>
-      <p:grpSpPr>
-        <a:xfrm>
-          <a:off x="0" y="0"/>
-          <a:ext cx="0" cy="0"/>
-          <a:chOff x="0" y="0"/>
-          <a:chExt cx="0" cy="0"/>
-        </a:xfrm>
-      </p:grpSpPr>
-      <p:sp>
-        <p:nvSpPr>
           <p:cNvPr id="2" name="Title 1"/>
           <p:cNvSpPr>
             <a:spLocks noGrp="1"/>
@@ -13015,24 +8248,23 @@
           <a:p>
             <a:r>
               <a:rPr lang="en-US" dirty="0"/>
-              <a:t>Applying deep neural networks to simulating reservoir pressure and saturation by feeding geological parameter map (permeability) to network.</a:t>
+              <a:t>Creating a deep neural networks to simulate reservoir pressure and saturation from geological parameter map (permeability) </a:t>
             </a:r>
           </a:p>
           <a:p>
             <a:r>
               <a:rPr lang="en-US" dirty="0"/>
-              <a:t>Assessing the surrogate model performance in simulating reservoir properties (pressure and saturation). </a:t>
+              <a:t>Assessing the surrogate model performance in simulating reservoir properties (pressure and saturation)</a:t>
             </a:r>
           </a:p>
           <a:p>
             <a:pPr algn="l"/>
             <a:r>
-              <a:rPr lang="en-US" sz="1800" b="0" i="0" u="none" strike="noStrike" baseline="0" dirty="0">
-                <a:latin typeface="CMSS10"/>
+              <a:rPr lang="en-US" dirty="0">
+                <a:latin typeface="+mj-lt"/>
               </a:rPr>
-              <a:t>Put the performance of the proposed method in relation to surrogate models using shallow networks.</a:t>
-            </a:r>
-            <a:endParaRPr lang="en-US" dirty="0"/>
+              <a:t>Improving the performance network by changing deep learning model architecture</a:t>
+            </a:r>
           </a:p>
         </p:txBody>
       </p:sp>
@@ -13318,7 +8550,7 @@
 </p:sld>
 </file>
 
-<file path=ppt/slides/slide6.xml><?xml version="1.0" encoding="utf-8"?>
+<file path=ppt/slides/slide4.xml><?xml version="1.0" encoding="utf-8"?>
 <p:sld xmlns:a="http://schemas.openxmlformats.org/drawingml/2006/main" xmlns:r="http://schemas.openxmlformats.org/officeDocument/2006/relationships" xmlns:p="http://schemas.openxmlformats.org/presentationml/2006/main">
   <p:cSld>
     <p:spTree>
@@ -13352,25 +8584,19 @@
           <a:p>
             <a:r>
               <a:rPr lang="en-US" dirty="0"/>
-              <a:t>3000 permeability map (Channelized facial map)</a:t>
+              <a:t>Composed of 3000 permeability maps(Channelized facial map)</a:t>
             </a:r>
           </a:p>
           <a:p>
             <a:r>
               <a:rPr lang="en-US" dirty="0"/>
-              <a:t>Simulating corresponding pressure and saturation</a:t>
+              <a:t>Corresponding pressure and saturation for 61 time step simulating using Intersect</a:t>
             </a:r>
           </a:p>
           <a:p>
             <a:r>
               <a:rPr lang="en-US" dirty="0"/>
-              <a:t>Simulating for 61 time step using Intersect</a:t>
-            </a:r>
-          </a:p>
-          <a:p>
-            <a:r>
-              <a:rPr lang="en-US" dirty="0"/>
-              <a:t>2250 training /750 Testing</a:t>
+              <a:t>2250 training / 750 Testing</a:t>
             </a:r>
           </a:p>
         </p:txBody>
@@ -13671,67 +8897,6 @@
                       </p:childTnLst>
                     </p:cTn>
                   </p:par>
-                  <p:par>
-                    <p:cTn id="18" fill="hold">
-                      <p:stCondLst>
-                        <p:cond delay="indefinite"/>
-                      </p:stCondLst>
-                      <p:childTnLst>
-                        <p:par>
-                          <p:cTn id="19" fill="hold">
-                            <p:stCondLst>
-                              <p:cond delay="0"/>
-                            </p:stCondLst>
-                            <p:childTnLst>
-                              <p:par>
-                                <p:cTn id="20" presetID="10" presetClass="entr" presetSubtype="0" fill="hold" nodeType="clickEffect">
-                                  <p:stCondLst>
-                                    <p:cond delay="0"/>
-                                  </p:stCondLst>
-                                  <p:childTnLst>
-                                    <p:set>
-                                      <p:cBhvr>
-                                        <p:cTn id="21" dur="1" fill="hold">
-                                          <p:stCondLst>
-                                            <p:cond delay="0"/>
-                                          </p:stCondLst>
-                                        </p:cTn>
-                                        <p:tgtEl>
-                                          <p:spTgt spid="2">
-                                            <p:txEl>
-                                              <p:pRg st="3" end="3"/>
-                                            </p:txEl>
-                                          </p:spTgt>
-                                        </p:tgtEl>
-                                        <p:attrNameLst>
-                                          <p:attrName>style.visibility</p:attrName>
-                                        </p:attrNameLst>
-                                      </p:cBhvr>
-                                      <p:to>
-                                        <p:strVal val="visible"/>
-                                      </p:to>
-                                    </p:set>
-                                    <p:animEffect transition="in" filter="fade">
-                                      <p:cBhvr>
-                                        <p:cTn id="22" dur="500"/>
-                                        <p:tgtEl>
-                                          <p:spTgt spid="2">
-                                            <p:txEl>
-                                              <p:pRg st="3" end="3"/>
-                                            </p:txEl>
-                                          </p:spTgt>
-                                        </p:tgtEl>
-                                      </p:cBhvr>
-                                    </p:animEffect>
-                                  </p:childTnLst>
-                                </p:cTn>
-                              </p:par>
-                            </p:childTnLst>
-                          </p:cTn>
-                        </p:par>
-                      </p:childTnLst>
-                    </p:cTn>
-                  </p:par>
                 </p:childTnLst>
               </p:cTn>
               <p:prevCondLst>
@@ -13757,7 +8922,7 @@
 </p:sld>
 </file>
 
-<file path=ppt/slides/slide7.xml><?xml version="1.0" encoding="utf-8"?>
+<file path=ppt/slides/slide5.xml><?xml version="1.0" encoding="utf-8"?>
 <p:sld xmlns:a="http://schemas.openxmlformats.org/drawingml/2006/main" xmlns:r="http://schemas.openxmlformats.org/officeDocument/2006/relationships" xmlns:p="http://schemas.openxmlformats.org/presentationml/2006/main">
   <p:cSld>
     <p:spTree>
@@ -13791,19 +8956,19 @@
           <a:p>
             <a:r>
               <a:rPr lang="en-US" dirty="0"/>
-              <a:t>Permeability and saturation are between 0 &amp; 1.</a:t>
+              <a:t>Facies and saturation are between 0 &amp; 1.</a:t>
             </a:r>
           </a:p>
           <a:p>
             <a:r>
               <a:rPr lang="en-US" dirty="0"/>
-              <a:t>Pressure is in wide range.</a:t>
+              <a:t>Pressure is in range of 0-500 bar.</a:t>
             </a:r>
           </a:p>
           <a:p>
             <a:r>
               <a:rPr lang="en-US" dirty="0"/>
-              <a:t>This normalization improves the model accuracy for pressure prediction.</a:t>
+              <a:t>Normalization improves the model accuracy for pressure prediction.</a:t>
             </a:r>
           </a:p>
         </p:txBody>
@@ -14159,7 +9324,7 @@
 </p:sld>
 </file>
 
-<file path=ppt/slides/slide8.xml><?xml version="1.0" encoding="utf-8"?>
+<file path=ppt/slides/slide6.xml><?xml version="1.0" encoding="utf-8"?>
 <p:sld xmlns:a="http://schemas.openxmlformats.org/drawingml/2006/main" xmlns:r="http://schemas.openxmlformats.org/officeDocument/2006/relationships" xmlns:p="http://schemas.openxmlformats.org/presentationml/2006/main">
   <p:cSld>
     <p:spTree>
@@ -14193,7 +9358,7 @@
           <a:p>
             <a:r>
               <a:rPr lang="en-US" dirty="0"/>
-              <a:t>Input : Permeability map &amp; initial saturation or pressure</a:t>
+              <a:t>Input : Permeability maps &amp; their corresponding initial saturations/pressures</a:t>
             </a:r>
           </a:p>
           <a:p>
@@ -14205,7 +9370,7 @@
           <a:p>
             <a:r>
               <a:rPr lang="en-US" dirty="0"/>
-              <a:t>Output : pressure or saturation</a:t>
+              <a:t>Output : pressures/saturations</a:t>
             </a:r>
           </a:p>
         </p:txBody>
@@ -14318,7 +9483,7 @@
 </p:sld>
 </file>
 
-<file path=ppt/slides/slide9.xml><?xml version="1.0" encoding="utf-8"?>
+<file path=ppt/slides/slide7.xml><?xml version="1.0" encoding="utf-8"?>
 <p:sld xmlns:a="http://schemas.openxmlformats.org/drawingml/2006/main" xmlns:r="http://schemas.openxmlformats.org/officeDocument/2006/relationships" xmlns:p="http://schemas.openxmlformats.org/presentationml/2006/main">
   <p:cSld>
     <p:spTree>
@@ -14347,7 +9512,7 @@
         </p:nvSpPr>
         <p:spPr>
           <a:xfrm>
-            <a:off x="457200" y="1023895"/>
+            <a:off x="457200" y="1004267"/>
             <a:ext cx="8229600" cy="380667"/>
           </a:xfrm>
         </p:spPr>
@@ -14378,7 +9543,12 @@
             <p:ph idx="1"/>
           </p:nvPr>
         </p:nvSpPr>
-        <p:spPr/>
+        <p:spPr>
+          <a:xfrm>
+            <a:off x="457200" y="1502736"/>
+            <a:ext cx="8229600" cy="2870636"/>
+          </a:xfrm>
+        </p:spPr>
         <p:txBody>
           <a:bodyPr/>
           <a:lstStyle/>
@@ -14388,7 +9558,7 @@
             </a:pPr>
             <a:r>
               <a:rPr lang="en-US" dirty="0"/>
-              <a:t>Recently used model: Residual Recurrent U-Net</a:t>
+              <a:t>Recently proposed model: Residual Recurrent U-Net (Tang et al.)</a:t>
             </a:r>
           </a:p>
           <a:p>
@@ -14397,45 +9567,113 @@
             </a:pPr>
             <a:r>
               <a:rPr lang="en-US" dirty="0"/>
-              <a:t>Our propose model: Attention Residual Recurrent U-Net</a:t>
-            </a:r>
-          </a:p>
-          <a:p>
-            <a:r>
-              <a:rPr lang="en-US" dirty="0"/>
-              <a:t>Convolution block </a:t>
-            </a:r>
-          </a:p>
-          <a:p>
-            <a:r>
-              <a:rPr lang="en-US" dirty="0"/>
-              <a:t>Residual block</a:t>
-            </a:r>
-          </a:p>
-          <a:p>
-            <a:r>
-              <a:rPr lang="en-US" dirty="0" err="1"/>
-              <a:t>ConvLSTM</a:t>
-            </a:r>
-            <a:endParaRPr lang="en-US" dirty="0"/>
-          </a:p>
-          <a:p>
-            <a:r>
-              <a:rPr lang="en-US" dirty="0"/>
-              <a:t>Attention block</a:t>
-            </a:r>
-          </a:p>
-          <a:p>
-            <a:r>
-              <a:rPr lang="en-US" dirty="0"/>
-              <a:t>Deconvolution block </a:t>
-            </a:r>
-          </a:p>
-          <a:p>
+              <a:t>Our proposed model: Attention Residual Recurrent U-Net</a:t>
+            </a:r>
+          </a:p>
+          <a:p>
+            <a:pPr marL="0" indent="0">
+              <a:buNone/>
+            </a:pPr>
             <a:endParaRPr lang="en-US" dirty="0"/>
           </a:p>
         </p:txBody>
       </p:sp>
+      <p:sp>
+        <p:nvSpPr>
+          <p:cNvPr id="4" name="Text Placeholder 8">
+            <a:extLst>
+              <a:ext uri="{FF2B5EF4-FFF2-40B4-BE49-F238E27FC236}">
+                <a16:creationId xmlns:a16="http://schemas.microsoft.com/office/drawing/2014/main" id="{D94615B8-EB20-402C-92BD-5D34EA939A8B}"/>
+              </a:ext>
+            </a:extLst>
+          </p:cNvPr>
+          <p:cNvSpPr>
+            <a:spLocks noGrp="1"/>
+          </p:cNvSpPr>
+          <p:nvPr>
+            <p:ph type="body" sz="quarter" idx="10"/>
+          </p:nvPr>
+        </p:nvSpPr>
+        <p:spPr>
+          <a:xfrm>
+            <a:off x="6553925" y="497144"/>
+            <a:ext cx="2132875" cy="234218"/>
+          </a:xfrm>
+        </p:spPr>
+        <p:txBody>
+          <a:bodyPr/>
+          <a:lstStyle/>
+          <a:p>
+            <a:r>
+              <a:rPr lang="en-US" dirty="0"/>
+              <a:t>Deep learning proxy of reservoir simulation</a:t>
+            </a:r>
+          </a:p>
+          <a:p>
+            <a:endParaRPr lang="en-US" dirty="0"/>
+          </a:p>
+        </p:txBody>
+      </p:sp>
+      <p:pic>
+        <p:nvPicPr>
+          <p:cNvPr id="5" name="Content Placeholder 4">
+            <a:extLst>
+              <a:ext uri="{FF2B5EF4-FFF2-40B4-BE49-F238E27FC236}">
+                <a16:creationId xmlns:a16="http://schemas.microsoft.com/office/drawing/2014/main" id="{876FEED7-2192-438C-9DF9-4B06219095C1}"/>
+              </a:ext>
+            </a:extLst>
+          </p:cNvPr>
+          <p:cNvPicPr>
+            <a:picLocks noChangeAspect="1"/>
+          </p:cNvPicPr>
+          <p:nvPr/>
+        </p:nvPicPr>
+        <p:blipFill>
+          <a:blip r:embed="rId2"/>
+          <a:stretch>
+            <a:fillRect/>
+          </a:stretch>
+        </p:blipFill>
+        <p:spPr>
+          <a:xfrm>
+            <a:off x="1422329" y="2156308"/>
+            <a:ext cx="5848576" cy="1140202"/>
+          </a:xfrm>
+          <a:prstGeom prst="rect">
+            <a:avLst/>
+          </a:prstGeom>
+        </p:spPr>
+      </p:pic>
+      <p:pic>
+        <p:nvPicPr>
+          <p:cNvPr id="6" name="Picture 5">
+            <a:extLst>
+              <a:ext uri="{FF2B5EF4-FFF2-40B4-BE49-F238E27FC236}">
+                <a16:creationId xmlns:a16="http://schemas.microsoft.com/office/drawing/2014/main" id="{5C642416-90ED-49F4-ABF7-C824783BE822}"/>
+              </a:ext>
+            </a:extLst>
+          </p:cNvPr>
+          <p:cNvPicPr>
+            <a:picLocks noChangeAspect="1"/>
+          </p:cNvPicPr>
+          <p:nvPr/>
+        </p:nvPicPr>
+        <p:blipFill>
+          <a:blip r:embed="rId3"/>
+          <a:stretch>
+            <a:fillRect/>
+          </a:stretch>
+        </p:blipFill>
+        <p:spPr>
+          <a:xfrm>
+            <a:off x="950954" y="3394683"/>
+            <a:ext cx="6791325" cy="1251673"/>
+          </a:xfrm>
+          <a:prstGeom prst="rect">
+            <a:avLst/>
+          </a:prstGeom>
+        </p:spPr>
+      </p:pic>
     </p:spTree>
     <p:extLst>
       <p:ext uri="{BB962C8B-B14F-4D97-AF65-F5344CB8AC3E}">
@@ -14446,6 +9684,1008 @@
   <p:clrMapOvr>
     <a:masterClrMapping/>
   </p:clrMapOvr>
+</p:sld>
+</file>
+
+<file path=ppt/slides/slide8.xml><?xml version="1.0" encoding="utf-8"?>
+<p:sld xmlns:a="http://schemas.openxmlformats.org/drawingml/2006/main" xmlns:r="http://schemas.openxmlformats.org/officeDocument/2006/relationships" xmlns:p="http://schemas.openxmlformats.org/presentationml/2006/main">
+  <p:cSld>
+    <p:spTree>
+      <p:nvGrpSpPr>
+        <p:cNvPr id="1" name=""/>
+        <p:cNvGrpSpPr/>
+        <p:nvPr/>
+      </p:nvGrpSpPr>
+      <p:grpSpPr>
+        <a:xfrm>
+          <a:off x="0" y="0"/>
+          <a:ext cx="0" cy="0"/>
+          <a:chOff x="0" y="0"/>
+          <a:chExt cx="0" cy="0"/>
+        </a:xfrm>
+      </p:grpSpPr>
+      <p:sp>
+        <p:nvSpPr>
+          <p:cNvPr id="3" name="Title 2">
+            <a:extLst>
+              <a:ext uri="{FF2B5EF4-FFF2-40B4-BE49-F238E27FC236}">
+                <a16:creationId xmlns:a16="http://schemas.microsoft.com/office/drawing/2014/main" id="{2A01C16D-91FE-42E9-BB49-0E6ED9311CBB}"/>
+              </a:ext>
+            </a:extLst>
+          </p:cNvPr>
+          <p:cNvSpPr>
+            <a:spLocks noGrp="1"/>
+          </p:cNvSpPr>
+          <p:nvPr>
+            <p:ph type="title"/>
+          </p:nvPr>
+        </p:nvSpPr>
+        <p:spPr>
+          <a:xfrm>
+            <a:off x="457200" y="981619"/>
+            <a:ext cx="8229600" cy="738324"/>
+          </a:xfrm>
+        </p:spPr>
+        <p:txBody>
+          <a:bodyPr/>
+          <a:lstStyle/>
+          <a:p>
+            <a:r>
+              <a:rPr lang="en-US" dirty="0"/>
+              <a:t>Comparison between pressure results from different models</a:t>
+            </a:r>
+          </a:p>
+        </p:txBody>
+      </p:sp>
+      <p:sp>
+        <p:nvSpPr>
+          <p:cNvPr id="5" name="Text Placeholder 4">
+            <a:extLst>
+              <a:ext uri="{FF2B5EF4-FFF2-40B4-BE49-F238E27FC236}">
+                <a16:creationId xmlns:a16="http://schemas.microsoft.com/office/drawing/2014/main" id="{CC765D07-129F-4223-8481-57038CADBB6C}"/>
+              </a:ext>
+            </a:extLst>
+          </p:cNvPr>
+          <p:cNvSpPr>
+            <a:spLocks noGrp="1"/>
+          </p:cNvSpPr>
+          <p:nvPr>
+            <p:ph type="body" sz="quarter" idx="10"/>
+          </p:nvPr>
+        </p:nvSpPr>
+        <p:spPr/>
+        <p:txBody>
+          <a:bodyPr/>
+          <a:lstStyle/>
+          <a:p>
+            <a:r>
+              <a:rPr lang="en-US" dirty="0"/>
+              <a:t>Deep learning proxy of reservoir simulation</a:t>
+            </a:r>
+          </a:p>
+          <a:p>
+            <a:endParaRPr lang="en-US" dirty="0"/>
+          </a:p>
+        </p:txBody>
+      </p:sp>
+      <p:sp>
+        <p:nvSpPr>
+          <p:cNvPr id="6" name="Text Placeholder 5">
+            <a:extLst>
+              <a:ext uri="{FF2B5EF4-FFF2-40B4-BE49-F238E27FC236}">
+                <a16:creationId xmlns:a16="http://schemas.microsoft.com/office/drawing/2014/main" id="{56460814-357F-45C2-81D3-8F7EC68E3868}"/>
+              </a:ext>
+            </a:extLst>
+          </p:cNvPr>
+          <p:cNvSpPr>
+            <a:spLocks noGrp="1"/>
+          </p:cNvSpPr>
+          <p:nvPr>
+            <p:ph type="body" sz="quarter" idx="13"/>
+          </p:nvPr>
+        </p:nvSpPr>
+        <p:spPr/>
+        <p:txBody>
+          <a:bodyPr/>
+          <a:lstStyle/>
+          <a:p>
+            <a:endParaRPr lang="en-US"/>
+          </a:p>
+        </p:txBody>
+      </p:sp>
+      <p:sp>
+        <p:nvSpPr>
+          <p:cNvPr id="2" name="TextBox 1">
+            <a:extLst>
+              <a:ext uri="{FF2B5EF4-FFF2-40B4-BE49-F238E27FC236}">
+                <a16:creationId xmlns:a16="http://schemas.microsoft.com/office/drawing/2014/main" id="{D612B04F-9662-4D18-85F4-7D5041985455}"/>
+              </a:ext>
+            </a:extLst>
+          </p:cNvPr>
+          <p:cNvSpPr txBox="1"/>
+          <p:nvPr/>
+        </p:nvSpPr>
+        <p:spPr>
+          <a:xfrm>
+            <a:off x="-78969" y="3794255"/>
+            <a:ext cx="1644379" cy="830997"/>
+          </a:xfrm>
+          <a:prstGeom prst="rect">
+            <a:avLst/>
+          </a:prstGeom>
+          <a:noFill/>
+        </p:spPr>
+        <p:txBody>
+          <a:bodyPr wrap="square" rtlCol="0">
+            <a:spAutoFit/>
+          </a:bodyPr>
+          <a:lstStyle/>
+          <a:p>
+            <a:pPr algn="ctr"/>
+            <a:r>
+              <a:rPr lang="en-US" sz="1600" dirty="0"/>
+              <a:t>Pressure results from Intersect</a:t>
+            </a:r>
+          </a:p>
+        </p:txBody>
+      </p:sp>
+      <p:pic>
+        <p:nvPicPr>
+          <p:cNvPr id="16" name="Content Placeholder 15">
+            <a:extLst>
+              <a:ext uri="{FF2B5EF4-FFF2-40B4-BE49-F238E27FC236}">
+                <a16:creationId xmlns:a16="http://schemas.microsoft.com/office/drawing/2014/main" id="{A6242942-8551-4B9C-B6F9-09B26A897C29}"/>
+              </a:ext>
+            </a:extLst>
+          </p:cNvPr>
+          <p:cNvPicPr>
+            <a:picLocks noGrp="1" noChangeAspect="1"/>
+          </p:cNvPicPr>
+          <p:nvPr>
+            <p:ph idx="11"/>
+          </p:nvPr>
+        </p:nvPicPr>
+        <p:blipFill rotWithShape="1">
+          <a:blip r:embed="rId2"/>
+          <a:srcRect l="24613" t="11564" r="25037" b="7004"/>
+          <a:stretch/>
+        </p:blipFill>
+        <p:spPr>
+          <a:xfrm>
+            <a:off x="34185" y="2094672"/>
+            <a:ext cx="1644380" cy="1662129"/>
+          </a:xfrm>
+        </p:spPr>
+      </p:pic>
+      <p:pic>
+        <p:nvPicPr>
+          <p:cNvPr id="30" name="Content Placeholder 29">
+            <a:extLst>
+              <a:ext uri="{FF2B5EF4-FFF2-40B4-BE49-F238E27FC236}">
+                <a16:creationId xmlns:a16="http://schemas.microsoft.com/office/drawing/2014/main" id="{AAD6FC0B-138F-40DB-A852-BD509259ED00}"/>
+              </a:ext>
+            </a:extLst>
+          </p:cNvPr>
+          <p:cNvPicPr>
+            <a:picLocks noGrp="1" noChangeAspect="1"/>
+          </p:cNvPicPr>
+          <p:nvPr>
+            <p:ph idx="12"/>
+          </p:nvPr>
+        </p:nvPicPr>
+        <p:blipFill rotWithShape="1">
+          <a:blip r:embed="rId3"/>
+          <a:srcRect l="24540" t="11125" r="25558" b="6818"/>
+          <a:stretch/>
+        </p:blipFill>
+        <p:spPr>
+          <a:xfrm>
+            <a:off x="3388909" y="2094672"/>
+            <a:ext cx="1647938" cy="1693557"/>
+          </a:xfrm>
+        </p:spPr>
+      </p:pic>
+      <p:pic>
+        <p:nvPicPr>
+          <p:cNvPr id="32" name="Picture 31">
+            <a:extLst>
+              <a:ext uri="{FF2B5EF4-FFF2-40B4-BE49-F238E27FC236}">
+                <a16:creationId xmlns:a16="http://schemas.microsoft.com/office/drawing/2014/main" id="{84A4C773-6519-4B5E-949E-8DC67B5EBFFF}"/>
+              </a:ext>
+            </a:extLst>
+          </p:cNvPr>
+          <p:cNvPicPr>
+            <a:picLocks noChangeAspect="1"/>
+          </p:cNvPicPr>
+          <p:nvPr/>
+        </p:nvPicPr>
+        <p:blipFill rotWithShape="1">
+          <a:blip r:embed="rId4"/>
+          <a:srcRect l="23941" t="11191" r="25841" b="7831"/>
+          <a:stretch/>
+        </p:blipFill>
+        <p:spPr>
+          <a:xfrm>
+            <a:off x="1672372" y="2088934"/>
+            <a:ext cx="1679127" cy="1692282"/>
+          </a:xfrm>
+          <a:prstGeom prst="rect">
+            <a:avLst/>
+          </a:prstGeom>
+        </p:spPr>
+      </p:pic>
+      <p:pic>
+        <p:nvPicPr>
+          <p:cNvPr id="36" name="Picture 35">
+            <a:extLst>
+              <a:ext uri="{FF2B5EF4-FFF2-40B4-BE49-F238E27FC236}">
+                <a16:creationId xmlns:a16="http://schemas.microsoft.com/office/drawing/2014/main" id="{9B83C5B7-8B42-4818-ACE5-CC7A93B57F33}"/>
+              </a:ext>
+            </a:extLst>
+          </p:cNvPr>
+          <p:cNvPicPr>
+            <a:picLocks noChangeAspect="1"/>
+          </p:cNvPicPr>
+          <p:nvPr/>
+        </p:nvPicPr>
+        <p:blipFill rotWithShape="1">
+          <a:blip r:embed="rId5"/>
+          <a:srcRect l="21759" t="10269" r="25543" b="2847"/>
+          <a:stretch/>
+        </p:blipFill>
+        <p:spPr>
+          <a:xfrm>
+            <a:off x="7086412" y="2084385"/>
+            <a:ext cx="1715317" cy="1696830"/>
+          </a:xfrm>
+          <a:prstGeom prst="rect">
+            <a:avLst/>
+          </a:prstGeom>
+        </p:spPr>
+      </p:pic>
+      <p:pic>
+        <p:nvPicPr>
+          <p:cNvPr id="40" name="Picture 39">
+            <a:extLst>
+              <a:ext uri="{FF2B5EF4-FFF2-40B4-BE49-F238E27FC236}">
+                <a16:creationId xmlns:a16="http://schemas.microsoft.com/office/drawing/2014/main" id="{C8AF1C5D-ECAF-43D8-9B70-9F1224D04442}"/>
+              </a:ext>
+            </a:extLst>
+          </p:cNvPr>
+          <p:cNvPicPr>
+            <a:picLocks noChangeAspect="1"/>
+          </p:cNvPicPr>
+          <p:nvPr/>
+        </p:nvPicPr>
+        <p:blipFill rotWithShape="1">
+          <a:blip r:embed="rId6"/>
+          <a:srcRect l="22127" t="10342" r="25175" b="2774"/>
+          <a:stretch/>
+        </p:blipFill>
+        <p:spPr>
+          <a:xfrm>
+            <a:off x="5401064" y="2079422"/>
+            <a:ext cx="1715317" cy="1696830"/>
+          </a:xfrm>
+          <a:prstGeom prst="rect">
+            <a:avLst/>
+          </a:prstGeom>
+        </p:spPr>
+      </p:pic>
+      <p:sp>
+        <p:nvSpPr>
+          <p:cNvPr id="41" name="TextBox 40">
+            <a:extLst>
+              <a:ext uri="{FF2B5EF4-FFF2-40B4-BE49-F238E27FC236}">
+                <a16:creationId xmlns:a16="http://schemas.microsoft.com/office/drawing/2014/main" id="{36736D3C-777D-4471-9D9B-5441002E36E8}"/>
+              </a:ext>
+            </a:extLst>
+          </p:cNvPr>
+          <p:cNvSpPr txBox="1"/>
+          <p:nvPr/>
+        </p:nvSpPr>
+        <p:spPr>
+          <a:xfrm>
+            <a:off x="1643541" y="3776252"/>
+            <a:ext cx="1644379" cy="830997"/>
+          </a:xfrm>
+          <a:prstGeom prst="rect">
+            <a:avLst/>
+          </a:prstGeom>
+          <a:noFill/>
+        </p:spPr>
+        <p:txBody>
+          <a:bodyPr wrap="square" rtlCol="0">
+            <a:spAutoFit/>
+          </a:bodyPr>
+          <a:lstStyle/>
+          <a:p>
+            <a:pPr algn="ctr"/>
+            <a:r>
+              <a:rPr lang="en-US" sz="1600" dirty="0"/>
+              <a:t>Pressure results from our proposed model</a:t>
+            </a:r>
+          </a:p>
+        </p:txBody>
+      </p:sp>
+      <p:sp>
+        <p:nvSpPr>
+          <p:cNvPr id="42" name="TextBox 41">
+            <a:extLst>
+              <a:ext uri="{FF2B5EF4-FFF2-40B4-BE49-F238E27FC236}">
+                <a16:creationId xmlns:a16="http://schemas.microsoft.com/office/drawing/2014/main" id="{28846516-4F62-4B7F-B08A-5ECA80CA3E07}"/>
+              </a:ext>
+            </a:extLst>
+          </p:cNvPr>
+          <p:cNvSpPr txBox="1"/>
+          <p:nvPr/>
+        </p:nvSpPr>
+        <p:spPr>
+          <a:xfrm>
+            <a:off x="3471679" y="3806871"/>
+            <a:ext cx="1657168" cy="830997"/>
+          </a:xfrm>
+          <a:prstGeom prst="rect">
+            <a:avLst/>
+          </a:prstGeom>
+          <a:noFill/>
+        </p:spPr>
+        <p:txBody>
+          <a:bodyPr wrap="square" rtlCol="0">
+            <a:spAutoFit/>
+          </a:bodyPr>
+          <a:lstStyle/>
+          <a:p>
+            <a:pPr algn="ctr"/>
+            <a:r>
+              <a:rPr lang="en-US" sz="1600" dirty="0"/>
+              <a:t>Pressure results from previous proposed model</a:t>
+            </a:r>
+          </a:p>
+        </p:txBody>
+      </p:sp>
+      <p:sp>
+        <p:nvSpPr>
+          <p:cNvPr id="43" name="TextBox 42">
+            <a:extLst>
+              <a:ext uri="{FF2B5EF4-FFF2-40B4-BE49-F238E27FC236}">
+                <a16:creationId xmlns:a16="http://schemas.microsoft.com/office/drawing/2014/main" id="{FDC3012A-DD59-4835-ADEF-E56A113A845F}"/>
+              </a:ext>
+            </a:extLst>
+          </p:cNvPr>
+          <p:cNvSpPr txBox="1"/>
+          <p:nvPr/>
+        </p:nvSpPr>
+        <p:spPr>
+          <a:xfrm>
+            <a:off x="5350074" y="3822003"/>
+            <a:ext cx="2011898" cy="830997"/>
+          </a:xfrm>
+          <a:prstGeom prst="rect">
+            <a:avLst/>
+          </a:prstGeom>
+          <a:noFill/>
+        </p:spPr>
+        <p:txBody>
+          <a:bodyPr wrap="square" rtlCol="0">
+            <a:spAutoFit/>
+          </a:bodyPr>
+          <a:lstStyle/>
+          <a:p>
+            <a:pPr algn="ctr"/>
+            <a:r>
+              <a:rPr lang="en-US" sz="1600" dirty="0"/>
+              <a:t>Difference between our proposed model and Intersect </a:t>
+            </a:r>
+          </a:p>
+        </p:txBody>
+      </p:sp>
+      <p:sp>
+        <p:nvSpPr>
+          <p:cNvPr id="44" name="TextBox 43">
+            <a:extLst>
+              <a:ext uri="{FF2B5EF4-FFF2-40B4-BE49-F238E27FC236}">
+                <a16:creationId xmlns:a16="http://schemas.microsoft.com/office/drawing/2014/main" id="{6ACC05F5-BF39-46F9-AE1E-DCE18FBD72D9}"/>
+              </a:ext>
+            </a:extLst>
+          </p:cNvPr>
+          <p:cNvSpPr txBox="1"/>
+          <p:nvPr/>
+        </p:nvSpPr>
+        <p:spPr>
+          <a:xfrm>
+            <a:off x="7239941" y="3807665"/>
+            <a:ext cx="2011898" cy="830997"/>
+          </a:xfrm>
+          <a:prstGeom prst="rect">
+            <a:avLst/>
+          </a:prstGeom>
+          <a:noFill/>
+        </p:spPr>
+        <p:txBody>
+          <a:bodyPr wrap="square" rtlCol="0">
+            <a:spAutoFit/>
+          </a:bodyPr>
+          <a:lstStyle/>
+          <a:p>
+            <a:pPr algn="ctr"/>
+            <a:r>
+              <a:rPr lang="en-US" sz="1600" dirty="0"/>
+              <a:t>Difference between previous proposed model and Intersect </a:t>
+            </a:r>
+          </a:p>
+        </p:txBody>
+      </p:sp>
+      <p:pic>
+        <p:nvPicPr>
+          <p:cNvPr id="46" name="Picture 45">
+            <a:extLst>
+              <a:ext uri="{FF2B5EF4-FFF2-40B4-BE49-F238E27FC236}">
+                <a16:creationId xmlns:a16="http://schemas.microsoft.com/office/drawing/2014/main" id="{CC04891C-A9BC-47E3-898B-9A13580E4C71}"/>
+              </a:ext>
+            </a:extLst>
+          </p:cNvPr>
+          <p:cNvPicPr>
+            <a:picLocks noChangeAspect="1"/>
+          </p:cNvPicPr>
+          <p:nvPr/>
+        </p:nvPicPr>
+        <p:blipFill>
+          <a:blip r:embed="rId7"/>
+          <a:stretch>
+            <a:fillRect/>
+          </a:stretch>
+        </p:blipFill>
+        <p:spPr>
+          <a:xfrm>
+            <a:off x="5074257" y="2086660"/>
+            <a:ext cx="326807" cy="1696830"/>
+          </a:xfrm>
+          <a:prstGeom prst="rect">
+            <a:avLst/>
+          </a:prstGeom>
+        </p:spPr>
+      </p:pic>
+      <p:pic>
+        <p:nvPicPr>
+          <p:cNvPr id="48" name="Picture 47">
+            <a:extLst>
+              <a:ext uri="{FF2B5EF4-FFF2-40B4-BE49-F238E27FC236}">
+                <a16:creationId xmlns:a16="http://schemas.microsoft.com/office/drawing/2014/main" id="{1D4DE6F7-5853-4A00-8F43-9249596EC84C}"/>
+              </a:ext>
+            </a:extLst>
+          </p:cNvPr>
+          <p:cNvPicPr>
+            <a:picLocks noChangeAspect="1"/>
+          </p:cNvPicPr>
+          <p:nvPr/>
+        </p:nvPicPr>
+        <p:blipFill>
+          <a:blip r:embed="rId8"/>
+          <a:stretch>
+            <a:fillRect/>
+          </a:stretch>
+        </p:blipFill>
+        <p:spPr>
+          <a:xfrm>
+            <a:off x="8801729" y="2088934"/>
+            <a:ext cx="356733" cy="1662129"/>
+          </a:xfrm>
+          <a:prstGeom prst="rect">
+            <a:avLst/>
+          </a:prstGeom>
+        </p:spPr>
+      </p:pic>
+    </p:spTree>
+    <p:extLst>
+      <p:ext uri="{BB962C8B-B14F-4D97-AF65-F5344CB8AC3E}">
+        <p14:creationId xmlns:p14="http://schemas.microsoft.com/office/powerpoint/2010/main" val="480444660"/>
+      </p:ext>
+    </p:extLst>
+  </p:cSld>
+  <p:clrMapOvr>
+    <a:masterClrMapping/>
+  </p:clrMapOvr>
+</p:sld>
+</file>
+
+<file path=ppt/slides/slide9.xml><?xml version="1.0" encoding="utf-8"?>
+<p:sld xmlns:a="http://schemas.openxmlformats.org/drawingml/2006/main" xmlns:r="http://schemas.openxmlformats.org/officeDocument/2006/relationships" xmlns:p="http://schemas.openxmlformats.org/presentationml/2006/main">
+  <p:cSld>
+    <p:spTree>
+      <p:nvGrpSpPr>
+        <p:cNvPr id="1" name=""/>
+        <p:cNvGrpSpPr/>
+        <p:nvPr/>
+      </p:nvGrpSpPr>
+      <p:grpSpPr>
+        <a:xfrm>
+          <a:off x="0" y="0"/>
+          <a:ext cx="0" cy="0"/>
+          <a:chOff x="0" y="0"/>
+          <a:chExt cx="0" cy="0"/>
+        </a:xfrm>
+      </p:grpSpPr>
+      <p:sp>
+        <p:nvSpPr>
+          <p:cNvPr id="7" name="Text Placeholder 6">
+            <a:extLst>
+              <a:ext uri="{FF2B5EF4-FFF2-40B4-BE49-F238E27FC236}">
+                <a16:creationId xmlns:a16="http://schemas.microsoft.com/office/drawing/2014/main" id="{F1A87B17-2B77-4C2F-B910-CBAEEF40F388}"/>
+              </a:ext>
+            </a:extLst>
+          </p:cNvPr>
+          <p:cNvSpPr>
+            <a:spLocks noGrp="1"/>
+          </p:cNvSpPr>
+          <p:nvPr>
+            <p:ph type="body" sz="quarter" idx="12"/>
+          </p:nvPr>
+        </p:nvSpPr>
+        <p:spPr/>
+        <p:txBody>
+          <a:bodyPr/>
+          <a:lstStyle/>
+          <a:p>
+            <a:endParaRPr lang="en-US"/>
+          </a:p>
+        </p:txBody>
+      </p:sp>
+      <p:sp>
+        <p:nvSpPr>
+          <p:cNvPr id="9" name="Text Placeholder 8">
+            <a:extLst>
+              <a:ext uri="{FF2B5EF4-FFF2-40B4-BE49-F238E27FC236}">
+                <a16:creationId xmlns:a16="http://schemas.microsoft.com/office/drawing/2014/main" id="{90A82A4F-19FB-4FF1-94AC-33F939F384BD}"/>
+              </a:ext>
+            </a:extLst>
+          </p:cNvPr>
+          <p:cNvSpPr>
+            <a:spLocks noGrp="1"/>
+          </p:cNvSpPr>
+          <p:nvPr>
+            <p:ph type="body" sz="quarter" idx="10"/>
+          </p:nvPr>
+        </p:nvSpPr>
+        <p:spPr/>
+        <p:txBody>
+          <a:bodyPr/>
+          <a:lstStyle/>
+          <a:p>
+            <a:r>
+              <a:rPr lang="en-US" dirty="0"/>
+              <a:t>Deep learning proxy of reservoir simulation</a:t>
+            </a:r>
+          </a:p>
+          <a:p>
+            <a:endParaRPr lang="en-US" dirty="0"/>
+          </a:p>
+        </p:txBody>
+      </p:sp>
+      <p:graphicFrame>
+        <p:nvGraphicFramePr>
+          <p:cNvPr id="11" name="Content Placeholder 10">
+            <a:extLst>
+              <a:ext uri="{FF2B5EF4-FFF2-40B4-BE49-F238E27FC236}">
+                <a16:creationId xmlns:a16="http://schemas.microsoft.com/office/drawing/2014/main" id="{7AF63934-6F43-4096-B975-21CA3ABFD527}"/>
+              </a:ext>
+            </a:extLst>
+          </p:cNvPr>
+          <p:cNvGraphicFramePr>
+            <a:graphicFrameLocks noGrp="1"/>
+          </p:cNvGraphicFramePr>
+          <p:nvPr>
+            <p:ph idx="1"/>
+            <p:extLst>
+              <p:ext uri="{D42A27DB-BD31-4B8C-83A1-F6EECF244321}">
+                <p14:modId xmlns:p14="http://schemas.microsoft.com/office/powerpoint/2010/main" val="965009410"/>
+              </p:ext>
+            </p:extLst>
+          </p:nvPr>
+        </p:nvGraphicFramePr>
+        <p:xfrm>
+          <a:off x="457200" y="1103086"/>
+          <a:ext cx="8229600" cy="3490686"/>
+        </p:xfrm>
+        <a:graphic>
+          <a:graphicData uri="http://schemas.openxmlformats.org/drawingml/2006/chart">
+            <c:chart xmlns:c="http://schemas.openxmlformats.org/drawingml/2006/chart" xmlns:r="http://schemas.openxmlformats.org/officeDocument/2006/relationships" r:id="rId2"/>
+          </a:graphicData>
+        </a:graphic>
+      </p:graphicFrame>
+      <p:sp>
+        <p:nvSpPr>
+          <p:cNvPr id="14" name="Wave 13">
+            <a:extLst>
+              <a:ext uri="{FF2B5EF4-FFF2-40B4-BE49-F238E27FC236}">
+                <a16:creationId xmlns:a16="http://schemas.microsoft.com/office/drawing/2014/main" id="{C0F05F61-D5EA-4F12-821D-F3E3F02DA7FF}"/>
+              </a:ext>
+            </a:extLst>
+          </p:cNvPr>
+          <p:cNvSpPr/>
+          <p:nvPr/>
+        </p:nvSpPr>
+        <p:spPr>
+          <a:xfrm>
+            <a:off x="7194222" y="647839"/>
+            <a:ext cx="45719" cy="45719"/>
+          </a:xfrm>
+          <a:prstGeom prst="wave">
+            <a:avLst/>
+          </a:prstGeom>
+        </p:spPr>
+        <p:style>
+          <a:lnRef idx="1">
+            <a:schemeClr val="accent1"/>
+          </a:lnRef>
+          <a:fillRef idx="3">
+            <a:schemeClr val="accent1"/>
+          </a:fillRef>
+          <a:effectRef idx="2">
+            <a:schemeClr val="accent1"/>
+          </a:effectRef>
+          <a:fontRef idx="minor">
+            <a:schemeClr val="lt1"/>
+          </a:fontRef>
+        </p:style>
+        <p:txBody>
+          <a:bodyPr rtlCol="0" anchor="ctr"/>
+          <a:lstStyle/>
+          <a:p>
+            <a:pPr algn="ctr"/>
+            <a:endParaRPr lang="en-US"/>
+          </a:p>
+        </p:txBody>
+      </p:sp>
+      <p:sp>
+        <p:nvSpPr>
+          <p:cNvPr id="16" name="Wave 15">
+            <a:extLst>
+              <a:ext uri="{FF2B5EF4-FFF2-40B4-BE49-F238E27FC236}">
+                <a16:creationId xmlns:a16="http://schemas.microsoft.com/office/drawing/2014/main" id="{67C85BEC-894A-40E6-92B6-E219A39AE532}"/>
+              </a:ext>
+            </a:extLst>
+          </p:cNvPr>
+          <p:cNvSpPr/>
+          <p:nvPr/>
+        </p:nvSpPr>
+        <p:spPr>
+          <a:xfrm>
+            <a:off x="2109298" y="1603991"/>
+            <a:ext cx="3505562" cy="667494"/>
+          </a:xfrm>
+          <a:prstGeom prst="wave">
+            <a:avLst/>
+          </a:prstGeom>
+          <a:noFill/>
+          <a:ln>
+            <a:noFill/>
+          </a:ln>
+        </p:spPr>
+        <p:style>
+          <a:lnRef idx="0">
+            <a:scrgbClr r="0" g="0" b="0"/>
+          </a:lnRef>
+          <a:fillRef idx="0">
+            <a:scrgbClr r="0" g="0" b="0"/>
+          </a:fillRef>
+          <a:effectRef idx="0">
+            <a:scrgbClr r="0" g="0" b="0"/>
+          </a:effectRef>
+          <a:fontRef idx="minor">
+            <a:schemeClr val="accent6"/>
+          </a:fontRef>
+        </p:style>
+        <p:txBody>
+          <a:bodyPr rtlCol="0" anchor="ctr"/>
+          <a:lstStyle/>
+          <a:p>
+            <a:pPr algn="ctr"/>
+            <a:r>
+              <a:rPr lang="en-US" dirty="0"/>
+              <a:t>Model accuracy improvement :</a:t>
+            </a:r>
+          </a:p>
+          <a:p>
+            <a:pPr algn="ctr"/>
+            <a:r>
+              <a:rPr lang="en-US" dirty="0"/>
+              <a:t>Saturation: 0.2%</a:t>
+            </a:r>
+          </a:p>
+          <a:p>
+            <a:pPr algn="ctr"/>
+            <a:r>
+              <a:rPr lang="en-US" dirty="0"/>
+              <a:t>Pressure: 0.2%</a:t>
+            </a:r>
+          </a:p>
+        </p:txBody>
+      </p:sp>
+    </p:spTree>
+    <p:extLst>
+      <p:ext uri="{BB962C8B-B14F-4D97-AF65-F5344CB8AC3E}">
+        <p14:creationId xmlns:p14="http://schemas.microsoft.com/office/powerpoint/2010/main" val="1890560691"/>
+      </p:ext>
+    </p:extLst>
+  </p:cSld>
+  <p:clrMapOvr>
+    <a:masterClrMapping/>
+  </p:clrMapOvr>
+  <p:timing>
+    <p:tnLst>
+      <p:par>
+        <p:cTn id="1" dur="indefinite" restart="never" nodeType="tmRoot">
+          <p:childTnLst>
+            <p:seq concurrent="1" nextAc="seek">
+              <p:cTn id="2" dur="indefinite" nodeType="mainSeq">
+                <p:childTnLst>
+                  <p:par>
+                    <p:cTn id="3" fill="hold">
+                      <p:stCondLst>
+                        <p:cond delay="indefinite"/>
+                      </p:stCondLst>
+                      <p:childTnLst>
+                        <p:par>
+                          <p:cTn id="4" fill="hold">
+                            <p:stCondLst>
+                              <p:cond delay="0"/>
+                            </p:stCondLst>
+                            <p:childTnLst>
+                              <p:par>
+                                <p:cTn id="5" presetID="10" presetClass="entr" presetSubtype="0" fill="hold" grpId="0" nodeType="clickEffect">
+                                  <p:stCondLst>
+                                    <p:cond delay="0"/>
+                                  </p:stCondLst>
+                                  <p:childTnLst>
+                                    <p:set>
+                                      <p:cBhvr>
+                                        <p:cTn id="6" dur="1" fill="hold">
+                                          <p:stCondLst>
+                                            <p:cond delay="0"/>
+                                          </p:stCondLst>
+                                        </p:cTn>
+                                        <p:tgtEl>
+                                          <p:spTgt spid="11">
+                                            <p:graphicEl>
+                                              <a:chart seriesIdx="-3" categoryIdx="-3" bldStep="gridLegend"/>
+                                            </p:graphicEl>
+                                          </p:spTgt>
+                                        </p:tgtEl>
+                                        <p:attrNameLst>
+                                          <p:attrName>style.visibility</p:attrName>
+                                        </p:attrNameLst>
+                                      </p:cBhvr>
+                                      <p:to>
+                                        <p:strVal val="visible"/>
+                                      </p:to>
+                                    </p:set>
+                                    <p:animEffect transition="in" filter="fade">
+                                      <p:cBhvr>
+                                        <p:cTn id="7" dur="500"/>
+                                        <p:tgtEl>
+                                          <p:spTgt spid="11">
+                                            <p:graphicEl>
+                                              <a:chart seriesIdx="-3" categoryIdx="-3" bldStep="gridLegend"/>
+                                            </p:graphicEl>
+                                          </p:spTgt>
+                                        </p:tgtEl>
+                                      </p:cBhvr>
+                                    </p:animEffect>
+                                  </p:childTnLst>
+                                </p:cTn>
+                              </p:par>
+                            </p:childTnLst>
+                          </p:cTn>
+                        </p:par>
+                      </p:childTnLst>
+                    </p:cTn>
+                  </p:par>
+                  <p:par>
+                    <p:cTn id="8" fill="hold">
+                      <p:stCondLst>
+                        <p:cond delay="indefinite"/>
+                      </p:stCondLst>
+                      <p:childTnLst>
+                        <p:par>
+                          <p:cTn id="9" fill="hold">
+                            <p:stCondLst>
+                              <p:cond delay="0"/>
+                            </p:stCondLst>
+                            <p:childTnLst>
+                              <p:par>
+                                <p:cTn id="10" presetID="10" presetClass="entr" presetSubtype="0" fill="hold" grpId="0" nodeType="clickEffect">
+                                  <p:stCondLst>
+                                    <p:cond delay="0"/>
+                                  </p:stCondLst>
+                                  <p:childTnLst>
+                                    <p:set>
+                                      <p:cBhvr>
+                                        <p:cTn id="11" dur="1" fill="hold">
+                                          <p:stCondLst>
+                                            <p:cond delay="0"/>
+                                          </p:stCondLst>
+                                        </p:cTn>
+                                        <p:tgtEl>
+                                          <p:spTgt spid="11">
+                                            <p:graphicEl>
+                                              <a:chart seriesIdx="0" categoryIdx="-4" bldStep="series"/>
+                                            </p:graphicEl>
+                                          </p:spTgt>
+                                        </p:tgtEl>
+                                        <p:attrNameLst>
+                                          <p:attrName>style.visibility</p:attrName>
+                                        </p:attrNameLst>
+                                      </p:cBhvr>
+                                      <p:to>
+                                        <p:strVal val="visible"/>
+                                      </p:to>
+                                    </p:set>
+                                    <p:animEffect transition="in" filter="fade">
+                                      <p:cBhvr>
+                                        <p:cTn id="12" dur="500"/>
+                                        <p:tgtEl>
+                                          <p:spTgt spid="11">
+                                            <p:graphicEl>
+                                              <a:chart seriesIdx="0" categoryIdx="-4" bldStep="series"/>
+                                            </p:graphicEl>
+                                          </p:spTgt>
+                                        </p:tgtEl>
+                                      </p:cBhvr>
+                                    </p:animEffect>
+                                  </p:childTnLst>
+                                </p:cTn>
+                              </p:par>
+                            </p:childTnLst>
+                          </p:cTn>
+                        </p:par>
+                      </p:childTnLst>
+                    </p:cTn>
+                  </p:par>
+                  <p:par>
+                    <p:cTn id="13" fill="hold">
+                      <p:stCondLst>
+                        <p:cond delay="indefinite"/>
+                      </p:stCondLst>
+                      <p:childTnLst>
+                        <p:par>
+                          <p:cTn id="14" fill="hold">
+                            <p:stCondLst>
+                              <p:cond delay="0"/>
+                            </p:stCondLst>
+                            <p:childTnLst>
+                              <p:par>
+                                <p:cTn id="15" presetID="10" presetClass="entr" presetSubtype="0" fill="hold" grpId="0" nodeType="clickEffect">
+                                  <p:stCondLst>
+                                    <p:cond delay="0"/>
+                                  </p:stCondLst>
+                                  <p:childTnLst>
+                                    <p:set>
+                                      <p:cBhvr>
+                                        <p:cTn id="16" dur="1" fill="hold">
+                                          <p:stCondLst>
+                                            <p:cond delay="0"/>
+                                          </p:stCondLst>
+                                        </p:cTn>
+                                        <p:tgtEl>
+                                          <p:spTgt spid="11">
+                                            <p:graphicEl>
+                                              <a:chart seriesIdx="1" categoryIdx="-4" bldStep="series"/>
+                                            </p:graphicEl>
+                                          </p:spTgt>
+                                        </p:tgtEl>
+                                        <p:attrNameLst>
+                                          <p:attrName>style.visibility</p:attrName>
+                                        </p:attrNameLst>
+                                      </p:cBhvr>
+                                      <p:to>
+                                        <p:strVal val="visible"/>
+                                      </p:to>
+                                    </p:set>
+                                    <p:animEffect transition="in" filter="fade">
+                                      <p:cBhvr>
+                                        <p:cTn id="17" dur="500"/>
+                                        <p:tgtEl>
+                                          <p:spTgt spid="11">
+                                            <p:graphicEl>
+                                              <a:chart seriesIdx="1" categoryIdx="-4" bldStep="series"/>
+                                            </p:graphicEl>
+                                          </p:spTgt>
+                                        </p:tgtEl>
+                                      </p:cBhvr>
+                                    </p:animEffect>
+                                  </p:childTnLst>
+                                </p:cTn>
+                              </p:par>
+                            </p:childTnLst>
+                          </p:cTn>
+                        </p:par>
+                      </p:childTnLst>
+                    </p:cTn>
+                  </p:par>
+                  <p:par>
+                    <p:cTn id="18" fill="hold">
+                      <p:stCondLst>
+                        <p:cond delay="indefinite"/>
+                      </p:stCondLst>
+                      <p:childTnLst>
+                        <p:par>
+                          <p:cTn id="19" fill="hold">
+                            <p:stCondLst>
+                              <p:cond delay="0"/>
+                            </p:stCondLst>
+                            <p:childTnLst>
+                              <p:par>
+                                <p:cTn id="20" presetID="16" presetClass="entr" presetSubtype="21" fill="hold" grpId="0" nodeType="clickEffect">
+                                  <p:stCondLst>
+                                    <p:cond delay="0"/>
+                                  </p:stCondLst>
+                                  <p:childTnLst>
+                                    <p:set>
+                                      <p:cBhvr>
+                                        <p:cTn id="21" dur="1" fill="hold">
+                                          <p:stCondLst>
+                                            <p:cond delay="0"/>
+                                          </p:stCondLst>
+                                        </p:cTn>
+                                        <p:tgtEl>
+                                          <p:spTgt spid="16"/>
+                                        </p:tgtEl>
+                                        <p:attrNameLst>
+                                          <p:attrName>style.visibility</p:attrName>
+                                        </p:attrNameLst>
+                                      </p:cBhvr>
+                                      <p:to>
+                                        <p:strVal val="visible"/>
+                                      </p:to>
+                                    </p:set>
+                                    <p:animEffect transition="in" filter="barn(inVertical)">
+                                      <p:cBhvr>
+                                        <p:cTn id="22" dur="500"/>
+                                        <p:tgtEl>
+                                          <p:spTgt spid="16"/>
+                                        </p:tgtEl>
+                                      </p:cBhvr>
+                                    </p:animEffect>
+                                  </p:childTnLst>
+                                </p:cTn>
+                              </p:par>
+                            </p:childTnLst>
+                          </p:cTn>
+                        </p:par>
+                      </p:childTnLst>
+                    </p:cTn>
+                  </p:par>
+                </p:childTnLst>
+              </p:cTn>
+              <p:prevCondLst>
+                <p:cond evt="onPrev" delay="0">
+                  <p:tgtEl>
+                    <p:sldTgt/>
+                  </p:tgtEl>
+                </p:cond>
+              </p:prevCondLst>
+              <p:nextCondLst>
+                <p:cond evt="onNext" delay="0">
+                  <p:tgtEl>
+                    <p:sldTgt/>
+                  </p:tgtEl>
+                </p:cond>
+              </p:nextCondLst>
+            </p:seq>
+          </p:childTnLst>
+        </p:cTn>
+      </p:par>
+    </p:tnLst>
+    <p:bldLst>
+      <p:bldGraphic spid="11" grpId="0">
+        <p:bldSub>
+          <a:bldChart bld="series"/>
+        </p:bldSub>
+      </p:bldGraphic>
+      <p:bldP spid="16" grpId="0"/>
+    </p:bldLst>
+  </p:timing>
 </p:sld>
 </file>
 
